--- a/Занятие 5/Лекция 5.pptx
+++ b/Занятие 5/Лекция 5.pptx
@@ -4,6 +4,9 @@
   <p:sldMasterIdLst>
     <p:sldMasterId id="2147483648" r:id="rId1"/>
   </p:sldMasterIdLst>
+  <p:notesMasterIdLst>
+    <p:notesMasterId r:id="rId19"/>
+  </p:notesMasterIdLst>
   <p:sldIdLst>
     <p:sldId id="256" r:id="rId2"/>
     <p:sldId id="257" r:id="rId3"/>
@@ -11,15 +14,17 @@
     <p:sldId id="267" r:id="rId5"/>
     <p:sldId id="258" r:id="rId6"/>
     <p:sldId id="259" r:id="rId7"/>
-    <p:sldId id="260" r:id="rId8"/>
-    <p:sldId id="268" r:id="rId9"/>
-    <p:sldId id="269" r:id="rId10"/>
-    <p:sldId id="261" r:id="rId11"/>
-    <p:sldId id="262" r:id="rId12"/>
-    <p:sldId id="270" r:id="rId13"/>
-    <p:sldId id="271" r:id="rId14"/>
-    <p:sldId id="263" r:id="rId15"/>
-    <p:sldId id="264" r:id="rId16"/>
+    <p:sldId id="272" r:id="rId8"/>
+    <p:sldId id="273" r:id="rId9"/>
+    <p:sldId id="260" r:id="rId10"/>
+    <p:sldId id="268" r:id="rId11"/>
+    <p:sldId id="269" r:id="rId12"/>
+    <p:sldId id="261" r:id="rId13"/>
+    <p:sldId id="262" r:id="rId14"/>
+    <p:sldId id="270" r:id="rId15"/>
+    <p:sldId id="271" r:id="rId16"/>
+    <p:sldId id="263" r:id="rId17"/>
+    <p:sldId id="264" r:id="rId18"/>
   </p:sldIdLst>
   <p:sldSz cx="12192000" cy="6858000"/>
   <p:notesSz cx="6858000" cy="9144000"/>
@@ -118,7 +123,562 @@
       </a:defRPr>
     </a:lvl9pPr>
   </p:defaultTextStyle>
+  <p:extLst>
+    <p:ext uri="{EFAFB233-063F-42B5-8137-9DF3F51BA10A}">
+      <p15:sldGuideLst xmlns:p15="http://schemas.microsoft.com/office/powerpoint/2012/main"/>
+    </p:ext>
+  </p:extLst>
 </p:presentation>
+</file>
+
+<file path=ppt/notesMasters/notesMaster1.xml><?xml version="1.0" encoding="utf-8"?>
+<p:notesMaster xmlns:a="http://schemas.openxmlformats.org/drawingml/2006/main" xmlns:r="http://schemas.openxmlformats.org/officeDocument/2006/relationships" xmlns:p="http://schemas.openxmlformats.org/presentationml/2006/main">
+  <p:cSld>
+    <p:bg>
+      <p:bgRef idx="1001">
+        <a:schemeClr val="bg1"/>
+      </p:bgRef>
+    </p:bg>
+    <p:spTree>
+      <p:nvGrpSpPr>
+        <p:cNvPr id="1" name=""/>
+        <p:cNvGrpSpPr/>
+        <p:nvPr/>
+      </p:nvGrpSpPr>
+      <p:grpSpPr>
+        <a:xfrm>
+          <a:off x="0" y="0"/>
+          <a:ext cx="0" cy="0"/>
+          <a:chOff x="0" y="0"/>
+          <a:chExt cx="0" cy="0"/>
+        </a:xfrm>
+      </p:grpSpPr>
+      <p:sp>
+        <p:nvSpPr>
+          <p:cNvPr id="2" name="Верхний колонтитул 1"/>
+          <p:cNvSpPr>
+            <a:spLocks noGrp="1"/>
+          </p:cNvSpPr>
+          <p:nvPr>
+            <p:ph type="hdr" sz="quarter"/>
+          </p:nvPr>
+        </p:nvSpPr>
+        <p:spPr>
+          <a:xfrm>
+            <a:off x="0" y="0"/>
+            <a:ext cx="2971800" cy="458788"/>
+          </a:xfrm>
+          <a:prstGeom prst="rect">
+            <a:avLst/>
+          </a:prstGeom>
+        </p:spPr>
+        <p:txBody>
+          <a:bodyPr vert="horz" lIns="91440" tIns="45720" rIns="91440" bIns="45720" rtlCol="0"/>
+          <a:lstStyle>
+            <a:lvl1pPr algn="l">
+              <a:defRPr sz="1200"/>
+            </a:lvl1pPr>
+          </a:lstStyle>
+          <a:p>
+            <a:endParaRPr lang="ru-RU"/>
+          </a:p>
+        </p:txBody>
+      </p:sp>
+      <p:sp>
+        <p:nvSpPr>
+          <p:cNvPr id="3" name="Дата 2"/>
+          <p:cNvSpPr>
+            <a:spLocks noGrp="1"/>
+          </p:cNvSpPr>
+          <p:nvPr>
+            <p:ph type="dt" idx="1"/>
+          </p:nvPr>
+        </p:nvSpPr>
+        <p:spPr>
+          <a:xfrm>
+            <a:off x="3884613" y="0"/>
+            <a:ext cx="2971800" cy="458788"/>
+          </a:xfrm>
+          <a:prstGeom prst="rect">
+            <a:avLst/>
+          </a:prstGeom>
+        </p:spPr>
+        <p:txBody>
+          <a:bodyPr vert="horz" lIns="91440" tIns="45720" rIns="91440" bIns="45720" rtlCol="0"/>
+          <a:lstStyle>
+            <a:lvl1pPr algn="r">
+              <a:defRPr sz="1200"/>
+            </a:lvl1pPr>
+          </a:lstStyle>
+          <a:p>
+            <a:fld id="{79D96D9C-B9FD-4EAD-AD28-B278712BAA3F}" type="datetimeFigureOut">
+              <a:rPr lang="ru-RU" smtClean="0"/>
+              <a:t>07.10.2024</a:t>
+            </a:fld>
+            <a:endParaRPr lang="ru-RU"/>
+          </a:p>
+        </p:txBody>
+      </p:sp>
+      <p:sp>
+        <p:nvSpPr>
+          <p:cNvPr id="4" name="Образ слайда 3"/>
+          <p:cNvSpPr>
+            <a:spLocks noGrp="1" noRot="1" noChangeAspect="1"/>
+          </p:cNvSpPr>
+          <p:nvPr>
+            <p:ph type="sldImg" idx="2"/>
+          </p:nvPr>
+        </p:nvSpPr>
+        <p:spPr>
+          <a:xfrm>
+            <a:off x="685800" y="1143000"/>
+            <a:ext cx="5486400" cy="3086100"/>
+          </a:xfrm>
+          <a:prstGeom prst="rect">
+            <a:avLst/>
+          </a:prstGeom>
+          <a:noFill/>
+          <a:ln w="12700">
+            <a:solidFill>
+              <a:prstClr val="black"/>
+            </a:solidFill>
+          </a:ln>
+        </p:spPr>
+        <p:txBody>
+          <a:bodyPr vert="horz" lIns="91440" tIns="45720" rIns="91440" bIns="45720" rtlCol="0" anchor="ctr"/>
+          <a:lstStyle/>
+          <a:p>
+            <a:endParaRPr lang="ru-RU"/>
+          </a:p>
+        </p:txBody>
+      </p:sp>
+      <p:sp>
+        <p:nvSpPr>
+          <p:cNvPr id="5" name="Заметки 4"/>
+          <p:cNvSpPr>
+            <a:spLocks noGrp="1"/>
+          </p:cNvSpPr>
+          <p:nvPr>
+            <p:ph type="body" sz="quarter" idx="3"/>
+          </p:nvPr>
+        </p:nvSpPr>
+        <p:spPr>
+          <a:xfrm>
+            <a:off x="685800" y="4400550"/>
+            <a:ext cx="5486400" cy="3600450"/>
+          </a:xfrm>
+          <a:prstGeom prst="rect">
+            <a:avLst/>
+          </a:prstGeom>
+        </p:spPr>
+        <p:txBody>
+          <a:bodyPr vert="horz" lIns="91440" tIns="45720" rIns="91440" bIns="45720" rtlCol="0"/>
+          <a:lstStyle/>
+          <a:p>
+            <a:pPr lvl="0"/>
+            <a:r>
+              <a:rPr lang="ru-RU" smtClean="0"/>
+              <a:t>Образец текста</a:t>
+            </a:r>
+          </a:p>
+          <a:p>
+            <a:pPr lvl="1"/>
+            <a:r>
+              <a:rPr lang="ru-RU" smtClean="0"/>
+              <a:t>Второй уровень</a:t>
+            </a:r>
+          </a:p>
+          <a:p>
+            <a:pPr lvl="2"/>
+            <a:r>
+              <a:rPr lang="ru-RU" smtClean="0"/>
+              <a:t>Третий уровень</a:t>
+            </a:r>
+          </a:p>
+          <a:p>
+            <a:pPr lvl="3"/>
+            <a:r>
+              <a:rPr lang="ru-RU" smtClean="0"/>
+              <a:t>Четвертый уровень</a:t>
+            </a:r>
+          </a:p>
+          <a:p>
+            <a:pPr lvl="4"/>
+            <a:r>
+              <a:rPr lang="ru-RU" smtClean="0"/>
+              <a:t>Пятый уровень</a:t>
+            </a:r>
+            <a:endParaRPr lang="ru-RU"/>
+          </a:p>
+        </p:txBody>
+      </p:sp>
+      <p:sp>
+        <p:nvSpPr>
+          <p:cNvPr id="6" name="Нижний колонтитул 5"/>
+          <p:cNvSpPr>
+            <a:spLocks noGrp="1"/>
+          </p:cNvSpPr>
+          <p:nvPr>
+            <p:ph type="ftr" sz="quarter" idx="4"/>
+          </p:nvPr>
+        </p:nvSpPr>
+        <p:spPr>
+          <a:xfrm>
+            <a:off x="0" y="8685213"/>
+            <a:ext cx="2971800" cy="458787"/>
+          </a:xfrm>
+          <a:prstGeom prst="rect">
+            <a:avLst/>
+          </a:prstGeom>
+        </p:spPr>
+        <p:txBody>
+          <a:bodyPr vert="horz" lIns="91440" tIns="45720" rIns="91440" bIns="45720" rtlCol="0" anchor="b"/>
+          <a:lstStyle>
+            <a:lvl1pPr algn="l">
+              <a:defRPr sz="1200"/>
+            </a:lvl1pPr>
+          </a:lstStyle>
+          <a:p>
+            <a:endParaRPr lang="ru-RU"/>
+          </a:p>
+        </p:txBody>
+      </p:sp>
+      <p:sp>
+        <p:nvSpPr>
+          <p:cNvPr id="7" name="Номер слайда 6"/>
+          <p:cNvSpPr>
+            <a:spLocks noGrp="1"/>
+          </p:cNvSpPr>
+          <p:nvPr>
+            <p:ph type="sldNum" sz="quarter" idx="5"/>
+          </p:nvPr>
+        </p:nvSpPr>
+        <p:spPr>
+          <a:xfrm>
+            <a:off x="3884613" y="8685213"/>
+            <a:ext cx="2971800" cy="458787"/>
+          </a:xfrm>
+          <a:prstGeom prst="rect">
+            <a:avLst/>
+          </a:prstGeom>
+        </p:spPr>
+        <p:txBody>
+          <a:bodyPr vert="horz" lIns="91440" tIns="45720" rIns="91440" bIns="45720" rtlCol="0" anchor="b"/>
+          <a:lstStyle>
+            <a:lvl1pPr algn="r">
+              <a:defRPr sz="1200"/>
+            </a:lvl1pPr>
+          </a:lstStyle>
+          <a:p>
+            <a:fld id="{E5B0D3F1-44EC-40B6-ADF2-14F660FFD4BE}" type="slidenum">
+              <a:rPr lang="ru-RU" smtClean="0"/>
+              <a:t>‹#›</a:t>
+            </a:fld>
+            <a:endParaRPr lang="ru-RU"/>
+          </a:p>
+        </p:txBody>
+      </p:sp>
+    </p:spTree>
+    <p:extLst>
+      <p:ext uri="{BB962C8B-B14F-4D97-AF65-F5344CB8AC3E}">
+        <p14:creationId xmlns:p14="http://schemas.microsoft.com/office/powerpoint/2010/main" val="4038446966"/>
+      </p:ext>
+    </p:extLst>
+  </p:cSld>
+  <p:clrMap bg1="lt1" tx1="dk1" bg2="lt2" tx2="dk2" accent1="accent1" accent2="accent2" accent3="accent3" accent4="accent4" accent5="accent5" accent6="accent6" hlink="hlink" folHlink="folHlink"/>
+  <p:notesStyle>
+    <a:lvl1pPr marL="0" algn="l" defTabSz="914400" rtl="0" eaLnBrk="1" latinLnBrk="0" hangingPunct="1">
+      <a:defRPr sz="1200" kern="1200">
+        <a:solidFill>
+          <a:schemeClr val="tx1"/>
+        </a:solidFill>
+        <a:latin typeface="+mn-lt"/>
+        <a:ea typeface="+mn-ea"/>
+        <a:cs typeface="+mn-cs"/>
+      </a:defRPr>
+    </a:lvl1pPr>
+    <a:lvl2pPr marL="457200" algn="l" defTabSz="914400" rtl="0" eaLnBrk="1" latinLnBrk="0" hangingPunct="1">
+      <a:defRPr sz="1200" kern="1200">
+        <a:solidFill>
+          <a:schemeClr val="tx1"/>
+        </a:solidFill>
+        <a:latin typeface="+mn-lt"/>
+        <a:ea typeface="+mn-ea"/>
+        <a:cs typeface="+mn-cs"/>
+      </a:defRPr>
+    </a:lvl2pPr>
+    <a:lvl3pPr marL="914400" algn="l" defTabSz="914400" rtl="0" eaLnBrk="1" latinLnBrk="0" hangingPunct="1">
+      <a:defRPr sz="1200" kern="1200">
+        <a:solidFill>
+          <a:schemeClr val="tx1"/>
+        </a:solidFill>
+        <a:latin typeface="+mn-lt"/>
+        <a:ea typeface="+mn-ea"/>
+        <a:cs typeface="+mn-cs"/>
+      </a:defRPr>
+    </a:lvl3pPr>
+    <a:lvl4pPr marL="1371600" algn="l" defTabSz="914400" rtl="0" eaLnBrk="1" latinLnBrk="0" hangingPunct="1">
+      <a:defRPr sz="1200" kern="1200">
+        <a:solidFill>
+          <a:schemeClr val="tx1"/>
+        </a:solidFill>
+        <a:latin typeface="+mn-lt"/>
+        <a:ea typeface="+mn-ea"/>
+        <a:cs typeface="+mn-cs"/>
+      </a:defRPr>
+    </a:lvl4pPr>
+    <a:lvl5pPr marL="1828800" algn="l" defTabSz="914400" rtl="0" eaLnBrk="1" latinLnBrk="0" hangingPunct="1">
+      <a:defRPr sz="1200" kern="1200">
+        <a:solidFill>
+          <a:schemeClr val="tx1"/>
+        </a:solidFill>
+        <a:latin typeface="+mn-lt"/>
+        <a:ea typeface="+mn-ea"/>
+        <a:cs typeface="+mn-cs"/>
+      </a:defRPr>
+    </a:lvl5pPr>
+    <a:lvl6pPr marL="2286000" algn="l" defTabSz="914400" rtl="0" eaLnBrk="1" latinLnBrk="0" hangingPunct="1">
+      <a:defRPr sz="1200" kern="1200">
+        <a:solidFill>
+          <a:schemeClr val="tx1"/>
+        </a:solidFill>
+        <a:latin typeface="+mn-lt"/>
+        <a:ea typeface="+mn-ea"/>
+        <a:cs typeface="+mn-cs"/>
+      </a:defRPr>
+    </a:lvl6pPr>
+    <a:lvl7pPr marL="2743200" algn="l" defTabSz="914400" rtl="0" eaLnBrk="1" latinLnBrk="0" hangingPunct="1">
+      <a:defRPr sz="1200" kern="1200">
+        <a:solidFill>
+          <a:schemeClr val="tx1"/>
+        </a:solidFill>
+        <a:latin typeface="+mn-lt"/>
+        <a:ea typeface="+mn-ea"/>
+        <a:cs typeface="+mn-cs"/>
+      </a:defRPr>
+    </a:lvl7pPr>
+    <a:lvl8pPr marL="3200400" algn="l" defTabSz="914400" rtl="0" eaLnBrk="1" latinLnBrk="0" hangingPunct="1">
+      <a:defRPr sz="1200" kern="1200">
+        <a:solidFill>
+          <a:schemeClr val="tx1"/>
+        </a:solidFill>
+        <a:latin typeface="+mn-lt"/>
+        <a:ea typeface="+mn-ea"/>
+        <a:cs typeface="+mn-cs"/>
+      </a:defRPr>
+    </a:lvl8pPr>
+    <a:lvl9pPr marL="3657600" algn="l" defTabSz="914400" rtl="0" eaLnBrk="1" latinLnBrk="0" hangingPunct="1">
+      <a:defRPr sz="1200" kern="1200">
+        <a:solidFill>
+          <a:schemeClr val="tx1"/>
+        </a:solidFill>
+        <a:latin typeface="+mn-lt"/>
+        <a:ea typeface="+mn-ea"/>
+        <a:cs typeface="+mn-cs"/>
+      </a:defRPr>
+    </a:lvl9pPr>
+  </p:notesStyle>
+</p:notesMaster>
+</file>
+
+<file path=ppt/notesSlides/notesSlide1.xml><?xml version="1.0" encoding="utf-8"?>
+<p:notes xmlns:a="http://schemas.openxmlformats.org/drawingml/2006/main" xmlns:r="http://schemas.openxmlformats.org/officeDocument/2006/relationships" xmlns:p="http://schemas.openxmlformats.org/presentationml/2006/main">
+  <p:cSld>
+    <p:spTree>
+      <p:nvGrpSpPr>
+        <p:cNvPr id="1" name=""/>
+        <p:cNvGrpSpPr/>
+        <p:nvPr/>
+      </p:nvGrpSpPr>
+      <p:grpSpPr>
+        <a:xfrm>
+          <a:off x="0" y="0"/>
+          <a:ext cx="0" cy="0"/>
+          <a:chOff x="0" y="0"/>
+          <a:chExt cx="0" cy="0"/>
+        </a:xfrm>
+      </p:grpSpPr>
+      <p:sp>
+        <p:nvSpPr>
+          <p:cNvPr id="7" name=" 6"/>
+          <p:cNvSpPr txBox="1">
+            <a:spLocks noGrp="1"/>
+          </p:cNvSpPr>
+          <p:nvPr>
+            <p:ph type="sldNum" sz="quarter" idx="5"/>
+          </p:nvPr>
+        </p:nvSpPr>
+        <p:spPr>
+          <a:ln/>
+        </p:spPr>
+        <p:txBody>
+          <a:bodyPr lIns="0" tIns="0" rIns="0" bIns="0" anchor="b" anchorCtr="0">
+            <a:noAutofit/>
+          </a:bodyPr>
+          <a:lstStyle/>
+          <a:p>
+            <a:pPr lvl="0"/>
+            <a:fld id="{526F5EAE-0FA5-4506-A5BA-7A27CCA0C727}" type="slidenum">
+              <a:t>7</a:t>
+            </a:fld>
+            <a:endParaRPr lang="ru-RU"/>
+          </a:p>
+        </p:txBody>
+      </p:sp>
+      <p:sp>
+        <p:nvSpPr>
+          <p:cNvPr id="2" name="Образ слайда 1"/>
+          <p:cNvSpPr>
+            <a:spLocks noGrp="1" noRot="1" noChangeAspect="1" noResize="1"/>
+          </p:cNvSpPr>
+          <p:nvPr>
+            <p:ph type="sldImg"/>
+          </p:nvPr>
+        </p:nvSpPr>
+        <p:spPr>
+          <a:solidFill>
+            <a:srgbClr val="729FCF"/>
+          </a:solidFill>
+          <a:ln w="25400">
+            <a:solidFill>
+              <a:srgbClr val="3465A4"/>
+            </a:solidFill>
+            <a:prstDash val="solid"/>
+          </a:ln>
+        </p:spPr>
+      </p:sp>
+      <p:sp>
+        <p:nvSpPr>
+          <p:cNvPr id="3" name=" 2"/>
+          <p:cNvSpPr txBox="1">
+            <a:spLocks noGrp="1"/>
+          </p:cNvSpPr>
+          <p:nvPr>
+            <p:ph type="body" sz="quarter" idx="1"/>
+          </p:nvPr>
+        </p:nvSpPr>
+        <p:spPr/>
+        <p:txBody>
+          <a:bodyPr>
+            <a:spAutoFit/>
+          </a:bodyPr>
+          <a:lstStyle/>
+          <a:p>
+            <a:endParaRPr lang="ru-RU" sz="2810"/>
+          </a:p>
+        </p:txBody>
+      </p:sp>
+    </p:spTree>
+    <p:extLst>
+      <p:ext uri="{BB962C8B-B14F-4D97-AF65-F5344CB8AC3E}">
+        <p14:creationId xmlns:p14="http://schemas.microsoft.com/office/powerpoint/2010/main" val="3626103313"/>
+      </p:ext>
+    </p:extLst>
+  </p:cSld>
+  <p:clrMapOvr>
+    <a:masterClrMapping/>
+  </p:clrMapOvr>
+</p:notes>
+</file>
+
+<file path=ppt/notesSlides/notesSlide2.xml><?xml version="1.0" encoding="utf-8"?>
+<p:notes xmlns:a="http://schemas.openxmlformats.org/drawingml/2006/main" xmlns:r="http://schemas.openxmlformats.org/officeDocument/2006/relationships" xmlns:p="http://schemas.openxmlformats.org/presentationml/2006/main">
+  <p:cSld>
+    <p:spTree>
+      <p:nvGrpSpPr>
+        <p:cNvPr id="1" name=""/>
+        <p:cNvGrpSpPr/>
+        <p:nvPr/>
+      </p:nvGrpSpPr>
+      <p:grpSpPr>
+        <a:xfrm>
+          <a:off x="0" y="0"/>
+          <a:ext cx="0" cy="0"/>
+          <a:chOff x="0" y="0"/>
+          <a:chExt cx="0" cy="0"/>
+        </a:xfrm>
+      </p:grpSpPr>
+      <p:sp>
+        <p:nvSpPr>
+          <p:cNvPr id="7" name=" 6"/>
+          <p:cNvSpPr txBox="1">
+            <a:spLocks noGrp="1"/>
+          </p:cNvSpPr>
+          <p:nvPr>
+            <p:ph type="sldNum" sz="quarter" idx="5"/>
+          </p:nvPr>
+        </p:nvSpPr>
+        <p:spPr>
+          <a:ln/>
+        </p:spPr>
+        <p:txBody>
+          <a:bodyPr lIns="0" tIns="0" rIns="0" bIns="0" anchor="b" anchorCtr="0">
+            <a:noAutofit/>
+          </a:bodyPr>
+          <a:lstStyle/>
+          <a:p>
+            <a:pPr lvl="0"/>
+            <a:fld id="{43FCD945-3CFD-40F3-B65C-0442D873F1D6}" type="slidenum">
+              <a:t>8</a:t>
+            </a:fld>
+            <a:endParaRPr lang="ru-RU"/>
+          </a:p>
+        </p:txBody>
+      </p:sp>
+      <p:sp>
+        <p:nvSpPr>
+          <p:cNvPr id="2" name="Образ слайда 1"/>
+          <p:cNvSpPr>
+            <a:spLocks noGrp="1" noRot="1" noChangeAspect="1" noResize="1"/>
+          </p:cNvSpPr>
+          <p:nvPr>
+            <p:ph type="sldImg"/>
+          </p:nvPr>
+        </p:nvSpPr>
+        <p:spPr>
+          <a:solidFill>
+            <a:srgbClr val="729FCF"/>
+          </a:solidFill>
+          <a:ln w="25400">
+            <a:solidFill>
+              <a:srgbClr val="3465A4"/>
+            </a:solidFill>
+            <a:prstDash val="solid"/>
+          </a:ln>
+        </p:spPr>
+      </p:sp>
+      <p:sp>
+        <p:nvSpPr>
+          <p:cNvPr id="3" name=" 2"/>
+          <p:cNvSpPr txBox="1">
+            <a:spLocks noGrp="1"/>
+          </p:cNvSpPr>
+          <p:nvPr>
+            <p:ph type="body" sz="quarter" idx="1"/>
+          </p:nvPr>
+        </p:nvSpPr>
+        <p:spPr/>
+        <p:txBody>
+          <a:bodyPr>
+            <a:spAutoFit/>
+          </a:bodyPr>
+          <a:lstStyle/>
+          <a:p>
+            <a:endParaRPr lang="ru-RU" sz="2810"/>
+          </a:p>
+        </p:txBody>
+      </p:sp>
+    </p:spTree>
+    <p:extLst>
+      <p:ext uri="{BB962C8B-B14F-4D97-AF65-F5344CB8AC3E}">
+        <p14:creationId xmlns:p14="http://schemas.microsoft.com/office/powerpoint/2010/main" val="3855303706"/>
+      </p:ext>
+    </p:extLst>
+  </p:cSld>
+  <p:clrMapOvr>
+    <a:masterClrMapping/>
+  </p:clrMapOvr>
+</p:notes>
 </file>
 
 <file path=ppt/slideLayouts/slideLayout1.xml><?xml version="1.0" encoding="utf-8"?>
@@ -252,7 +812,7 @@
           <a:p>
             <a:fld id="{9A30E0A9-828F-461A-A8F2-3667F0EA2172}" type="datetimeFigureOut">
               <a:rPr lang="ru-RU" smtClean="0"/>
-              <a:t>05.10.2024</a:t>
+              <a:t>07.10.2024</a:t>
             </a:fld>
             <a:endParaRPr lang="ru-RU"/>
           </a:p>
@@ -422,7 +982,7 @@
           <a:p>
             <a:fld id="{9A30E0A9-828F-461A-A8F2-3667F0EA2172}" type="datetimeFigureOut">
               <a:rPr lang="ru-RU" smtClean="0"/>
-              <a:t>05.10.2024</a:t>
+              <a:t>07.10.2024</a:t>
             </a:fld>
             <a:endParaRPr lang="ru-RU"/>
           </a:p>
@@ -602,7 +1162,7 @@
           <a:p>
             <a:fld id="{9A30E0A9-828F-461A-A8F2-3667F0EA2172}" type="datetimeFigureOut">
               <a:rPr lang="ru-RU" smtClean="0"/>
-              <a:t>05.10.2024</a:t>
+              <a:t>07.10.2024</a:t>
             </a:fld>
             <a:endParaRPr lang="ru-RU"/>
           </a:p>
@@ -772,7 +1332,7 @@
           <a:p>
             <a:fld id="{9A30E0A9-828F-461A-A8F2-3667F0EA2172}" type="datetimeFigureOut">
               <a:rPr lang="ru-RU" smtClean="0"/>
-              <a:t>05.10.2024</a:t>
+              <a:t>07.10.2024</a:t>
             </a:fld>
             <a:endParaRPr lang="ru-RU"/>
           </a:p>
@@ -1018,7 +1578,7 @@
           <a:p>
             <a:fld id="{9A30E0A9-828F-461A-A8F2-3667F0EA2172}" type="datetimeFigureOut">
               <a:rPr lang="ru-RU" smtClean="0"/>
-              <a:t>05.10.2024</a:t>
+              <a:t>07.10.2024</a:t>
             </a:fld>
             <a:endParaRPr lang="ru-RU"/>
           </a:p>
@@ -1250,7 +1810,7 @@
           <a:p>
             <a:fld id="{9A30E0A9-828F-461A-A8F2-3667F0EA2172}" type="datetimeFigureOut">
               <a:rPr lang="ru-RU" smtClean="0"/>
-              <a:t>05.10.2024</a:t>
+              <a:t>07.10.2024</a:t>
             </a:fld>
             <a:endParaRPr lang="ru-RU"/>
           </a:p>
@@ -1617,7 +2177,7 @@
           <a:p>
             <a:fld id="{9A30E0A9-828F-461A-A8F2-3667F0EA2172}" type="datetimeFigureOut">
               <a:rPr lang="ru-RU" smtClean="0"/>
-              <a:t>05.10.2024</a:t>
+              <a:t>07.10.2024</a:t>
             </a:fld>
             <a:endParaRPr lang="ru-RU"/>
           </a:p>
@@ -1735,7 +2295,7 @@
           <a:p>
             <a:fld id="{9A30E0A9-828F-461A-A8F2-3667F0EA2172}" type="datetimeFigureOut">
               <a:rPr lang="ru-RU" smtClean="0"/>
-              <a:t>05.10.2024</a:t>
+              <a:t>07.10.2024</a:t>
             </a:fld>
             <a:endParaRPr lang="ru-RU"/>
           </a:p>
@@ -1830,7 +2390,7 @@
           <a:p>
             <a:fld id="{9A30E0A9-828F-461A-A8F2-3667F0EA2172}" type="datetimeFigureOut">
               <a:rPr lang="ru-RU" smtClean="0"/>
-              <a:t>05.10.2024</a:t>
+              <a:t>07.10.2024</a:t>
             </a:fld>
             <a:endParaRPr lang="ru-RU"/>
           </a:p>
@@ -2107,7 +2667,7 @@
           <a:p>
             <a:fld id="{9A30E0A9-828F-461A-A8F2-3667F0EA2172}" type="datetimeFigureOut">
               <a:rPr lang="ru-RU" smtClean="0"/>
-              <a:t>05.10.2024</a:t>
+              <a:t>07.10.2024</a:t>
             </a:fld>
             <a:endParaRPr lang="ru-RU"/>
           </a:p>
@@ -2360,7 +2920,7 @@
           <a:p>
             <a:fld id="{9A30E0A9-828F-461A-A8F2-3667F0EA2172}" type="datetimeFigureOut">
               <a:rPr lang="ru-RU" smtClean="0"/>
-              <a:t>05.10.2024</a:t>
+              <a:t>07.10.2024</a:t>
             </a:fld>
             <a:endParaRPr lang="ru-RU"/>
           </a:p>
@@ -2573,7 +3133,7 @@
           <a:p>
             <a:fld id="{9A30E0A9-828F-461A-A8F2-3667F0EA2172}" type="datetimeFigureOut">
               <a:rPr lang="ru-RU" smtClean="0"/>
-              <a:t>05.10.2024</a:t>
+              <a:t>07.10.2024</a:t>
             </a:fld>
             <a:endParaRPr lang="ru-RU"/>
           </a:p>
@@ -3024,6 +3584,10 @@
               <a:rPr lang="ru-RU" dirty="0" smtClean="0"/>
               <a:t>Разработка кода информационных систем. Лекция №</a:t>
             </a:r>
+            <a:r>
+              <a:rPr lang="en-US" dirty="0" smtClean="0"/>
+              <a:t>5</a:t>
+            </a:r>
             <a:endParaRPr lang="ru-RU" dirty="0"/>
           </a:p>
         </p:txBody>
@@ -3042,6 +3606,202 @@
 </file>
 
 <file path=ppt/slides/slide10.xml><?xml version="1.0" encoding="utf-8"?>
+<p:sld xmlns:a="http://schemas.openxmlformats.org/drawingml/2006/main" xmlns:r="http://schemas.openxmlformats.org/officeDocument/2006/relationships" xmlns:p="http://schemas.openxmlformats.org/presentationml/2006/main">
+  <p:cSld>
+    <p:spTree>
+      <p:nvGrpSpPr>
+        <p:cNvPr id="1" name=""/>
+        <p:cNvGrpSpPr/>
+        <p:nvPr/>
+      </p:nvGrpSpPr>
+      <p:grpSpPr>
+        <a:xfrm>
+          <a:off x="0" y="0"/>
+          <a:ext cx="0" cy="0"/>
+          <a:chOff x="0" y="0"/>
+          <a:chExt cx="0" cy="0"/>
+        </a:xfrm>
+      </p:grpSpPr>
+      <p:sp>
+        <p:nvSpPr>
+          <p:cNvPr id="2" name="Заголовок 1"/>
+          <p:cNvSpPr>
+            <a:spLocks noGrp="1"/>
+          </p:cNvSpPr>
+          <p:nvPr>
+            <p:ph type="title"/>
+          </p:nvPr>
+        </p:nvSpPr>
+        <p:spPr/>
+        <p:txBody>
+          <a:bodyPr/>
+          <a:lstStyle/>
+          <a:p>
+            <a:r>
+              <a:rPr lang="en-US" dirty="0" err="1" smtClean="0"/>
+              <a:t>StringBuilder</a:t>
+            </a:r>
+            <a:endParaRPr lang="ru-RU" dirty="0"/>
+          </a:p>
+        </p:txBody>
+      </p:sp>
+      <p:pic>
+        <p:nvPicPr>
+          <p:cNvPr id="4" name="Объект 3"/>
+          <p:cNvPicPr>
+            <a:picLocks noGrp="1" noChangeAspect="1"/>
+          </p:cNvPicPr>
+          <p:nvPr>
+            <p:ph idx="1"/>
+          </p:nvPr>
+        </p:nvPicPr>
+        <p:blipFill>
+          <a:blip r:embed="rId2"/>
+          <a:stretch>
+            <a:fillRect/>
+          </a:stretch>
+        </p:blipFill>
+        <p:spPr>
+          <a:xfrm>
+            <a:off x="3298679" y="1690688"/>
+            <a:ext cx="5594642" cy="5167312"/>
+          </a:xfrm>
+          <a:prstGeom prst="rect">
+            <a:avLst/>
+          </a:prstGeom>
+        </p:spPr>
+      </p:pic>
+    </p:spTree>
+    <p:extLst>
+      <p:ext uri="{BB962C8B-B14F-4D97-AF65-F5344CB8AC3E}">
+        <p14:creationId xmlns:p14="http://schemas.microsoft.com/office/powerpoint/2010/main" val="2939980895"/>
+      </p:ext>
+    </p:extLst>
+  </p:cSld>
+  <p:clrMapOvr>
+    <a:masterClrMapping/>
+  </p:clrMapOvr>
+  <p:timing>
+    <p:tnLst>
+      <p:par>
+        <p:cTn id="1" dur="indefinite" restart="never" nodeType="tmRoot"/>
+      </p:par>
+    </p:tnLst>
+  </p:timing>
+</p:sld>
+</file>
+
+<file path=ppt/slides/slide11.xml><?xml version="1.0" encoding="utf-8"?>
+<p:sld xmlns:a="http://schemas.openxmlformats.org/drawingml/2006/main" xmlns:r="http://schemas.openxmlformats.org/officeDocument/2006/relationships" xmlns:p="http://schemas.openxmlformats.org/presentationml/2006/main">
+  <p:cSld>
+    <p:spTree>
+      <p:nvGrpSpPr>
+        <p:cNvPr id="1" name=""/>
+        <p:cNvGrpSpPr/>
+        <p:nvPr/>
+      </p:nvGrpSpPr>
+      <p:grpSpPr>
+        <a:xfrm>
+          <a:off x="0" y="0"/>
+          <a:ext cx="0" cy="0"/>
+          <a:chOff x="0" y="0"/>
+          <a:chExt cx="0" cy="0"/>
+        </a:xfrm>
+      </p:grpSpPr>
+      <p:sp>
+        <p:nvSpPr>
+          <p:cNvPr id="2" name="Заголовок 1"/>
+          <p:cNvSpPr>
+            <a:spLocks noGrp="1"/>
+          </p:cNvSpPr>
+          <p:nvPr>
+            <p:ph type="title"/>
+          </p:nvPr>
+        </p:nvSpPr>
+        <p:spPr/>
+        <p:txBody>
+          <a:bodyPr/>
+          <a:lstStyle/>
+          <a:p>
+            <a:r>
+              <a:rPr lang="en-US" dirty="0" err="1" smtClean="0"/>
+              <a:t>StringBuilder</a:t>
+            </a:r>
+            <a:endParaRPr lang="ru-RU" dirty="0"/>
+          </a:p>
+        </p:txBody>
+      </p:sp>
+      <p:pic>
+        <p:nvPicPr>
+          <p:cNvPr id="5" name="Рисунок 4"/>
+          <p:cNvPicPr>
+            <a:picLocks noChangeAspect="1"/>
+          </p:cNvPicPr>
+          <p:nvPr/>
+        </p:nvPicPr>
+        <p:blipFill>
+          <a:blip r:embed="rId2"/>
+          <a:stretch>
+            <a:fillRect/>
+          </a:stretch>
+        </p:blipFill>
+        <p:spPr>
+          <a:xfrm>
+            <a:off x="1771074" y="5015777"/>
+            <a:ext cx="4814783" cy="1386543"/>
+          </a:xfrm>
+          <a:prstGeom prst="rect">
+            <a:avLst/>
+          </a:prstGeom>
+        </p:spPr>
+      </p:pic>
+      <p:pic>
+        <p:nvPicPr>
+          <p:cNvPr id="7" name="Объект 6"/>
+          <p:cNvPicPr>
+            <a:picLocks noGrp="1" noChangeAspect="1"/>
+          </p:cNvPicPr>
+          <p:nvPr>
+            <p:ph idx="1"/>
+          </p:nvPr>
+        </p:nvPicPr>
+        <p:blipFill>
+          <a:blip r:embed="rId3"/>
+          <a:stretch>
+            <a:fillRect/>
+          </a:stretch>
+        </p:blipFill>
+        <p:spPr>
+          <a:xfrm>
+            <a:off x="1771074" y="1690688"/>
+            <a:ext cx="8656617" cy="3112221"/>
+          </a:xfrm>
+          <a:prstGeom prst="rect">
+            <a:avLst/>
+          </a:prstGeom>
+        </p:spPr>
+      </p:pic>
+    </p:spTree>
+    <p:extLst>
+      <p:ext uri="{BB962C8B-B14F-4D97-AF65-F5344CB8AC3E}">
+        <p14:creationId xmlns:p14="http://schemas.microsoft.com/office/powerpoint/2010/main" val="2625306237"/>
+      </p:ext>
+    </p:extLst>
+  </p:cSld>
+  <p:clrMapOvr>
+    <a:masterClrMapping/>
+  </p:clrMapOvr>
+  <p:timing>
+    <p:tnLst>
+      <p:par>
+        <p:cTn id="1" dur="indefinite" restart="never" nodeType="tmRoot"/>
+      </p:par>
+    </p:tnLst>
+  </p:timing>
+</p:sld>
+</file>
+
+<file path=ppt/slides/slide12.xml><?xml version="1.0" encoding="utf-8"?>
 <p:sld xmlns:a="http://schemas.openxmlformats.org/drawingml/2006/main" xmlns:r="http://schemas.openxmlformats.org/officeDocument/2006/relationships" xmlns:p="http://schemas.openxmlformats.org/presentationml/2006/main">
   <p:cSld>
     <p:spTree>
@@ -3151,7 +3911,7 @@
 </p:sld>
 </file>
 
-<file path=ppt/slides/slide11.xml><?xml version="1.0" encoding="utf-8"?>
+<file path=ppt/slides/slide13.xml><?xml version="1.0" encoding="utf-8"?>
 <p:sld xmlns:a="http://schemas.openxmlformats.org/drawingml/2006/main" xmlns:r="http://schemas.openxmlformats.org/officeDocument/2006/relationships" xmlns:p="http://schemas.openxmlformats.org/presentationml/2006/main">
   <p:cSld>
     <p:spTree>
@@ -3237,7 +3997,7 @@
 </p:sld>
 </file>
 
-<file path=ppt/slides/slide12.xml><?xml version="1.0" encoding="utf-8"?>
+<file path=ppt/slides/slide14.xml><?xml version="1.0" encoding="utf-8"?>
 <p:sld xmlns:a="http://schemas.openxmlformats.org/drawingml/2006/main" xmlns:r="http://schemas.openxmlformats.org/officeDocument/2006/relationships" xmlns:p="http://schemas.openxmlformats.org/presentationml/2006/main">
   <p:cSld>
     <p:spTree>
@@ -3316,7 +4076,7 @@
 </p:sld>
 </file>
 
-<file path=ppt/slides/slide13.xml><?xml version="1.0" encoding="utf-8"?>
+<file path=ppt/slides/slide15.xml><?xml version="1.0" encoding="utf-8"?>
 <p:sld xmlns:a="http://schemas.openxmlformats.org/drawingml/2006/main" xmlns:r="http://schemas.openxmlformats.org/officeDocument/2006/relationships" xmlns:p="http://schemas.openxmlformats.org/presentationml/2006/main">
   <p:cSld>
     <p:spTree>
@@ -3395,7 +4155,7 @@
 </p:sld>
 </file>
 
-<file path=ppt/slides/slide14.xml><?xml version="1.0" encoding="utf-8"?>
+<file path=ppt/slides/slide16.xml><?xml version="1.0" encoding="utf-8"?>
 <p:sld xmlns:a="http://schemas.openxmlformats.org/drawingml/2006/main" xmlns:r="http://schemas.openxmlformats.org/officeDocument/2006/relationships" xmlns:p="http://schemas.openxmlformats.org/presentationml/2006/main">
   <p:cSld>
     <p:spTree>
@@ -3481,7 +4241,7 @@
 </p:sld>
 </file>
 
-<file path=ppt/slides/slide15.xml><?xml version="1.0" encoding="utf-8"?>
+<file path=ppt/slides/slide17.xml><?xml version="1.0" encoding="utf-8"?>
 <p:sld xmlns:a="http://schemas.openxmlformats.org/drawingml/2006/main" xmlns:r="http://schemas.openxmlformats.org/officeDocument/2006/relationships" xmlns:p="http://schemas.openxmlformats.org/presentationml/2006/main">
   <p:cSld>
     <p:spTree>
@@ -3945,6 +4705,13 @@
   <p:clrMapOvr>
     <a:masterClrMapping/>
   </p:clrMapOvr>
+  <p:timing>
+    <p:tnLst>
+      <p:par>
+        <p:cTn id="1" dur="indefinite" restart="never" nodeType="tmRoot"/>
+      </p:par>
+    </p:tnLst>
+  </p:timing>
 </p:sld>
 </file>
 
@@ -4024,6 +4791,13 @@
   <p:clrMapOvr>
     <a:masterClrMapping/>
   </p:clrMapOvr>
+  <p:timing>
+    <p:tnLst>
+      <p:par>
+        <p:cTn id="1" dur="indefinite" restart="never" nodeType="tmRoot"/>
+      </p:par>
+    </p:tnLst>
+  </p:timing>
 </p:sld>
 </file>
 
@@ -4046,63 +4820,2609 @@
       </p:grpSpPr>
       <p:sp>
         <p:nvSpPr>
-          <p:cNvPr id="2" name="Заголовок 1"/>
-          <p:cNvSpPr>
-            <a:spLocks noGrp="1"/>
-          </p:cNvSpPr>
-          <p:nvPr>
-            <p:ph type="title"/>
-          </p:nvPr>
+          <p:cNvPr id="2" name="TextBox 1"/>
+          <p:cNvSpPr txBox="1"/>
+          <p:nvPr/>
         </p:nvSpPr>
-        <p:spPr/>
-        <p:txBody>
-          <a:bodyPr/>
-          <a:lstStyle/>
-          <a:p>
-            <a:r>
-              <a:rPr lang="en-US" dirty="0" err="1" smtClean="0"/>
-              <a:t>StringBuilder</a:t>
-            </a:r>
-            <a:endParaRPr lang="ru-RU" dirty="0"/>
-          </a:p>
-        </p:txBody>
-      </p:sp>
-      <p:pic>
-        <p:nvPicPr>
-          <p:cNvPr id="4" name="Объект 3"/>
-          <p:cNvPicPr>
-            <a:picLocks noGrp="1" noChangeAspect="1"/>
-          </p:cNvPicPr>
-          <p:nvPr>
-            <p:ph idx="1"/>
-          </p:nvPr>
-        </p:nvPicPr>
-        <p:blipFill>
-          <a:blip r:embed="rId2"/>
-          <a:stretch>
-            <a:fillRect/>
-          </a:stretch>
-        </p:blipFill>
         <p:spPr>
           <a:xfrm>
-            <a:off x="1619430" y="1690688"/>
-            <a:ext cx="8953140" cy="4959494"/>
+            <a:off x="174368" y="261232"/>
+            <a:ext cx="4092632" cy="2887047"/>
           </a:xfrm>
           <a:prstGeom prst="rect">
             <a:avLst/>
           </a:prstGeom>
+          <a:noFill/>
+          <a:ln>
+            <a:noFill/>
+          </a:ln>
         </p:spPr>
-      </p:pic>
+        <p:txBody>
+          <a:bodyPr vert="horz" wrap="none" lIns="108847" tIns="54423" rIns="108847" bIns="54423" anchorCtr="0" compatLnSpc="0"/>
+          <a:lstStyle/>
+          <a:p>
+            <a:pPr hangingPunct="0">
+              <a:defRPr sz="1400"/>
+            </a:pPr>
+            <a:r>
+              <a:rPr lang="ru-RU" sz="1693">
+                <a:solidFill>
+                  <a:srgbClr val="0000FF"/>
+                </a:solidFill>
+                <a:latin typeface="Consolas" pitchFamily="33"/>
+                <a:ea typeface="Consolas" pitchFamily="33"/>
+                <a:cs typeface="Consolas" pitchFamily="33"/>
+              </a:rPr>
+              <a:t>class</a:t>
+            </a:r>
+            <a:r>
+              <a:rPr lang="ru-RU" sz="1693">
+                <a:solidFill>
+                  <a:srgbClr val="000000"/>
+                </a:solidFill>
+                <a:latin typeface="Consolas" pitchFamily="33"/>
+                <a:ea typeface="Consolas" pitchFamily="33"/>
+                <a:cs typeface="Consolas" pitchFamily="33"/>
+              </a:rPr>
+              <a:t> </a:t>
+            </a:r>
+            <a:r>
+              <a:rPr lang="ru-RU" sz="1693">
+                <a:solidFill>
+                  <a:srgbClr val="2B91AF"/>
+                </a:solidFill>
+                <a:latin typeface="Consolas" pitchFamily="33"/>
+                <a:ea typeface="Consolas" pitchFamily="33"/>
+                <a:cs typeface="Consolas" pitchFamily="33"/>
+              </a:rPr>
+              <a:t>Program</a:t>
+            </a:r>
+          </a:p>
+          <a:p>
+            <a:pPr hangingPunct="0">
+              <a:defRPr sz="1400">
+                <a:solidFill>
+                  <a:srgbClr val="000000"/>
+                </a:solidFill>
+                <a:latin typeface="Consolas" pitchFamily="33"/>
+                <a:ea typeface="Consolas" pitchFamily="33"/>
+                <a:cs typeface="Consolas" pitchFamily="33"/>
+              </a:defRPr>
+            </a:pPr>
+            <a:r>
+              <a:rPr lang="ru-RU" sz="1693">
+                <a:solidFill>
+                  <a:srgbClr val="000000"/>
+                </a:solidFill>
+                <a:latin typeface="Consolas" pitchFamily="33"/>
+                <a:ea typeface="Consolas" pitchFamily="33"/>
+                <a:cs typeface="Consolas" pitchFamily="33"/>
+              </a:rPr>
+              <a:t>{</a:t>
+            </a:r>
+          </a:p>
+          <a:p>
+            <a:pPr hangingPunct="0">
+              <a:defRPr sz="1400"/>
+            </a:pPr>
+            <a:r>
+              <a:rPr lang="ru-RU" sz="1693">
+                <a:solidFill>
+                  <a:srgbClr val="000000"/>
+                </a:solidFill>
+                <a:latin typeface="Consolas" pitchFamily="33"/>
+                <a:ea typeface="Consolas" pitchFamily="33"/>
+                <a:cs typeface="Consolas" pitchFamily="33"/>
+              </a:rPr>
+              <a:t>    </a:t>
+            </a:r>
+            <a:r>
+              <a:rPr lang="ru-RU" sz="1693">
+                <a:solidFill>
+                  <a:srgbClr val="0000FF"/>
+                </a:solidFill>
+                <a:latin typeface="Consolas" pitchFamily="33"/>
+                <a:ea typeface="Consolas" pitchFamily="33"/>
+                <a:cs typeface="Consolas" pitchFamily="33"/>
+              </a:rPr>
+              <a:t>static</a:t>
+            </a:r>
+            <a:r>
+              <a:rPr lang="ru-RU" sz="1693">
+                <a:solidFill>
+                  <a:srgbClr val="000000"/>
+                </a:solidFill>
+                <a:latin typeface="Consolas" pitchFamily="33"/>
+                <a:ea typeface="Consolas" pitchFamily="33"/>
+                <a:cs typeface="Consolas" pitchFamily="33"/>
+              </a:rPr>
+              <a:t> </a:t>
+            </a:r>
+            <a:r>
+              <a:rPr lang="ru-RU" sz="1693">
+                <a:solidFill>
+                  <a:srgbClr val="0000FF"/>
+                </a:solidFill>
+                <a:latin typeface="Consolas" pitchFamily="33"/>
+                <a:ea typeface="Consolas" pitchFamily="33"/>
+                <a:cs typeface="Consolas" pitchFamily="33"/>
+              </a:rPr>
+              <a:t>void</a:t>
+            </a:r>
+            <a:r>
+              <a:rPr lang="ru-RU" sz="1693">
+                <a:solidFill>
+                  <a:srgbClr val="000000"/>
+                </a:solidFill>
+                <a:latin typeface="Consolas" pitchFamily="33"/>
+                <a:ea typeface="Consolas" pitchFamily="33"/>
+                <a:cs typeface="Consolas" pitchFamily="33"/>
+              </a:rPr>
+              <a:t> Main()</a:t>
+            </a:r>
+          </a:p>
+          <a:p>
+            <a:pPr hangingPunct="0">
+              <a:defRPr sz="1400">
+                <a:solidFill>
+                  <a:srgbClr val="000000"/>
+                </a:solidFill>
+                <a:latin typeface="Consolas" pitchFamily="33"/>
+                <a:ea typeface="Consolas" pitchFamily="33"/>
+                <a:cs typeface="Consolas" pitchFamily="33"/>
+              </a:defRPr>
+            </a:pPr>
+            <a:r>
+              <a:rPr lang="ru-RU" sz="1693">
+                <a:solidFill>
+                  <a:srgbClr val="000000"/>
+                </a:solidFill>
+                <a:latin typeface="Consolas" pitchFamily="33"/>
+                <a:ea typeface="Consolas" pitchFamily="33"/>
+                <a:cs typeface="Consolas" pitchFamily="33"/>
+              </a:rPr>
+              <a:t>    {</a:t>
+            </a:r>
+          </a:p>
+          <a:p>
+            <a:pPr hangingPunct="0">
+              <a:defRPr sz="1400"/>
+            </a:pPr>
+            <a:r>
+              <a:rPr lang="ru-RU" sz="1693">
+                <a:solidFill>
+                  <a:srgbClr val="000000"/>
+                </a:solidFill>
+                <a:latin typeface="Consolas" pitchFamily="33"/>
+                <a:ea typeface="Consolas" pitchFamily="33"/>
+                <a:cs typeface="Consolas" pitchFamily="33"/>
+              </a:rPr>
+              <a:t>        </a:t>
+            </a:r>
+            <a:r>
+              <a:rPr lang="ru-RU" sz="1693">
+                <a:solidFill>
+                  <a:srgbClr val="0000FF"/>
+                </a:solidFill>
+                <a:latin typeface="Consolas" pitchFamily="33"/>
+                <a:ea typeface="Consolas" pitchFamily="33"/>
+                <a:cs typeface="Consolas" pitchFamily="33"/>
+              </a:rPr>
+              <a:t>string</a:t>
+            </a:r>
+            <a:r>
+              <a:rPr lang="ru-RU" sz="1693">
+                <a:solidFill>
+                  <a:srgbClr val="000000"/>
+                </a:solidFill>
+                <a:latin typeface="Consolas" pitchFamily="33"/>
+                <a:ea typeface="Consolas" pitchFamily="33"/>
+                <a:cs typeface="Consolas" pitchFamily="33"/>
+              </a:rPr>
+              <a:t> s = </a:t>
+            </a:r>
+            <a:r>
+              <a:rPr lang="ru-RU" sz="1693">
+                <a:solidFill>
+                  <a:srgbClr val="A31515"/>
+                </a:solidFill>
+                <a:latin typeface="Consolas" pitchFamily="33"/>
+                <a:ea typeface="Consolas" pitchFamily="33"/>
+                <a:cs typeface="Consolas" pitchFamily="33"/>
+              </a:rPr>
+              <a:t>"abc"</a:t>
+            </a:r>
+            <a:r>
+              <a:rPr lang="ru-RU" sz="1693">
+                <a:solidFill>
+                  <a:srgbClr val="000000"/>
+                </a:solidFill>
+                <a:latin typeface="Consolas" pitchFamily="33"/>
+                <a:ea typeface="Consolas" pitchFamily="33"/>
+                <a:cs typeface="Consolas" pitchFamily="33"/>
+              </a:rPr>
+              <a:t>;</a:t>
+            </a:r>
+          </a:p>
+          <a:p>
+            <a:pPr hangingPunct="0">
+              <a:defRPr sz="1400"/>
+            </a:pPr>
+            <a:r>
+              <a:rPr lang="ru-RU" sz="1693">
+                <a:solidFill>
+                  <a:srgbClr val="000000"/>
+                </a:solidFill>
+                <a:latin typeface="Consolas" pitchFamily="33"/>
+                <a:ea typeface="Consolas" pitchFamily="33"/>
+                <a:cs typeface="Consolas" pitchFamily="33"/>
+              </a:rPr>
+              <a:t>        s = </a:t>
+            </a:r>
+            <a:r>
+              <a:rPr lang="ru-RU" sz="1693">
+                <a:solidFill>
+                  <a:srgbClr val="A31515"/>
+                </a:solidFill>
+                <a:latin typeface="Consolas" pitchFamily="33"/>
+                <a:ea typeface="Consolas" pitchFamily="33"/>
+                <a:cs typeface="Consolas" pitchFamily="33"/>
+              </a:rPr>
+              <a:t>"xyz"</a:t>
+            </a:r>
+            <a:r>
+              <a:rPr lang="ru-RU" sz="1693">
+                <a:solidFill>
+                  <a:srgbClr val="000000"/>
+                </a:solidFill>
+                <a:latin typeface="Consolas" pitchFamily="33"/>
+                <a:ea typeface="Consolas" pitchFamily="33"/>
+                <a:cs typeface="Consolas" pitchFamily="33"/>
+              </a:rPr>
+              <a:t>;</a:t>
+            </a:r>
+          </a:p>
+          <a:p>
+            <a:pPr hangingPunct="0">
+              <a:defRPr sz="1400"/>
+            </a:pPr>
+            <a:r>
+              <a:rPr lang="ru-RU" sz="1693">
+                <a:solidFill>
+                  <a:srgbClr val="000000"/>
+                </a:solidFill>
+                <a:latin typeface="Consolas" pitchFamily="33"/>
+                <a:ea typeface="Consolas" pitchFamily="33"/>
+                <a:cs typeface="Consolas" pitchFamily="33"/>
+              </a:rPr>
+              <a:t>        s += </a:t>
+            </a:r>
+            <a:r>
+              <a:rPr lang="ru-RU" sz="1693">
+                <a:solidFill>
+                  <a:srgbClr val="A31515"/>
+                </a:solidFill>
+                <a:latin typeface="Consolas" pitchFamily="33"/>
+                <a:ea typeface="Consolas" pitchFamily="33"/>
+                <a:cs typeface="Consolas" pitchFamily="33"/>
+              </a:rPr>
+              <a:t>"123"</a:t>
+            </a:r>
+            <a:r>
+              <a:rPr lang="ru-RU" sz="1693">
+                <a:solidFill>
+                  <a:srgbClr val="000000"/>
+                </a:solidFill>
+                <a:latin typeface="Consolas" pitchFamily="33"/>
+                <a:ea typeface="Consolas" pitchFamily="33"/>
+                <a:cs typeface="Consolas" pitchFamily="33"/>
+              </a:rPr>
+              <a:t>;</a:t>
+            </a:r>
+          </a:p>
+          <a:p>
+            <a:pPr hangingPunct="0">
+              <a:defRPr sz="1400">
+                <a:solidFill>
+                  <a:srgbClr val="000000"/>
+                </a:solidFill>
+                <a:latin typeface="Consolas" pitchFamily="33"/>
+                <a:ea typeface="Consolas" pitchFamily="33"/>
+                <a:cs typeface="Consolas" pitchFamily="33"/>
+              </a:defRPr>
+            </a:pPr>
+            <a:r>
+              <a:rPr lang="ru-RU" sz="1693">
+                <a:solidFill>
+                  <a:srgbClr val="000000"/>
+                </a:solidFill>
+                <a:latin typeface="Consolas" pitchFamily="33"/>
+                <a:ea typeface="Consolas" pitchFamily="33"/>
+                <a:cs typeface="Consolas" pitchFamily="33"/>
+              </a:rPr>
+              <a:t>    }</a:t>
+            </a:r>
+          </a:p>
+          <a:p>
+            <a:pPr hangingPunct="0">
+              <a:defRPr sz="1400">
+                <a:solidFill>
+                  <a:srgbClr val="000000"/>
+                </a:solidFill>
+                <a:latin typeface="Consolas" pitchFamily="33"/>
+                <a:ea typeface="Consolas" pitchFamily="33"/>
+                <a:cs typeface="Consolas" pitchFamily="33"/>
+              </a:defRPr>
+            </a:pPr>
+            <a:r>
+              <a:rPr lang="ru-RU" sz="1693">
+                <a:solidFill>
+                  <a:srgbClr val="000000"/>
+                </a:solidFill>
+                <a:latin typeface="Consolas" pitchFamily="33"/>
+                <a:ea typeface="Consolas" pitchFamily="33"/>
+                <a:cs typeface="Consolas" pitchFamily="33"/>
+              </a:rPr>
+              <a:t>}</a:t>
+            </a:r>
+          </a:p>
+        </p:txBody>
+      </p:sp>
+      <p:grpSp>
+        <p:nvGrpSpPr>
+          <p:cNvPr id="3" name="Группа 2"/>
+          <p:cNvGrpSpPr/>
+          <p:nvPr/>
+        </p:nvGrpSpPr>
+        <p:grpSpPr>
+          <a:xfrm>
+            <a:off x="4963618" y="348309"/>
+            <a:ext cx="6922643" cy="2438163"/>
+            <a:chOff x="4104000" y="288000"/>
+            <a:chExt cx="5724000" cy="2016000"/>
+          </a:xfrm>
+        </p:grpSpPr>
+        <p:sp>
+          <p:nvSpPr>
+            <p:cNvPr id="4" name="Полилиния 3"/>
+            <p:cNvSpPr/>
+            <p:nvPr/>
+          </p:nvSpPr>
+          <p:spPr>
+            <a:xfrm>
+              <a:off x="4140000" y="2232000"/>
+              <a:ext cx="5688000" cy="72000"/>
+            </a:xfrm>
+            <a:custGeom>
+              <a:avLst/>
+              <a:gdLst>
+                <a:gd name="f0" fmla="val 0"/>
+                <a:gd name="f1" fmla="val 21600"/>
+              </a:gdLst>
+              <a:ahLst/>
+              <a:cxnLst>
+                <a:cxn ang="3cd4">
+                  <a:pos x="hc" y="t"/>
+                </a:cxn>
+                <a:cxn ang="0">
+                  <a:pos x="r" y="vc"/>
+                </a:cxn>
+                <a:cxn ang="cd4">
+                  <a:pos x="hc" y="b"/>
+                </a:cxn>
+                <a:cxn ang="cd2">
+                  <a:pos x="l" y="vc"/>
+                </a:cxn>
+              </a:cxnLst>
+              <a:rect l="l" t="t" r="r" b="b"/>
+              <a:pathLst>
+                <a:path w="21600" h="21600">
+                  <a:moveTo>
+                    <a:pt x="f0" y="f0"/>
+                  </a:moveTo>
+                  <a:lnTo>
+                    <a:pt x="f1" y="f0"/>
+                  </a:lnTo>
+                  <a:lnTo>
+                    <a:pt x="f1" y="f1"/>
+                  </a:lnTo>
+                  <a:lnTo>
+                    <a:pt x="f0" y="f1"/>
+                  </a:lnTo>
+                  <a:lnTo>
+                    <a:pt x="f0" y="f0"/>
+                  </a:lnTo>
+                  <a:close/>
+                </a:path>
+              </a:pathLst>
+            </a:custGeom>
+            <a:solidFill>
+              <a:srgbClr val="003366"/>
+            </a:solidFill>
+            <a:ln>
+              <a:noFill/>
+              <a:prstDash val="solid"/>
+            </a:ln>
+          </p:spPr>
+          <p:txBody>
+            <a:bodyPr vert="horz" wrap="none" lIns="108847" tIns="54423" rIns="108847" bIns="54423" anchor="ctr" anchorCtr="0" compatLnSpc="0">
+              <a:noAutofit/>
+            </a:bodyPr>
+            <a:lstStyle/>
+            <a:p>
+              <a:pPr hangingPunct="0"/>
+              <a:endParaRPr lang="ru-RU" sz="2177">
+                <a:latin typeface="Liberation Sans" pitchFamily="18"/>
+                <a:ea typeface="Microsoft YaHei" pitchFamily="2"/>
+                <a:cs typeface="Mangal" pitchFamily="2"/>
+              </a:endParaRPr>
+            </a:p>
+          </p:txBody>
+        </p:sp>
+        <p:sp>
+          <p:nvSpPr>
+            <p:cNvPr id="5" name="Полилиния 4"/>
+            <p:cNvSpPr/>
+            <p:nvPr/>
+          </p:nvSpPr>
+          <p:spPr>
+            <a:xfrm>
+              <a:off x="4104000" y="288000"/>
+              <a:ext cx="72000" cy="2015999"/>
+            </a:xfrm>
+            <a:custGeom>
+              <a:avLst/>
+              <a:gdLst>
+                <a:gd name="f0" fmla="val 0"/>
+                <a:gd name="f1" fmla="val 21600"/>
+              </a:gdLst>
+              <a:ahLst/>
+              <a:cxnLst>
+                <a:cxn ang="3cd4">
+                  <a:pos x="hc" y="t"/>
+                </a:cxn>
+                <a:cxn ang="0">
+                  <a:pos x="r" y="vc"/>
+                </a:cxn>
+                <a:cxn ang="cd4">
+                  <a:pos x="hc" y="b"/>
+                </a:cxn>
+                <a:cxn ang="cd2">
+                  <a:pos x="l" y="vc"/>
+                </a:cxn>
+              </a:cxnLst>
+              <a:rect l="l" t="t" r="r" b="b"/>
+              <a:pathLst>
+                <a:path w="21600" h="21600">
+                  <a:moveTo>
+                    <a:pt x="f0" y="f0"/>
+                  </a:moveTo>
+                  <a:lnTo>
+                    <a:pt x="f1" y="f0"/>
+                  </a:lnTo>
+                  <a:lnTo>
+                    <a:pt x="f1" y="f1"/>
+                  </a:lnTo>
+                  <a:lnTo>
+                    <a:pt x="f0" y="f1"/>
+                  </a:lnTo>
+                  <a:lnTo>
+                    <a:pt x="f0" y="f0"/>
+                  </a:lnTo>
+                  <a:close/>
+                </a:path>
+              </a:pathLst>
+            </a:custGeom>
+            <a:solidFill>
+              <a:srgbClr val="003366"/>
+            </a:solidFill>
+            <a:ln>
+              <a:noFill/>
+              <a:prstDash val="solid"/>
+            </a:ln>
+          </p:spPr>
+          <p:txBody>
+            <a:bodyPr vert="horz" wrap="none" lIns="108847" tIns="54423" rIns="108847" bIns="54423" anchor="ctr" anchorCtr="0" compatLnSpc="0">
+              <a:noAutofit/>
+            </a:bodyPr>
+            <a:lstStyle/>
+            <a:p>
+              <a:pPr hangingPunct="0"/>
+              <a:endParaRPr lang="ru-RU" sz="2177">
+                <a:latin typeface="Liberation Sans" pitchFamily="18"/>
+                <a:ea typeface="Microsoft YaHei" pitchFamily="2"/>
+                <a:cs typeface="Mangal" pitchFamily="2"/>
+              </a:endParaRPr>
+            </a:p>
+          </p:txBody>
+        </p:sp>
+        <p:sp>
+          <p:nvSpPr>
+            <p:cNvPr id="6" name="Полилиния 5"/>
+            <p:cNvSpPr/>
+            <p:nvPr/>
+          </p:nvSpPr>
+          <p:spPr>
+            <a:xfrm>
+              <a:off x="4140000" y="288000"/>
+              <a:ext cx="5688000" cy="72000"/>
+            </a:xfrm>
+            <a:custGeom>
+              <a:avLst/>
+              <a:gdLst>
+                <a:gd name="f0" fmla="val 0"/>
+                <a:gd name="f1" fmla="val 21600"/>
+              </a:gdLst>
+              <a:ahLst/>
+              <a:cxnLst>
+                <a:cxn ang="3cd4">
+                  <a:pos x="hc" y="t"/>
+                </a:cxn>
+                <a:cxn ang="0">
+                  <a:pos x="r" y="vc"/>
+                </a:cxn>
+                <a:cxn ang="cd4">
+                  <a:pos x="hc" y="b"/>
+                </a:cxn>
+                <a:cxn ang="cd2">
+                  <a:pos x="l" y="vc"/>
+                </a:cxn>
+              </a:cxnLst>
+              <a:rect l="l" t="t" r="r" b="b"/>
+              <a:pathLst>
+                <a:path w="21600" h="21600">
+                  <a:moveTo>
+                    <a:pt x="f0" y="f0"/>
+                  </a:moveTo>
+                  <a:lnTo>
+                    <a:pt x="f1" y="f0"/>
+                  </a:lnTo>
+                  <a:lnTo>
+                    <a:pt x="f1" y="f1"/>
+                  </a:lnTo>
+                  <a:lnTo>
+                    <a:pt x="f0" y="f1"/>
+                  </a:lnTo>
+                  <a:lnTo>
+                    <a:pt x="f0" y="f0"/>
+                  </a:lnTo>
+                  <a:close/>
+                </a:path>
+              </a:pathLst>
+            </a:custGeom>
+            <a:solidFill>
+              <a:srgbClr val="003366"/>
+            </a:solidFill>
+            <a:ln>
+              <a:noFill/>
+              <a:prstDash val="solid"/>
+            </a:ln>
+          </p:spPr>
+          <p:txBody>
+            <a:bodyPr vert="horz" wrap="none" lIns="108847" tIns="54423" rIns="108847" bIns="54423" anchor="ctr" anchorCtr="0" compatLnSpc="0">
+              <a:noAutofit/>
+            </a:bodyPr>
+            <a:lstStyle/>
+            <a:p>
+              <a:pPr hangingPunct="0"/>
+              <a:endParaRPr lang="ru-RU" sz="2177">
+                <a:latin typeface="Liberation Sans" pitchFamily="18"/>
+                <a:ea typeface="Microsoft YaHei" pitchFamily="2"/>
+                <a:cs typeface="Mangal" pitchFamily="2"/>
+              </a:endParaRPr>
+            </a:p>
+          </p:txBody>
+        </p:sp>
+      </p:grpSp>
+      <p:grpSp>
+        <p:nvGrpSpPr>
+          <p:cNvPr id="7" name="Группа 6"/>
+          <p:cNvGrpSpPr/>
+          <p:nvPr/>
+        </p:nvGrpSpPr>
+        <p:grpSpPr>
+          <a:xfrm>
+            <a:off x="5050696" y="435386"/>
+            <a:ext cx="1132004" cy="2264009"/>
+            <a:chOff x="4176000" y="360000"/>
+            <a:chExt cx="936000" cy="1872000"/>
+          </a:xfrm>
+        </p:grpSpPr>
+        <p:sp>
+          <p:nvSpPr>
+            <p:cNvPr id="8" name="Полилиния 7"/>
+            <p:cNvSpPr/>
+            <p:nvPr/>
+          </p:nvSpPr>
+          <p:spPr>
+            <a:xfrm>
+              <a:off x="4176000" y="360000"/>
+              <a:ext cx="936000" cy="1872000"/>
+            </a:xfrm>
+            <a:custGeom>
+              <a:avLst/>
+              <a:gdLst>
+                <a:gd name="f0" fmla="val 0"/>
+                <a:gd name="f1" fmla="val 21600"/>
+              </a:gdLst>
+              <a:ahLst/>
+              <a:cxnLst>
+                <a:cxn ang="3cd4">
+                  <a:pos x="hc" y="t"/>
+                </a:cxn>
+                <a:cxn ang="0">
+                  <a:pos x="r" y="vc"/>
+                </a:cxn>
+                <a:cxn ang="cd4">
+                  <a:pos x="hc" y="b"/>
+                </a:cxn>
+                <a:cxn ang="cd2">
+                  <a:pos x="l" y="vc"/>
+                </a:cxn>
+              </a:cxnLst>
+              <a:rect l="l" t="t" r="r" b="b"/>
+              <a:pathLst>
+                <a:path w="21600" h="21600">
+                  <a:moveTo>
+                    <a:pt x="f0" y="f0"/>
+                  </a:moveTo>
+                  <a:lnTo>
+                    <a:pt x="f1" y="f0"/>
+                  </a:lnTo>
+                  <a:lnTo>
+                    <a:pt x="f1" y="f1"/>
+                  </a:lnTo>
+                  <a:lnTo>
+                    <a:pt x="f0" y="f1"/>
+                  </a:lnTo>
+                  <a:lnTo>
+                    <a:pt x="f0" y="f0"/>
+                  </a:lnTo>
+                  <a:close/>
+                </a:path>
+              </a:pathLst>
+            </a:custGeom>
+            <a:noFill/>
+            <a:ln w="36000">
+              <a:solidFill>
+                <a:srgbClr val="99CCFF"/>
+              </a:solidFill>
+              <a:prstDash val="solid"/>
+            </a:ln>
+          </p:spPr>
+          <p:txBody>
+            <a:bodyPr vert="horz" wrap="none" lIns="130616" tIns="76193" rIns="130616" bIns="76193" anchor="ctr" anchorCtr="0" compatLnSpc="0">
+              <a:noAutofit/>
+            </a:bodyPr>
+            <a:lstStyle/>
+            <a:p>
+              <a:pPr hangingPunct="0"/>
+              <a:endParaRPr lang="ru-RU" sz="2177">
+                <a:latin typeface="Liberation Sans" pitchFamily="18"/>
+                <a:ea typeface="Microsoft YaHei" pitchFamily="2"/>
+                <a:cs typeface="Mangal" pitchFamily="2"/>
+              </a:endParaRPr>
+            </a:p>
+          </p:txBody>
+        </p:sp>
+        <p:sp>
+          <p:nvSpPr>
+            <p:cNvPr id="9" name="TextBox 8"/>
+            <p:cNvSpPr txBox="1"/>
+            <p:nvPr/>
+          </p:nvSpPr>
+          <p:spPr>
+            <a:xfrm>
+              <a:off x="4176000" y="360000"/>
+              <a:ext cx="707590" cy="887260"/>
+            </a:xfrm>
+            <a:prstGeom prst="rect">
+              <a:avLst/>
+            </a:prstGeom>
+            <a:noFill/>
+            <a:ln>
+              <a:noFill/>
+            </a:ln>
+          </p:spPr>
+          <p:txBody>
+            <a:bodyPr vert="horz" wrap="none" lIns="108847" tIns="54423" rIns="108847" bIns="54423" anchorCtr="0" compatLnSpc="0">
+              <a:spAutoFit/>
+            </a:bodyPr>
+            <a:lstStyle/>
+            <a:p>
+              <a:pPr hangingPunct="0"/>
+              <a:r>
+                <a:rPr lang="ru-RU" sz="2177" b="1">
+                  <a:latin typeface="Liberation Sans" pitchFamily="18"/>
+                  <a:ea typeface="Microsoft YaHei" pitchFamily="2"/>
+                  <a:cs typeface="Mangal" pitchFamily="2"/>
+                </a:rPr>
+                <a:t>Main</a:t>
+              </a:r>
+            </a:p>
+            <a:p>
+              <a:pPr hangingPunct="0"/>
+              <a:endParaRPr lang="ru-RU" sz="2177">
+                <a:latin typeface="Liberation Sans" pitchFamily="18"/>
+                <a:ea typeface="Microsoft YaHei" pitchFamily="2"/>
+                <a:cs typeface="Mangal" pitchFamily="2"/>
+              </a:endParaRPr>
+            </a:p>
+            <a:p>
+              <a:pPr hangingPunct="0"/>
+              <a:r>
+                <a:rPr lang="ru-RU" sz="2177">
+                  <a:latin typeface="Liberation Sans" pitchFamily="18"/>
+                  <a:ea typeface="Microsoft YaHei" pitchFamily="2"/>
+                  <a:cs typeface="Mangal" pitchFamily="2"/>
+                </a:rPr>
+                <a:t>s: </a:t>
+              </a:r>
+              <a:r>
+                <a:rPr lang="ru-RU" sz="1693" b="1">
+                  <a:latin typeface="Liberation Sans" pitchFamily="18"/>
+                  <a:ea typeface="Microsoft YaHei" pitchFamily="2"/>
+                  <a:cs typeface="Mangal" pitchFamily="2"/>
+                </a:rPr>
+                <a:t> </a:t>
+              </a:r>
+            </a:p>
+          </p:txBody>
+        </p:sp>
+      </p:grpSp>
+      <p:sp>
+        <p:nvSpPr>
+          <p:cNvPr id="10" name="Полилиния 9"/>
+          <p:cNvSpPr/>
+          <p:nvPr/>
+        </p:nvSpPr>
+        <p:spPr>
+          <a:xfrm rot="5400000">
+            <a:off x="522677" y="1393236"/>
+            <a:ext cx="174155" cy="174155"/>
+          </a:xfrm>
+          <a:custGeom>
+            <a:avLst>
+              <a:gd name="f0" fmla="val 10800"/>
+            </a:avLst>
+            <a:gdLst>
+              <a:gd name="f1" fmla="val 10800000"/>
+              <a:gd name="f2" fmla="val 5400000"/>
+              <a:gd name="f3" fmla="val 180"/>
+              <a:gd name="f4" fmla="val w"/>
+              <a:gd name="f5" fmla="val h"/>
+              <a:gd name="f6" fmla="val 0"/>
+              <a:gd name="f7" fmla="val 21600"/>
+              <a:gd name="f8" fmla="val -2147483647"/>
+              <a:gd name="f9" fmla="val 2147483647"/>
+              <a:gd name="f10" fmla="+- 0 0 0"/>
+              <a:gd name="f11" fmla="*/ f4 1 21600"/>
+              <a:gd name="f12" fmla="*/ f5 1 21600"/>
+              <a:gd name="f13" fmla="pin 0 f0 21600"/>
+              <a:gd name="f14" fmla="*/ f10 f1 1"/>
+              <a:gd name="f15" fmla="val f13"/>
+              <a:gd name="f16" fmla="*/ f13 1 2"/>
+              <a:gd name="f17" fmla="*/ f13 f11 1"/>
+              <a:gd name="f18" fmla="*/ f6 f12 1"/>
+              <a:gd name="f19" fmla="*/ 18000 f12 1"/>
+              <a:gd name="f20" fmla="*/ 10800 f12 1"/>
+              <a:gd name="f21" fmla="*/ 0 f12 1"/>
+              <a:gd name="f22" fmla="*/ f14 1 f3"/>
+              <a:gd name="f23" fmla="*/ 0 f11 1"/>
+              <a:gd name="f24" fmla="*/ 21600 f12 1"/>
+              <a:gd name="f25" fmla="*/ 10800 f11 1"/>
+              <a:gd name="f26" fmla="*/ 21600 f11 1"/>
+              <a:gd name="f27" fmla="+- f16 10800 0"/>
+              <a:gd name="f28" fmla="+- 21600 0 f15"/>
+              <a:gd name="f29" fmla="*/ f16 f11 1"/>
+              <a:gd name="f30" fmla="*/ f15 f11 1"/>
+              <a:gd name="f31" fmla="+- f22 0 f2"/>
+              <a:gd name="f32" fmla="*/ f28 1 2"/>
+              <a:gd name="f33" fmla="*/ f27 f11 1"/>
+              <a:gd name="f34" fmla="+- 21600 0 f32"/>
+              <a:gd name="f35" fmla="*/ f34 f11 1"/>
+            </a:gdLst>
+            <a:ahLst>
+              <a:ahXY gdRefX="f0" minX="f6" maxX="f7">
+                <a:pos x="f17" y="f18"/>
+              </a:ahXY>
+            </a:ahLst>
+            <a:cxnLst>
+              <a:cxn ang="3cd4">
+                <a:pos x="hc" y="t"/>
+              </a:cxn>
+              <a:cxn ang="0">
+                <a:pos x="r" y="vc"/>
+              </a:cxn>
+              <a:cxn ang="cd4">
+                <a:pos x="hc" y="b"/>
+              </a:cxn>
+              <a:cxn ang="cd2">
+                <a:pos x="l" y="vc"/>
+              </a:cxn>
+              <a:cxn ang="f31">
+                <a:pos x="f30" y="f21"/>
+              </a:cxn>
+              <a:cxn ang="f31">
+                <a:pos x="f29" y="f20"/>
+              </a:cxn>
+              <a:cxn ang="f31">
+                <a:pos x="f23" y="f24"/>
+              </a:cxn>
+              <a:cxn ang="f31">
+                <a:pos x="f25" y="f24"/>
+              </a:cxn>
+              <a:cxn ang="f31">
+                <a:pos x="f26" y="f24"/>
+              </a:cxn>
+              <a:cxn ang="f31">
+                <a:pos x="f35" y="f20"/>
+              </a:cxn>
+            </a:cxnLst>
+            <a:rect l="f29" t="f20" r="f33" b="f19"/>
+            <a:pathLst>
+              <a:path w="21600" h="21600">
+                <a:moveTo>
+                  <a:pt x="f15" y="f6"/>
+                </a:moveTo>
+                <a:lnTo>
+                  <a:pt x="f7" y="f7"/>
+                </a:lnTo>
+                <a:lnTo>
+                  <a:pt x="f6" y="f7"/>
+                </a:lnTo>
+                <a:close/>
+              </a:path>
+            </a:pathLst>
+          </a:custGeom>
+          <a:solidFill>
+            <a:srgbClr val="579D1C"/>
+          </a:solidFill>
+          <a:ln>
+            <a:noFill/>
+            <a:prstDash val="solid"/>
+          </a:ln>
+        </p:spPr>
+        <p:txBody>
+          <a:bodyPr vert="horz" wrap="none" lIns="108847" tIns="54423" rIns="108847" bIns="54423" anchor="ctr" anchorCtr="0" compatLnSpc="0">
+            <a:noAutofit/>
+          </a:bodyPr>
+          <a:lstStyle/>
+          <a:p>
+            <a:pPr hangingPunct="0"/>
+            <a:endParaRPr lang="ru-RU" sz="2177">
+              <a:latin typeface="Liberation Sans" pitchFamily="18"/>
+              <a:ea typeface="Microsoft YaHei" pitchFamily="2"/>
+              <a:cs typeface="Mangal" pitchFamily="2"/>
+            </a:endParaRPr>
+          </a:p>
+        </p:txBody>
+      </p:sp>
+      <p:sp>
+        <p:nvSpPr>
+          <p:cNvPr id="11" name="Полилиния 10"/>
+          <p:cNvSpPr/>
+          <p:nvPr/>
+        </p:nvSpPr>
+        <p:spPr>
+          <a:xfrm>
+            <a:off x="5007157" y="3134782"/>
+            <a:ext cx="6835566" cy="3439552"/>
+          </a:xfrm>
+          <a:custGeom>
+            <a:avLst/>
+            <a:gdLst>
+              <a:gd name="f0" fmla="val 0"/>
+              <a:gd name="f1" fmla="val 21600"/>
+            </a:gdLst>
+            <a:ahLst/>
+            <a:cxnLst>
+              <a:cxn ang="3cd4">
+                <a:pos x="hc" y="t"/>
+              </a:cxn>
+              <a:cxn ang="0">
+                <a:pos x="r" y="vc"/>
+              </a:cxn>
+              <a:cxn ang="cd4">
+                <a:pos x="hc" y="b"/>
+              </a:cxn>
+              <a:cxn ang="cd2">
+                <a:pos x="l" y="vc"/>
+              </a:cxn>
+            </a:cxnLst>
+            <a:rect l="l" t="t" r="r" b="b"/>
+            <a:pathLst>
+              <a:path w="21600" h="21600">
+                <a:moveTo>
+                  <a:pt x="f0" y="f0"/>
+                </a:moveTo>
+                <a:lnTo>
+                  <a:pt x="f1" y="f0"/>
+                </a:lnTo>
+                <a:lnTo>
+                  <a:pt x="f1" y="f1"/>
+                </a:lnTo>
+                <a:lnTo>
+                  <a:pt x="f0" y="f1"/>
+                </a:lnTo>
+                <a:lnTo>
+                  <a:pt x="f0" y="f0"/>
+                </a:lnTo>
+                <a:close/>
+              </a:path>
+            </a:pathLst>
+          </a:custGeom>
+          <a:noFill/>
+          <a:ln w="72000">
+            <a:solidFill>
+              <a:srgbClr val="006600"/>
+            </a:solidFill>
+            <a:prstDash val="solid"/>
+          </a:ln>
+        </p:spPr>
+        <p:txBody>
+          <a:bodyPr vert="horz" wrap="none" lIns="152385" tIns="97962" rIns="152385" bIns="97962" anchor="ctr" anchorCtr="0" compatLnSpc="0">
+            <a:noAutofit/>
+          </a:bodyPr>
+          <a:lstStyle/>
+          <a:p>
+            <a:pPr hangingPunct="0"/>
+            <a:endParaRPr lang="ru-RU" sz="2177">
+              <a:latin typeface="Liberation Sans" pitchFamily="18"/>
+              <a:ea typeface="Microsoft YaHei" pitchFamily="2"/>
+              <a:cs typeface="Mangal" pitchFamily="2"/>
+            </a:endParaRPr>
+          </a:p>
+        </p:txBody>
+      </p:sp>
+      <p:sp>
+        <p:nvSpPr>
+          <p:cNvPr id="12" name="Полилиния 11"/>
+          <p:cNvSpPr/>
+          <p:nvPr/>
+        </p:nvSpPr>
+        <p:spPr>
+          <a:xfrm rot="5400000">
+            <a:off x="522677" y="1132004"/>
+            <a:ext cx="174155" cy="174155"/>
+          </a:xfrm>
+          <a:custGeom>
+            <a:avLst>
+              <a:gd name="f0" fmla="val 10800"/>
+            </a:avLst>
+            <a:gdLst>
+              <a:gd name="f1" fmla="val 10800000"/>
+              <a:gd name="f2" fmla="val 5400000"/>
+              <a:gd name="f3" fmla="val 180"/>
+              <a:gd name="f4" fmla="val w"/>
+              <a:gd name="f5" fmla="val h"/>
+              <a:gd name="f6" fmla="val 0"/>
+              <a:gd name="f7" fmla="val 21600"/>
+              <a:gd name="f8" fmla="val -2147483647"/>
+              <a:gd name="f9" fmla="val 2147483647"/>
+              <a:gd name="f10" fmla="+- 0 0 0"/>
+              <a:gd name="f11" fmla="*/ f4 1 21600"/>
+              <a:gd name="f12" fmla="*/ f5 1 21600"/>
+              <a:gd name="f13" fmla="pin 0 f0 21600"/>
+              <a:gd name="f14" fmla="*/ f10 f1 1"/>
+              <a:gd name="f15" fmla="val f13"/>
+              <a:gd name="f16" fmla="*/ f13 1 2"/>
+              <a:gd name="f17" fmla="*/ f13 f11 1"/>
+              <a:gd name="f18" fmla="*/ f6 f12 1"/>
+              <a:gd name="f19" fmla="*/ 18000 f12 1"/>
+              <a:gd name="f20" fmla="*/ 10800 f12 1"/>
+              <a:gd name="f21" fmla="*/ 0 f12 1"/>
+              <a:gd name="f22" fmla="*/ f14 1 f3"/>
+              <a:gd name="f23" fmla="*/ 0 f11 1"/>
+              <a:gd name="f24" fmla="*/ 21600 f12 1"/>
+              <a:gd name="f25" fmla="*/ 10800 f11 1"/>
+              <a:gd name="f26" fmla="*/ 21600 f11 1"/>
+              <a:gd name="f27" fmla="+- f16 10800 0"/>
+              <a:gd name="f28" fmla="+- 21600 0 f15"/>
+              <a:gd name="f29" fmla="*/ f16 f11 1"/>
+              <a:gd name="f30" fmla="*/ f15 f11 1"/>
+              <a:gd name="f31" fmla="+- f22 0 f2"/>
+              <a:gd name="f32" fmla="*/ f28 1 2"/>
+              <a:gd name="f33" fmla="*/ f27 f11 1"/>
+              <a:gd name="f34" fmla="+- 21600 0 f32"/>
+              <a:gd name="f35" fmla="*/ f34 f11 1"/>
+            </a:gdLst>
+            <a:ahLst>
+              <a:ahXY gdRefX="f0" minX="f6" maxX="f7">
+                <a:pos x="f17" y="f18"/>
+              </a:ahXY>
+            </a:ahLst>
+            <a:cxnLst>
+              <a:cxn ang="3cd4">
+                <a:pos x="hc" y="t"/>
+              </a:cxn>
+              <a:cxn ang="0">
+                <a:pos x="r" y="vc"/>
+              </a:cxn>
+              <a:cxn ang="cd4">
+                <a:pos x="hc" y="b"/>
+              </a:cxn>
+              <a:cxn ang="cd2">
+                <a:pos x="l" y="vc"/>
+              </a:cxn>
+              <a:cxn ang="f31">
+                <a:pos x="f30" y="f21"/>
+              </a:cxn>
+              <a:cxn ang="f31">
+                <a:pos x="f29" y="f20"/>
+              </a:cxn>
+              <a:cxn ang="f31">
+                <a:pos x="f23" y="f24"/>
+              </a:cxn>
+              <a:cxn ang="f31">
+                <a:pos x="f25" y="f24"/>
+              </a:cxn>
+              <a:cxn ang="f31">
+                <a:pos x="f26" y="f24"/>
+              </a:cxn>
+              <a:cxn ang="f31">
+                <a:pos x="f35" y="f20"/>
+              </a:cxn>
+            </a:cxnLst>
+            <a:rect l="f29" t="f20" r="f33" b="f19"/>
+            <a:pathLst>
+              <a:path w="21600" h="21600">
+                <a:moveTo>
+                  <a:pt x="f15" y="f6"/>
+                </a:moveTo>
+                <a:lnTo>
+                  <a:pt x="f7" y="f7"/>
+                </a:lnTo>
+                <a:lnTo>
+                  <a:pt x="f6" y="f7"/>
+                </a:lnTo>
+                <a:close/>
+              </a:path>
+            </a:pathLst>
+          </a:custGeom>
+          <a:solidFill>
+            <a:srgbClr val="579D1C"/>
+          </a:solidFill>
+          <a:ln>
+            <a:noFill/>
+            <a:prstDash val="solid"/>
+          </a:ln>
+        </p:spPr>
+        <p:txBody>
+          <a:bodyPr vert="horz" wrap="none" lIns="108847" tIns="54423" rIns="108847" bIns="54423" anchor="ctr" anchorCtr="0" compatLnSpc="0">
+            <a:noAutofit/>
+          </a:bodyPr>
+          <a:lstStyle/>
+          <a:p>
+            <a:pPr hangingPunct="0"/>
+            <a:endParaRPr lang="ru-RU" sz="2177">
+              <a:latin typeface="Liberation Sans" pitchFamily="18"/>
+              <a:ea typeface="Microsoft YaHei" pitchFamily="2"/>
+              <a:cs typeface="Mangal" pitchFamily="2"/>
+            </a:endParaRPr>
+          </a:p>
+        </p:txBody>
+      </p:sp>
+      <p:sp>
+        <p:nvSpPr>
+          <p:cNvPr id="13" name="Полилиния 12"/>
+          <p:cNvSpPr/>
+          <p:nvPr/>
+        </p:nvSpPr>
+        <p:spPr>
+          <a:xfrm rot="5400000">
+            <a:off x="522677" y="1610929"/>
+            <a:ext cx="174155" cy="174155"/>
+          </a:xfrm>
+          <a:custGeom>
+            <a:avLst>
+              <a:gd name="f0" fmla="val 10800"/>
+            </a:avLst>
+            <a:gdLst>
+              <a:gd name="f1" fmla="val 10800000"/>
+              <a:gd name="f2" fmla="val 5400000"/>
+              <a:gd name="f3" fmla="val 180"/>
+              <a:gd name="f4" fmla="val w"/>
+              <a:gd name="f5" fmla="val h"/>
+              <a:gd name="f6" fmla="val 0"/>
+              <a:gd name="f7" fmla="val 21600"/>
+              <a:gd name="f8" fmla="val -2147483647"/>
+              <a:gd name="f9" fmla="val 2147483647"/>
+              <a:gd name="f10" fmla="+- 0 0 0"/>
+              <a:gd name="f11" fmla="*/ f4 1 21600"/>
+              <a:gd name="f12" fmla="*/ f5 1 21600"/>
+              <a:gd name="f13" fmla="pin 0 f0 21600"/>
+              <a:gd name="f14" fmla="*/ f10 f1 1"/>
+              <a:gd name="f15" fmla="val f13"/>
+              <a:gd name="f16" fmla="*/ f13 1 2"/>
+              <a:gd name="f17" fmla="*/ f13 f11 1"/>
+              <a:gd name="f18" fmla="*/ f6 f12 1"/>
+              <a:gd name="f19" fmla="*/ 18000 f12 1"/>
+              <a:gd name="f20" fmla="*/ 10800 f12 1"/>
+              <a:gd name="f21" fmla="*/ 0 f12 1"/>
+              <a:gd name="f22" fmla="*/ f14 1 f3"/>
+              <a:gd name="f23" fmla="*/ 0 f11 1"/>
+              <a:gd name="f24" fmla="*/ 21600 f12 1"/>
+              <a:gd name="f25" fmla="*/ 10800 f11 1"/>
+              <a:gd name="f26" fmla="*/ 21600 f11 1"/>
+              <a:gd name="f27" fmla="+- f16 10800 0"/>
+              <a:gd name="f28" fmla="+- 21600 0 f15"/>
+              <a:gd name="f29" fmla="*/ f16 f11 1"/>
+              <a:gd name="f30" fmla="*/ f15 f11 1"/>
+              <a:gd name="f31" fmla="+- f22 0 f2"/>
+              <a:gd name="f32" fmla="*/ f28 1 2"/>
+              <a:gd name="f33" fmla="*/ f27 f11 1"/>
+              <a:gd name="f34" fmla="+- 21600 0 f32"/>
+              <a:gd name="f35" fmla="*/ f34 f11 1"/>
+            </a:gdLst>
+            <a:ahLst>
+              <a:ahXY gdRefX="f0" minX="f6" maxX="f7">
+                <a:pos x="f17" y="f18"/>
+              </a:ahXY>
+            </a:ahLst>
+            <a:cxnLst>
+              <a:cxn ang="3cd4">
+                <a:pos x="hc" y="t"/>
+              </a:cxn>
+              <a:cxn ang="0">
+                <a:pos x="r" y="vc"/>
+              </a:cxn>
+              <a:cxn ang="cd4">
+                <a:pos x="hc" y="b"/>
+              </a:cxn>
+              <a:cxn ang="cd2">
+                <a:pos x="l" y="vc"/>
+              </a:cxn>
+              <a:cxn ang="f31">
+                <a:pos x="f30" y="f21"/>
+              </a:cxn>
+              <a:cxn ang="f31">
+                <a:pos x="f29" y="f20"/>
+              </a:cxn>
+              <a:cxn ang="f31">
+                <a:pos x="f23" y="f24"/>
+              </a:cxn>
+              <a:cxn ang="f31">
+                <a:pos x="f25" y="f24"/>
+              </a:cxn>
+              <a:cxn ang="f31">
+                <a:pos x="f26" y="f24"/>
+              </a:cxn>
+              <a:cxn ang="f31">
+                <a:pos x="f35" y="f20"/>
+              </a:cxn>
+            </a:cxnLst>
+            <a:rect l="f29" t="f20" r="f33" b="f19"/>
+            <a:pathLst>
+              <a:path w="21600" h="21600">
+                <a:moveTo>
+                  <a:pt x="f15" y="f6"/>
+                </a:moveTo>
+                <a:lnTo>
+                  <a:pt x="f7" y="f7"/>
+                </a:lnTo>
+                <a:lnTo>
+                  <a:pt x="f6" y="f7"/>
+                </a:lnTo>
+                <a:close/>
+              </a:path>
+            </a:pathLst>
+          </a:custGeom>
+          <a:solidFill>
+            <a:srgbClr val="579D1C"/>
+          </a:solidFill>
+          <a:ln>
+            <a:noFill/>
+            <a:prstDash val="solid"/>
+          </a:ln>
+        </p:spPr>
+        <p:txBody>
+          <a:bodyPr vert="horz" wrap="none" lIns="108847" tIns="54423" rIns="108847" bIns="54423" anchor="ctr" anchorCtr="0" compatLnSpc="0">
+            <a:noAutofit/>
+          </a:bodyPr>
+          <a:lstStyle/>
+          <a:p>
+            <a:pPr hangingPunct="0"/>
+            <a:endParaRPr lang="ru-RU" sz="2177">
+              <a:latin typeface="Liberation Sans" pitchFamily="18"/>
+              <a:ea typeface="Microsoft YaHei" pitchFamily="2"/>
+              <a:cs typeface="Mangal" pitchFamily="2"/>
+            </a:endParaRPr>
+          </a:p>
+        </p:txBody>
+      </p:sp>
+      <p:sp>
+        <p:nvSpPr>
+          <p:cNvPr id="14" name="Полилиния 13"/>
+          <p:cNvSpPr/>
+          <p:nvPr/>
+        </p:nvSpPr>
+        <p:spPr>
+          <a:xfrm rot="5400000">
+            <a:off x="522677" y="1872161"/>
+            <a:ext cx="174155" cy="174155"/>
+          </a:xfrm>
+          <a:custGeom>
+            <a:avLst>
+              <a:gd name="f0" fmla="val 10800"/>
+            </a:avLst>
+            <a:gdLst>
+              <a:gd name="f1" fmla="val 10800000"/>
+              <a:gd name="f2" fmla="val 5400000"/>
+              <a:gd name="f3" fmla="val 180"/>
+              <a:gd name="f4" fmla="val w"/>
+              <a:gd name="f5" fmla="val h"/>
+              <a:gd name="f6" fmla="val 0"/>
+              <a:gd name="f7" fmla="val 21600"/>
+              <a:gd name="f8" fmla="val -2147483647"/>
+              <a:gd name="f9" fmla="val 2147483647"/>
+              <a:gd name="f10" fmla="+- 0 0 0"/>
+              <a:gd name="f11" fmla="*/ f4 1 21600"/>
+              <a:gd name="f12" fmla="*/ f5 1 21600"/>
+              <a:gd name="f13" fmla="pin 0 f0 21600"/>
+              <a:gd name="f14" fmla="*/ f10 f1 1"/>
+              <a:gd name="f15" fmla="val f13"/>
+              <a:gd name="f16" fmla="*/ f13 1 2"/>
+              <a:gd name="f17" fmla="*/ f13 f11 1"/>
+              <a:gd name="f18" fmla="*/ f6 f12 1"/>
+              <a:gd name="f19" fmla="*/ 18000 f12 1"/>
+              <a:gd name="f20" fmla="*/ 10800 f12 1"/>
+              <a:gd name="f21" fmla="*/ 0 f12 1"/>
+              <a:gd name="f22" fmla="*/ f14 1 f3"/>
+              <a:gd name="f23" fmla="*/ 0 f11 1"/>
+              <a:gd name="f24" fmla="*/ 21600 f12 1"/>
+              <a:gd name="f25" fmla="*/ 10800 f11 1"/>
+              <a:gd name="f26" fmla="*/ 21600 f11 1"/>
+              <a:gd name="f27" fmla="+- f16 10800 0"/>
+              <a:gd name="f28" fmla="+- 21600 0 f15"/>
+              <a:gd name="f29" fmla="*/ f16 f11 1"/>
+              <a:gd name="f30" fmla="*/ f15 f11 1"/>
+              <a:gd name="f31" fmla="+- f22 0 f2"/>
+              <a:gd name="f32" fmla="*/ f28 1 2"/>
+              <a:gd name="f33" fmla="*/ f27 f11 1"/>
+              <a:gd name="f34" fmla="+- 21600 0 f32"/>
+              <a:gd name="f35" fmla="*/ f34 f11 1"/>
+            </a:gdLst>
+            <a:ahLst>
+              <a:ahXY gdRefX="f0" minX="f6" maxX="f7">
+                <a:pos x="f17" y="f18"/>
+              </a:ahXY>
+            </a:ahLst>
+            <a:cxnLst>
+              <a:cxn ang="3cd4">
+                <a:pos x="hc" y="t"/>
+              </a:cxn>
+              <a:cxn ang="0">
+                <a:pos x="r" y="vc"/>
+              </a:cxn>
+              <a:cxn ang="cd4">
+                <a:pos x="hc" y="b"/>
+              </a:cxn>
+              <a:cxn ang="cd2">
+                <a:pos x="l" y="vc"/>
+              </a:cxn>
+              <a:cxn ang="f31">
+                <a:pos x="f30" y="f21"/>
+              </a:cxn>
+              <a:cxn ang="f31">
+                <a:pos x="f29" y="f20"/>
+              </a:cxn>
+              <a:cxn ang="f31">
+                <a:pos x="f23" y="f24"/>
+              </a:cxn>
+              <a:cxn ang="f31">
+                <a:pos x="f25" y="f24"/>
+              </a:cxn>
+              <a:cxn ang="f31">
+                <a:pos x="f26" y="f24"/>
+              </a:cxn>
+              <a:cxn ang="f31">
+                <a:pos x="f35" y="f20"/>
+              </a:cxn>
+            </a:cxnLst>
+            <a:rect l="f29" t="f20" r="f33" b="f19"/>
+            <a:pathLst>
+              <a:path w="21600" h="21600">
+                <a:moveTo>
+                  <a:pt x="f15" y="f6"/>
+                </a:moveTo>
+                <a:lnTo>
+                  <a:pt x="f7" y="f7"/>
+                </a:lnTo>
+                <a:lnTo>
+                  <a:pt x="f6" y="f7"/>
+                </a:lnTo>
+                <a:close/>
+              </a:path>
+            </a:pathLst>
+          </a:custGeom>
+          <a:solidFill>
+            <a:srgbClr val="579D1C"/>
+          </a:solidFill>
+          <a:ln>
+            <a:noFill/>
+            <a:prstDash val="solid"/>
+          </a:ln>
+        </p:spPr>
+        <p:txBody>
+          <a:bodyPr vert="horz" wrap="none" lIns="108847" tIns="54423" rIns="108847" bIns="54423" anchor="ctr" anchorCtr="0" compatLnSpc="0">
+            <a:noAutofit/>
+          </a:bodyPr>
+          <a:lstStyle/>
+          <a:p>
+            <a:pPr hangingPunct="0"/>
+            <a:endParaRPr lang="ru-RU" sz="2177">
+              <a:latin typeface="Liberation Sans" pitchFamily="18"/>
+              <a:ea typeface="Microsoft YaHei" pitchFamily="2"/>
+              <a:cs typeface="Mangal" pitchFamily="2"/>
+            </a:endParaRPr>
+          </a:p>
+        </p:txBody>
+      </p:sp>
+      <p:grpSp>
+        <p:nvGrpSpPr>
+          <p:cNvPr id="15" name="Группа 14"/>
+          <p:cNvGrpSpPr/>
+          <p:nvPr/>
+        </p:nvGrpSpPr>
+        <p:grpSpPr>
+          <a:xfrm>
+            <a:off x="5834391" y="3657246"/>
+            <a:ext cx="1132004" cy="1073058"/>
+            <a:chOff x="4824000" y="3024000"/>
+            <a:chExt cx="936000" cy="887260"/>
+          </a:xfrm>
+        </p:grpSpPr>
+        <p:sp>
+          <p:nvSpPr>
+            <p:cNvPr id="16" name="Полилиния 15"/>
+            <p:cNvSpPr/>
+            <p:nvPr/>
+          </p:nvSpPr>
+          <p:spPr>
+            <a:xfrm>
+              <a:off x="4824000" y="3024000"/>
+              <a:ext cx="936000" cy="864000"/>
+            </a:xfrm>
+            <a:custGeom>
+              <a:avLst/>
+              <a:gdLst>
+                <a:gd name="f0" fmla="val 0"/>
+                <a:gd name="f1" fmla="val 21600"/>
+              </a:gdLst>
+              <a:ahLst/>
+              <a:cxnLst>
+                <a:cxn ang="3cd4">
+                  <a:pos x="hc" y="t"/>
+                </a:cxn>
+                <a:cxn ang="0">
+                  <a:pos x="r" y="vc"/>
+                </a:cxn>
+                <a:cxn ang="cd4">
+                  <a:pos x="hc" y="b"/>
+                </a:cxn>
+                <a:cxn ang="cd2">
+                  <a:pos x="l" y="vc"/>
+                </a:cxn>
+              </a:cxnLst>
+              <a:rect l="l" t="t" r="r" b="b"/>
+              <a:pathLst>
+                <a:path w="21600" h="21600">
+                  <a:moveTo>
+                    <a:pt x="f0" y="f0"/>
+                  </a:moveTo>
+                  <a:lnTo>
+                    <a:pt x="f1" y="f0"/>
+                  </a:lnTo>
+                  <a:lnTo>
+                    <a:pt x="f1" y="f1"/>
+                  </a:lnTo>
+                  <a:lnTo>
+                    <a:pt x="f0" y="f1"/>
+                  </a:lnTo>
+                  <a:lnTo>
+                    <a:pt x="f0" y="f0"/>
+                  </a:lnTo>
+                  <a:close/>
+                </a:path>
+              </a:pathLst>
+            </a:custGeom>
+            <a:noFill/>
+            <a:ln w="36000">
+              <a:solidFill>
+                <a:srgbClr val="66CC99"/>
+              </a:solidFill>
+              <a:prstDash val="solid"/>
+            </a:ln>
+          </p:spPr>
+          <p:txBody>
+            <a:bodyPr vert="horz" wrap="none" lIns="130616" tIns="76193" rIns="130616" bIns="76193" anchor="ctr" anchorCtr="0" compatLnSpc="0">
+              <a:noAutofit/>
+            </a:bodyPr>
+            <a:lstStyle/>
+            <a:p>
+              <a:pPr hangingPunct="0"/>
+              <a:endParaRPr lang="ru-RU" sz="2177">
+                <a:latin typeface="Liberation Sans" pitchFamily="18"/>
+                <a:ea typeface="Microsoft YaHei" pitchFamily="2"/>
+                <a:cs typeface="Mangal" pitchFamily="2"/>
+              </a:endParaRPr>
+            </a:p>
+          </p:txBody>
+        </p:sp>
+        <p:sp>
+          <p:nvSpPr>
+            <p:cNvPr id="17" name="TextBox 16"/>
+            <p:cNvSpPr txBox="1"/>
+            <p:nvPr/>
+          </p:nvSpPr>
+          <p:spPr>
+            <a:xfrm>
+              <a:off x="4824000" y="3024000"/>
+              <a:ext cx="758858" cy="887260"/>
+            </a:xfrm>
+            <a:prstGeom prst="rect">
+              <a:avLst/>
+            </a:prstGeom>
+            <a:noFill/>
+            <a:ln>
+              <a:noFill/>
+            </a:ln>
+          </p:spPr>
+          <p:txBody>
+            <a:bodyPr vert="horz" wrap="none" lIns="108847" tIns="54423" rIns="108847" bIns="54423" anchorCtr="0" compatLnSpc="0">
+              <a:spAutoFit/>
+            </a:bodyPr>
+            <a:lstStyle/>
+            <a:p>
+              <a:pPr hangingPunct="0"/>
+              <a:r>
+                <a:rPr lang="ru-RU" sz="2177" b="1">
+                  <a:latin typeface="Liberation Sans" pitchFamily="18"/>
+                  <a:ea typeface="Microsoft YaHei" pitchFamily="2"/>
+                  <a:cs typeface="Mangal" pitchFamily="2"/>
+                </a:rPr>
+                <a:t>string</a:t>
+              </a:r>
+            </a:p>
+            <a:p>
+              <a:pPr hangingPunct="0"/>
+              <a:endParaRPr lang="ru-RU" sz="2177">
+                <a:latin typeface="Liberation Sans" pitchFamily="18"/>
+                <a:ea typeface="Microsoft YaHei" pitchFamily="2"/>
+                <a:cs typeface="Mangal" pitchFamily="2"/>
+              </a:endParaRPr>
+            </a:p>
+            <a:p>
+              <a:pPr hangingPunct="0"/>
+              <a:r>
+                <a:rPr lang="ru-RU" sz="2177">
+                  <a:latin typeface="Liberation Sans" pitchFamily="18"/>
+                  <a:ea typeface="Microsoft YaHei" pitchFamily="2"/>
+                  <a:cs typeface="Mangal" pitchFamily="2"/>
+                </a:rPr>
+                <a:t>abc</a:t>
+              </a:r>
+            </a:p>
+          </p:txBody>
+        </p:sp>
+      </p:grpSp>
+      <p:sp>
+        <p:nvSpPr>
+          <p:cNvPr id="18" name="Полилиния 17"/>
+          <p:cNvSpPr/>
+          <p:nvPr/>
+        </p:nvSpPr>
+        <p:spPr>
+          <a:xfrm>
+            <a:off x="5489565" y="1183815"/>
+            <a:ext cx="174155" cy="232061"/>
+          </a:xfrm>
+          <a:custGeom>
+            <a:avLst>
+              <a:gd name="f0" fmla="val 7799"/>
+              <a:gd name="f1" fmla="val 5770"/>
+            </a:avLst>
+            <a:gdLst>
+              <a:gd name="f2" fmla="val w"/>
+              <a:gd name="f3" fmla="val h"/>
+              <a:gd name="f4" fmla="val 0"/>
+              <a:gd name="f5" fmla="val 21600"/>
+              <a:gd name="f6" fmla="val 10800"/>
+              <a:gd name="f7" fmla="*/ f2 1 21600"/>
+              <a:gd name="f8" fmla="*/ f3 1 21600"/>
+              <a:gd name="f9" fmla="pin 0 f0 21600"/>
+              <a:gd name="f10" fmla="pin 0 f1 10800"/>
+              <a:gd name="f11" fmla="val f10"/>
+              <a:gd name="f12" fmla="val f9"/>
+              <a:gd name="f13" fmla="+- 21600 0 f10"/>
+              <a:gd name="f14" fmla="*/ f9 f7 1"/>
+              <a:gd name="f15" fmla="*/ f10 f8 1"/>
+              <a:gd name="f16" fmla="*/ 0 f7 1"/>
+              <a:gd name="f17" fmla="+- 21600 0 f12"/>
+              <a:gd name="f18" fmla="*/ f13 f8 1"/>
+              <a:gd name="f19" fmla="*/ f11 f8 1"/>
+              <a:gd name="f20" fmla="*/ f17 f11 1"/>
+              <a:gd name="f21" fmla="*/ f20 1 10800"/>
+              <a:gd name="f22" fmla="+- f12 f21 0"/>
+              <a:gd name="f23" fmla="*/ f22 f7 1"/>
+            </a:gdLst>
+            <a:ahLst>
+              <a:ahXY gdRefX="f0" minX="f4" maxX="f5" gdRefY="f1" minY="f4" maxY="f6">
+                <a:pos x="f14" y="f15"/>
+              </a:ahXY>
+            </a:ahLst>
+            <a:cxnLst>
+              <a:cxn ang="3cd4">
+                <a:pos x="hc" y="t"/>
+              </a:cxn>
+              <a:cxn ang="0">
+                <a:pos x="r" y="vc"/>
+              </a:cxn>
+              <a:cxn ang="cd4">
+                <a:pos x="hc" y="b"/>
+              </a:cxn>
+              <a:cxn ang="cd2">
+                <a:pos x="l" y="vc"/>
+              </a:cxn>
+            </a:cxnLst>
+            <a:rect l="f16" t="f19" r="f23" b="f18"/>
+            <a:pathLst>
+              <a:path w="21600" h="21600">
+                <a:moveTo>
+                  <a:pt x="f4" y="f11"/>
+                </a:moveTo>
+                <a:lnTo>
+                  <a:pt x="f12" y="f11"/>
+                </a:lnTo>
+                <a:lnTo>
+                  <a:pt x="f12" y="f4"/>
+                </a:lnTo>
+                <a:lnTo>
+                  <a:pt x="f5" y="f6"/>
+                </a:lnTo>
+                <a:lnTo>
+                  <a:pt x="f12" y="f5"/>
+                </a:lnTo>
+                <a:lnTo>
+                  <a:pt x="f12" y="f13"/>
+                </a:lnTo>
+                <a:lnTo>
+                  <a:pt x="f4" y="f13"/>
+                </a:lnTo>
+                <a:close/>
+              </a:path>
+            </a:pathLst>
+          </a:custGeom>
+          <a:solidFill>
+            <a:srgbClr val="729FCF"/>
+          </a:solidFill>
+          <a:ln w="0">
+            <a:solidFill>
+              <a:srgbClr val="3465A4"/>
+            </a:solidFill>
+            <a:prstDash val="solid"/>
+          </a:ln>
+        </p:spPr>
+        <p:txBody>
+          <a:bodyPr vert="horz" wrap="none" lIns="108847" tIns="54423" rIns="108847" bIns="54423" anchor="ctr" anchorCtr="0" compatLnSpc="0">
+            <a:noAutofit/>
+          </a:bodyPr>
+          <a:lstStyle/>
+          <a:p>
+            <a:pPr hangingPunct="0"/>
+            <a:endParaRPr lang="ru-RU" sz="2177">
+              <a:latin typeface="Liberation Sans" pitchFamily="18"/>
+              <a:ea typeface="Microsoft YaHei" pitchFamily="2"/>
+              <a:cs typeface="Mangal" pitchFamily="2"/>
+            </a:endParaRPr>
+          </a:p>
+        </p:txBody>
+      </p:sp>
+      <p:cxnSp>
+        <p:nvCxnSpPr>
+          <p:cNvPr id="19" name="Соединительная линия уступом 18"/>
+          <p:cNvCxnSpPr>
+            <a:stCxn id="18" idx="1"/>
+          </p:cNvCxnSpPr>
+          <p:nvPr/>
+        </p:nvCxnSpPr>
+        <p:spPr>
+          <a:xfrm>
+            <a:off x="5663719" y="1299846"/>
+            <a:ext cx="736674" cy="2357399"/>
+          </a:xfrm>
+          <a:prstGeom prst="bentConnector2">
+            <a:avLst/>
+          </a:prstGeom>
+          <a:noFill/>
+          <a:ln w="36000">
+            <a:solidFill>
+              <a:srgbClr val="999999"/>
+            </a:solidFill>
+            <a:prstDash val="solid"/>
+          </a:ln>
+        </p:spPr>
+      </p:cxnSp>
+      <p:grpSp>
+        <p:nvGrpSpPr>
+          <p:cNvPr id="20" name="Группа 19"/>
+          <p:cNvGrpSpPr/>
+          <p:nvPr/>
+        </p:nvGrpSpPr>
+        <p:grpSpPr>
+          <a:xfrm>
+            <a:off x="7401782" y="3657246"/>
+            <a:ext cx="1132004" cy="1073058"/>
+            <a:chOff x="6120000" y="3024000"/>
+            <a:chExt cx="936000" cy="887260"/>
+          </a:xfrm>
+        </p:grpSpPr>
+        <p:sp>
+          <p:nvSpPr>
+            <p:cNvPr id="21" name="Полилиния 20"/>
+            <p:cNvSpPr/>
+            <p:nvPr/>
+          </p:nvSpPr>
+          <p:spPr>
+            <a:xfrm>
+              <a:off x="6120000" y="3024000"/>
+              <a:ext cx="936000" cy="864000"/>
+            </a:xfrm>
+            <a:custGeom>
+              <a:avLst/>
+              <a:gdLst>
+                <a:gd name="f0" fmla="val 0"/>
+                <a:gd name="f1" fmla="val 21600"/>
+              </a:gdLst>
+              <a:ahLst/>
+              <a:cxnLst>
+                <a:cxn ang="3cd4">
+                  <a:pos x="hc" y="t"/>
+                </a:cxn>
+                <a:cxn ang="0">
+                  <a:pos x="r" y="vc"/>
+                </a:cxn>
+                <a:cxn ang="cd4">
+                  <a:pos x="hc" y="b"/>
+                </a:cxn>
+                <a:cxn ang="cd2">
+                  <a:pos x="l" y="vc"/>
+                </a:cxn>
+              </a:cxnLst>
+              <a:rect l="l" t="t" r="r" b="b"/>
+              <a:pathLst>
+                <a:path w="21600" h="21600">
+                  <a:moveTo>
+                    <a:pt x="f0" y="f0"/>
+                  </a:moveTo>
+                  <a:lnTo>
+                    <a:pt x="f1" y="f0"/>
+                  </a:lnTo>
+                  <a:lnTo>
+                    <a:pt x="f1" y="f1"/>
+                  </a:lnTo>
+                  <a:lnTo>
+                    <a:pt x="f0" y="f1"/>
+                  </a:lnTo>
+                  <a:lnTo>
+                    <a:pt x="f0" y="f0"/>
+                  </a:lnTo>
+                  <a:close/>
+                </a:path>
+              </a:pathLst>
+            </a:custGeom>
+            <a:noFill/>
+            <a:ln w="36000">
+              <a:solidFill>
+                <a:srgbClr val="66CC99"/>
+              </a:solidFill>
+              <a:prstDash val="solid"/>
+            </a:ln>
+          </p:spPr>
+          <p:txBody>
+            <a:bodyPr vert="horz" wrap="none" lIns="130616" tIns="76193" rIns="130616" bIns="76193" anchor="ctr" anchorCtr="0" compatLnSpc="0">
+              <a:noAutofit/>
+            </a:bodyPr>
+            <a:lstStyle/>
+            <a:p>
+              <a:pPr hangingPunct="0"/>
+              <a:endParaRPr lang="ru-RU" sz="2177">
+                <a:latin typeface="Liberation Sans" pitchFamily="18"/>
+                <a:ea typeface="Microsoft YaHei" pitchFamily="2"/>
+                <a:cs typeface="Mangal" pitchFamily="2"/>
+              </a:endParaRPr>
+            </a:p>
+          </p:txBody>
+        </p:sp>
+        <p:sp>
+          <p:nvSpPr>
+            <p:cNvPr id="22" name="TextBox 21"/>
+            <p:cNvSpPr txBox="1"/>
+            <p:nvPr/>
+          </p:nvSpPr>
+          <p:spPr>
+            <a:xfrm>
+              <a:off x="6120000" y="3024000"/>
+              <a:ext cx="758858" cy="887260"/>
+            </a:xfrm>
+            <a:prstGeom prst="rect">
+              <a:avLst/>
+            </a:prstGeom>
+            <a:noFill/>
+            <a:ln>
+              <a:noFill/>
+            </a:ln>
+          </p:spPr>
+          <p:txBody>
+            <a:bodyPr vert="horz" wrap="none" lIns="108847" tIns="54423" rIns="108847" bIns="54423" anchorCtr="0" compatLnSpc="0">
+              <a:spAutoFit/>
+            </a:bodyPr>
+            <a:lstStyle/>
+            <a:p>
+              <a:pPr hangingPunct="0"/>
+              <a:r>
+                <a:rPr lang="ru-RU" sz="2177" b="1">
+                  <a:latin typeface="Liberation Sans" pitchFamily="18"/>
+                  <a:ea typeface="Microsoft YaHei" pitchFamily="2"/>
+                  <a:cs typeface="Mangal" pitchFamily="2"/>
+                </a:rPr>
+                <a:t>string</a:t>
+              </a:r>
+            </a:p>
+            <a:p>
+              <a:pPr hangingPunct="0"/>
+              <a:endParaRPr lang="ru-RU" sz="2177">
+                <a:latin typeface="Liberation Sans" pitchFamily="18"/>
+                <a:ea typeface="Microsoft YaHei" pitchFamily="2"/>
+                <a:cs typeface="Mangal" pitchFamily="2"/>
+              </a:endParaRPr>
+            </a:p>
+            <a:p>
+              <a:pPr hangingPunct="0"/>
+              <a:r>
+                <a:rPr lang="ru-RU" sz="2177">
+                  <a:latin typeface="Liberation Sans" pitchFamily="18"/>
+                  <a:ea typeface="Microsoft YaHei" pitchFamily="2"/>
+                  <a:cs typeface="Mangal" pitchFamily="2"/>
+                </a:rPr>
+                <a:t>xyz</a:t>
+              </a:r>
+            </a:p>
+          </p:txBody>
+        </p:sp>
+      </p:grpSp>
+      <p:cxnSp>
+        <p:nvCxnSpPr>
+          <p:cNvPr id="23" name="Соединительная линия уступом 22"/>
+          <p:cNvCxnSpPr/>
+          <p:nvPr/>
+        </p:nvCxnSpPr>
+        <p:spPr>
+          <a:xfrm>
+            <a:off x="5663719" y="1299628"/>
+            <a:ext cx="2304065" cy="2357617"/>
+          </a:xfrm>
+          <a:prstGeom prst="bentConnector3">
+            <a:avLst>
+              <a:gd name="adj1" fmla="val 99307"/>
+            </a:avLst>
+          </a:prstGeom>
+          <a:noFill/>
+          <a:ln w="36000">
+            <a:solidFill>
+              <a:srgbClr val="999999"/>
+            </a:solidFill>
+            <a:prstDash val="solid"/>
+          </a:ln>
+        </p:spPr>
+      </p:cxnSp>
+      <p:grpSp>
+        <p:nvGrpSpPr>
+          <p:cNvPr id="24" name="Группа 23"/>
+          <p:cNvGrpSpPr/>
+          <p:nvPr/>
+        </p:nvGrpSpPr>
+        <p:grpSpPr>
+          <a:xfrm>
+            <a:off x="8882095" y="3657246"/>
+            <a:ext cx="1132005" cy="1073058"/>
+            <a:chOff x="7343999" y="3024000"/>
+            <a:chExt cx="936000" cy="887260"/>
+          </a:xfrm>
+        </p:grpSpPr>
+        <p:sp>
+          <p:nvSpPr>
+            <p:cNvPr id="25" name="Полилиния 24"/>
+            <p:cNvSpPr/>
+            <p:nvPr/>
+          </p:nvSpPr>
+          <p:spPr>
+            <a:xfrm>
+              <a:off x="7343999" y="3024000"/>
+              <a:ext cx="936000" cy="864000"/>
+            </a:xfrm>
+            <a:custGeom>
+              <a:avLst/>
+              <a:gdLst>
+                <a:gd name="f0" fmla="val 0"/>
+                <a:gd name="f1" fmla="val 21600"/>
+              </a:gdLst>
+              <a:ahLst/>
+              <a:cxnLst>
+                <a:cxn ang="3cd4">
+                  <a:pos x="hc" y="t"/>
+                </a:cxn>
+                <a:cxn ang="0">
+                  <a:pos x="r" y="vc"/>
+                </a:cxn>
+                <a:cxn ang="cd4">
+                  <a:pos x="hc" y="b"/>
+                </a:cxn>
+                <a:cxn ang="cd2">
+                  <a:pos x="l" y="vc"/>
+                </a:cxn>
+              </a:cxnLst>
+              <a:rect l="l" t="t" r="r" b="b"/>
+              <a:pathLst>
+                <a:path w="21600" h="21600">
+                  <a:moveTo>
+                    <a:pt x="f0" y="f0"/>
+                  </a:moveTo>
+                  <a:lnTo>
+                    <a:pt x="f1" y="f0"/>
+                  </a:lnTo>
+                  <a:lnTo>
+                    <a:pt x="f1" y="f1"/>
+                  </a:lnTo>
+                  <a:lnTo>
+                    <a:pt x="f0" y="f1"/>
+                  </a:lnTo>
+                  <a:lnTo>
+                    <a:pt x="f0" y="f0"/>
+                  </a:lnTo>
+                  <a:close/>
+                </a:path>
+              </a:pathLst>
+            </a:custGeom>
+            <a:noFill/>
+            <a:ln w="36000">
+              <a:solidFill>
+                <a:srgbClr val="66CC99"/>
+              </a:solidFill>
+              <a:prstDash val="solid"/>
+            </a:ln>
+          </p:spPr>
+          <p:txBody>
+            <a:bodyPr vert="horz" wrap="none" lIns="130616" tIns="76193" rIns="130616" bIns="76193" anchor="ctr" anchorCtr="0" compatLnSpc="0">
+              <a:noAutofit/>
+            </a:bodyPr>
+            <a:lstStyle/>
+            <a:p>
+              <a:pPr hangingPunct="0"/>
+              <a:endParaRPr lang="ru-RU" sz="2177">
+                <a:latin typeface="Liberation Sans" pitchFamily="18"/>
+                <a:ea typeface="Microsoft YaHei" pitchFamily="2"/>
+                <a:cs typeface="Mangal" pitchFamily="2"/>
+              </a:endParaRPr>
+            </a:p>
+          </p:txBody>
+        </p:sp>
+        <p:sp>
+          <p:nvSpPr>
+            <p:cNvPr id="26" name="TextBox 25"/>
+            <p:cNvSpPr txBox="1"/>
+            <p:nvPr/>
+          </p:nvSpPr>
+          <p:spPr>
+            <a:xfrm>
+              <a:off x="7343999" y="3024000"/>
+              <a:ext cx="861341" cy="887260"/>
+            </a:xfrm>
+            <a:prstGeom prst="rect">
+              <a:avLst/>
+            </a:prstGeom>
+            <a:noFill/>
+            <a:ln>
+              <a:noFill/>
+            </a:ln>
+          </p:spPr>
+          <p:txBody>
+            <a:bodyPr vert="horz" wrap="none" lIns="108847" tIns="54423" rIns="108847" bIns="54423" anchorCtr="0" compatLnSpc="0">
+              <a:spAutoFit/>
+            </a:bodyPr>
+            <a:lstStyle/>
+            <a:p>
+              <a:pPr hangingPunct="0"/>
+              <a:r>
+                <a:rPr lang="ru-RU" sz="2177" b="1">
+                  <a:latin typeface="Liberation Sans" pitchFamily="18"/>
+                  <a:ea typeface="Microsoft YaHei" pitchFamily="2"/>
+                  <a:cs typeface="Mangal" pitchFamily="2"/>
+                </a:rPr>
+                <a:t>string</a:t>
+              </a:r>
+            </a:p>
+            <a:p>
+              <a:pPr hangingPunct="0"/>
+              <a:endParaRPr lang="ru-RU" sz="2177">
+                <a:latin typeface="Liberation Sans" pitchFamily="18"/>
+                <a:ea typeface="Microsoft YaHei" pitchFamily="2"/>
+                <a:cs typeface="Mangal" pitchFamily="2"/>
+              </a:endParaRPr>
+            </a:p>
+            <a:p>
+              <a:pPr hangingPunct="0"/>
+              <a:r>
+                <a:rPr lang="ru-RU" sz="2177">
+                  <a:latin typeface="Liberation Sans" pitchFamily="18"/>
+                  <a:ea typeface="Microsoft YaHei" pitchFamily="2"/>
+                  <a:cs typeface="Mangal" pitchFamily="2"/>
+                </a:rPr>
+                <a:t>xyz123</a:t>
+              </a:r>
+            </a:p>
+          </p:txBody>
+        </p:sp>
+      </p:grpSp>
+      <p:cxnSp>
+        <p:nvCxnSpPr>
+          <p:cNvPr id="27" name="Соединительная линия уступом 26"/>
+          <p:cNvCxnSpPr/>
+          <p:nvPr/>
+        </p:nvCxnSpPr>
+        <p:spPr>
+          <a:xfrm>
+            <a:off x="5663719" y="1299628"/>
+            <a:ext cx="3784378" cy="2357617"/>
+          </a:xfrm>
+          <a:prstGeom prst="bentConnector3">
+            <a:avLst>
+              <a:gd name="adj1" fmla="val 97593"/>
+            </a:avLst>
+          </a:prstGeom>
+          <a:noFill/>
+          <a:ln w="36000">
+            <a:solidFill>
+              <a:srgbClr val="999999"/>
+            </a:solidFill>
+            <a:prstDash val="solid"/>
+          </a:ln>
+        </p:spPr>
+      </p:cxnSp>
     </p:spTree>
     <p:extLst>
       <p:ext uri="{BB962C8B-B14F-4D97-AF65-F5344CB8AC3E}">
-        <p14:creationId xmlns:p14="http://schemas.microsoft.com/office/powerpoint/2010/main" val="194382878"/>
+        <p14:creationId xmlns:p14="http://schemas.microsoft.com/office/powerpoint/2010/main" val="2614761769"/>
       </p:ext>
     </p:extLst>
   </p:cSld>
   <p:clrMapOvr>
     <a:masterClrMapping/>
   </p:clrMapOvr>
+  <mc:AlternateContent xmlns:mc="http://schemas.openxmlformats.org/markup-compatibility/2006" xmlns:p14="http://schemas.microsoft.com/office/powerpoint/2010/main">
+    <mc:Choice Requires="p14">
+      <p:transition spd="slow" p14:dur="2000"/>
+    </mc:Choice>
+    <mc:Fallback xmlns="">
+      <p:transition spd="slow"/>
+    </mc:Fallback>
+  </mc:AlternateContent>
+  <p:timing>
+    <p:tnLst>
+      <p:par>
+        <p:cTn id="1" dur="indefinite" restart="never" nodeType="tmRoot">
+          <p:childTnLst>
+            <p:seq concurrent="1" nextAc="seek">
+              <p:cTn id="2" dur="indefinite" nodeType="mainSeq">
+                <p:childTnLst>
+                  <p:par>
+                    <p:cTn id="3" fill="hold">
+                      <p:stCondLst>
+                        <p:cond delay="indefinite"/>
+                      </p:stCondLst>
+                      <p:childTnLst>
+                        <p:par>
+                          <p:cTn id="4" fill="hold">
+                            <p:stCondLst>
+                              <p:cond delay="0"/>
+                            </p:stCondLst>
+                            <p:childTnLst>
+                              <p:par>
+                                <p:cTn id="5" presetClass="entr" fill="hold" nodeType="clickEffect">
+                                  <p:stCondLst>
+                                    <p:cond delay="0"/>
+                                  </p:stCondLst>
+                                  <p:childTnLst>
+                                    <p:set>
+                                      <p:cBhvr>
+                                        <p:cTn id="6" dur="1" fill="hold">
+                                          <p:stCondLst>
+                                            <p:cond delay="0"/>
+                                          </p:stCondLst>
+                                        </p:cTn>
+                                        <p:tgtEl>
+                                          <p:spTgt spid="12"/>
+                                        </p:tgtEl>
+                                        <p:attrNameLst>
+                                          <p:attrName>style.visibility</p:attrName>
+                                        </p:attrNameLst>
+                                      </p:cBhvr>
+                                      <p:to>
+                                        <p:strVal val="visible"/>
+                                      </p:to>
+                                    </p:set>
+                                  </p:childTnLst>
+                                </p:cTn>
+                              </p:par>
+                              <p:par>
+                                <p:cTn id="7" presetClass="entr" fill="hold" nodeType="withEffect">
+                                  <p:stCondLst>
+                                    <p:cond delay="0"/>
+                                  </p:stCondLst>
+                                  <p:childTnLst>
+                                    <p:set>
+                                      <p:cBhvr>
+                                        <p:cTn id="8" dur="1" fill="hold">
+                                          <p:stCondLst>
+                                            <p:cond delay="0"/>
+                                          </p:stCondLst>
+                                        </p:cTn>
+                                        <p:tgtEl>
+                                          <p:spTgt spid="7"/>
+                                        </p:tgtEl>
+                                        <p:attrNameLst>
+                                          <p:attrName>style.visibility</p:attrName>
+                                        </p:attrNameLst>
+                                      </p:cBhvr>
+                                      <p:to>
+                                        <p:strVal val="visible"/>
+                                      </p:to>
+                                    </p:set>
+                                  </p:childTnLst>
+                                </p:cTn>
+                              </p:par>
+                              <p:par>
+                                <p:cTn id="9" presetClass="entr" fill="hold" nodeType="withEffect">
+                                  <p:stCondLst>
+                                    <p:cond delay="0"/>
+                                  </p:stCondLst>
+                                  <p:childTnLst>
+                                    <p:set>
+                                      <p:cBhvr>
+                                        <p:cTn id="10" dur="1" fill="hold">
+                                          <p:stCondLst>
+                                            <p:cond delay="0"/>
+                                          </p:stCondLst>
+                                        </p:cTn>
+                                        <p:tgtEl>
+                                          <p:spTgt spid="18"/>
+                                        </p:tgtEl>
+                                        <p:attrNameLst>
+                                          <p:attrName>style.visibility</p:attrName>
+                                        </p:attrNameLst>
+                                      </p:cBhvr>
+                                      <p:to>
+                                        <p:strVal val="visible"/>
+                                      </p:to>
+                                    </p:set>
+                                  </p:childTnLst>
+                                </p:cTn>
+                              </p:par>
+                            </p:childTnLst>
+                          </p:cTn>
+                        </p:par>
+                      </p:childTnLst>
+                    </p:cTn>
+                  </p:par>
+                  <p:par>
+                    <p:cTn id="11" fill="hold">
+                      <p:stCondLst>
+                        <p:cond delay="indefinite"/>
+                      </p:stCondLst>
+                      <p:childTnLst>
+                        <p:par>
+                          <p:cTn id="12" fill="hold">
+                            <p:stCondLst>
+                              <p:cond delay="0"/>
+                            </p:stCondLst>
+                            <p:childTnLst>
+                              <p:par>
+                                <p:cTn id="13" presetClass="exit" fill="hold" nodeType="clickEffect">
+                                  <p:stCondLst>
+                                    <p:cond delay="0"/>
+                                  </p:stCondLst>
+                                  <p:childTnLst>
+                                    <p:set>
+                                      <p:cBhvr>
+                                        <p:cTn id="14" dur="1" fill="hold">
+                                          <p:stCondLst>
+                                            <p:cond delay="0"/>
+                                          </p:stCondLst>
+                                        </p:cTn>
+                                        <p:tgtEl>
+                                          <p:spTgt spid="12"/>
+                                        </p:tgtEl>
+                                        <p:attrNameLst>
+                                          <p:attrName>style.visibility</p:attrName>
+                                        </p:attrNameLst>
+                                      </p:cBhvr>
+                                      <p:to>
+                                        <p:strVal val="hidden"/>
+                                      </p:to>
+                                    </p:set>
+                                  </p:childTnLst>
+                                </p:cTn>
+                              </p:par>
+                              <p:par>
+                                <p:cTn id="15" presetClass="entr" fill="hold" nodeType="withEffect">
+                                  <p:stCondLst>
+                                    <p:cond delay="0"/>
+                                  </p:stCondLst>
+                                  <p:childTnLst>
+                                    <p:set>
+                                      <p:cBhvr>
+                                        <p:cTn id="16" dur="1" fill="hold">
+                                          <p:stCondLst>
+                                            <p:cond delay="0"/>
+                                          </p:stCondLst>
+                                        </p:cTn>
+                                        <p:tgtEl>
+                                          <p:spTgt spid="10"/>
+                                        </p:tgtEl>
+                                        <p:attrNameLst>
+                                          <p:attrName>style.visibility</p:attrName>
+                                        </p:attrNameLst>
+                                      </p:cBhvr>
+                                      <p:to>
+                                        <p:strVal val="visible"/>
+                                      </p:to>
+                                    </p:set>
+                                  </p:childTnLst>
+                                </p:cTn>
+                              </p:par>
+                            </p:childTnLst>
+                          </p:cTn>
+                        </p:par>
+                      </p:childTnLst>
+                    </p:cTn>
+                  </p:par>
+                  <p:par>
+                    <p:cTn id="17" fill="hold">
+                      <p:stCondLst>
+                        <p:cond delay="indefinite"/>
+                      </p:stCondLst>
+                      <p:childTnLst>
+                        <p:par>
+                          <p:cTn id="18" fill="hold">
+                            <p:stCondLst>
+                              <p:cond delay="0"/>
+                            </p:stCondLst>
+                            <p:childTnLst>
+                              <p:par>
+                                <p:cTn id="19" presetClass="entr" fill="hold" nodeType="clickEffect">
+                                  <p:stCondLst>
+                                    <p:cond delay="0"/>
+                                  </p:stCondLst>
+                                  <p:childTnLst>
+                                    <p:set>
+                                      <p:cBhvr>
+                                        <p:cTn id="20" dur="1" fill="hold">
+                                          <p:stCondLst>
+                                            <p:cond delay="0"/>
+                                          </p:stCondLst>
+                                        </p:cTn>
+                                        <p:tgtEl>
+                                          <p:spTgt spid="15"/>
+                                        </p:tgtEl>
+                                        <p:attrNameLst>
+                                          <p:attrName>style.visibility</p:attrName>
+                                        </p:attrNameLst>
+                                      </p:cBhvr>
+                                      <p:to>
+                                        <p:strVal val="visible"/>
+                                      </p:to>
+                                    </p:set>
+                                  </p:childTnLst>
+                                </p:cTn>
+                              </p:par>
+                              <p:par>
+                                <p:cTn id="21" presetClass="entr" fill="hold" nodeType="withEffect">
+                                  <p:stCondLst>
+                                    <p:cond delay="0"/>
+                                  </p:stCondLst>
+                                  <p:childTnLst>
+                                    <p:set>
+                                      <p:cBhvr>
+                                        <p:cTn id="22" dur="1" fill="hold">
+                                          <p:stCondLst>
+                                            <p:cond delay="0"/>
+                                          </p:stCondLst>
+                                        </p:cTn>
+                                        <p:tgtEl>
+                                          <p:spTgt spid="19"/>
+                                        </p:tgtEl>
+                                        <p:attrNameLst>
+                                          <p:attrName>style.visibility</p:attrName>
+                                        </p:attrNameLst>
+                                      </p:cBhvr>
+                                      <p:to>
+                                        <p:strVal val="visible"/>
+                                      </p:to>
+                                    </p:set>
+                                  </p:childTnLst>
+                                </p:cTn>
+                              </p:par>
+                            </p:childTnLst>
+                          </p:cTn>
+                        </p:par>
+                      </p:childTnLst>
+                    </p:cTn>
+                  </p:par>
+                  <p:par>
+                    <p:cTn id="23" fill="hold">
+                      <p:stCondLst>
+                        <p:cond delay="indefinite"/>
+                      </p:stCondLst>
+                      <p:childTnLst>
+                        <p:par>
+                          <p:cTn id="24" fill="hold">
+                            <p:stCondLst>
+                              <p:cond delay="0"/>
+                            </p:stCondLst>
+                            <p:childTnLst>
+                              <p:par>
+                                <p:cTn id="25" presetClass="entr" fill="hold" nodeType="clickEffect">
+                                  <p:stCondLst>
+                                    <p:cond delay="0"/>
+                                  </p:stCondLst>
+                                  <p:childTnLst>
+                                    <p:set>
+                                      <p:cBhvr>
+                                        <p:cTn id="26" dur="1" fill="hold">
+                                          <p:stCondLst>
+                                            <p:cond delay="0"/>
+                                          </p:stCondLst>
+                                        </p:cTn>
+                                        <p:tgtEl>
+                                          <p:spTgt spid="13"/>
+                                        </p:tgtEl>
+                                        <p:attrNameLst>
+                                          <p:attrName>style.visibility</p:attrName>
+                                        </p:attrNameLst>
+                                      </p:cBhvr>
+                                      <p:to>
+                                        <p:strVal val="visible"/>
+                                      </p:to>
+                                    </p:set>
+                                  </p:childTnLst>
+                                </p:cTn>
+                              </p:par>
+                              <p:par>
+                                <p:cTn id="27" presetClass="exit" fill="hold" nodeType="withEffect">
+                                  <p:stCondLst>
+                                    <p:cond delay="0"/>
+                                  </p:stCondLst>
+                                  <p:childTnLst>
+                                    <p:set>
+                                      <p:cBhvr>
+                                        <p:cTn id="28" dur="1" fill="hold">
+                                          <p:stCondLst>
+                                            <p:cond delay="0"/>
+                                          </p:stCondLst>
+                                        </p:cTn>
+                                        <p:tgtEl>
+                                          <p:spTgt spid="10"/>
+                                        </p:tgtEl>
+                                        <p:attrNameLst>
+                                          <p:attrName>style.visibility</p:attrName>
+                                        </p:attrNameLst>
+                                      </p:cBhvr>
+                                      <p:to>
+                                        <p:strVal val="hidden"/>
+                                      </p:to>
+                                    </p:set>
+                                  </p:childTnLst>
+                                </p:cTn>
+                              </p:par>
+                            </p:childTnLst>
+                          </p:cTn>
+                        </p:par>
+                      </p:childTnLst>
+                    </p:cTn>
+                  </p:par>
+                  <p:par>
+                    <p:cTn id="29" fill="hold">
+                      <p:stCondLst>
+                        <p:cond delay="indefinite"/>
+                      </p:stCondLst>
+                      <p:childTnLst>
+                        <p:par>
+                          <p:cTn id="30" fill="hold">
+                            <p:stCondLst>
+                              <p:cond delay="0"/>
+                            </p:stCondLst>
+                            <p:childTnLst>
+                              <p:par>
+                                <p:cTn id="31" presetClass="entr" fill="hold" nodeType="clickEffect">
+                                  <p:stCondLst>
+                                    <p:cond delay="0"/>
+                                  </p:stCondLst>
+                                  <p:childTnLst>
+                                    <p:set>
+                                      <p:cBhvr>
+                                        <p:cTn id="32" dur="1" fill="hold">
+                                          <p:stCondLst>
+                                            <p:cond delay="0"/>
+                                          </p:stCondLst>
+                                        </p:cTn>
+                                        <p:tgtEl>
+                                          <p:spTgt spid="20"/>
+                                        </p:tgtEl>
+                                        <p:attrNameLst>
+                                          <p:attrName>style.visibility</p:attrName>
+                                        </p:attrNameLst>
+                                      </p:cBhvr>
+                                      <p:to>
+                                        <p:strVal val="visible"/>
+                                      </p:to>
+                                    </p:set>
+                                  </p:childTnLst>
+                                </p:cTn>
+                              </p:par>
+                              <p:par>
+                                <p:cTn id="33" presetClass="entr" fill="hold" nodeType="withEffect">
+                                  <p:stCondLst>
+                                    <p:cond delay="0"/>
+                                  </p:stCondLst>
+                                  <p:childTnLst>
+                                    <p:set>
+                                      <p:cBhvr>
+                                        <p:cTn id="34" dur="1" fill="hold">
+                                          <p:stCondLst>
+                                            <p:cond delay="0"/>
+                                          </p:stCondLst>
+                                        </p:cTn>
+                                        <p:tgtEl>
+                                          <p:spTgt spid="23"/>
+                                        </p:tgtEl>
+                                        <p:attrNameLst>
+                                          <p:attrName>style.visibility</p:attrName>
+                                        </p:attrNameLst>
+                                      </p:cBhvr>
+                                      <p:to>
+                                        <p:strVal val="visible"/>
+                                      </p:to>
+                                    </p:set>
+                                  </p:childTnLst>
+                                </p:cTn>
+                              </p:par>
+                              <p:par>
+                                <p:cTn id="35" presetClass="exit" fill="hold" nodeType="withEffect">
+                                  <p:stCondLst>
+                                    <p:cond delay="0"/>
+                                  </p:stCondLst>
+                                  <p:childTnLst>
+                                    <p:set>
+                                      <p:cBhvr>
+                                        <p:cTn id="36" dur="1" fill="hold">
+                                          <p:stCondLst>
+                                            <p:cond delay="0"/>
+                                          </p:stCondLst>
+                                        </p:cTn>
+                                        <p:tgtEl>
+                                          <p:spTgt spid="19"/>
+                                        </p:tgtEl>
+                                        <p:attrNameLst>
+                                          <p:attrName>style.visibility</p:attrName>
+                                        </p:attrNameLst>
+                                      </p:cBhvr>
+                                      <p:to>
+                                        <p:strVal val="hidden"/>
+                                      </p:to>
+                                    </p:set>
+                                  </p:childTnLst>
+                                </p:cTn>
+                              </p:par>
+                            </p:childTnLst>
+                          </p:cTn>
+                        </p:par>
+                      </p:childTnLst>
+                    </p:cTn>
+                  </p:par>
+                  <p:par>
+                    <p:cTn id="37" fill="hold">
+                      <p:stCondLst>
+                        <p:cond delay="indefinite"/>
+                      </p:stCondLst>
+                      <p:childTnLst>
+                        <p:par>
+                          <p:cTn id="38" fill="hold">
+                            <p:stCondLst>
+                              <p:cond delay="0"/>
+                            </p:stCondLst>
+                            <p:childTnLst>
+                              <p:par>
+                                <p:cTn id="39" presetClass="entr" fill="hold" nodeType="clickEffect">
+                                  <p:stCondLst>
+                                    <p:cond delay="0"/>
+                                  </p:stCondLst>
+                                  <p:childTnLst>
+                                    <p:set>
+                                      <p:cBhvr>
+                                        <p:cTn id="40" dur="1" fill="hold">
+                                          <p:stCondLst>
+                                            <p:cond delay="0"/>
+                                          </p:stCondLst>
+                                        </p:cTn>
+                                        <p:tgtEl>
+                                          <p:spTgt spid="14"/>
+                                        </p:tgtEl>
+                                        <p:attrNameLst>
+                                          <p:attrName>style.visibility</p:attrName>
+                                        </p:attrNameLst>
+                                      </p:cBhvr>
+                                      <p:to>
+                                        <p:strVal val="visible"/>
+                                      </p:to>
+                                    </p:set>
+                                  </p:childTnLst>
+                                </p:cTn>
+                              </p:par>
+                              <p:par>
+                                <p:cTn id="41" presetClass="exit" fill="hold" nodeType="withEffect">
+                                  <p:stCondLst>
+                                    <p:cond delay="0"/>
+                                  </p:stCondLst>
+                                  <p:childTnLst>
+                                    <p:set>
+                                      <p:cBhvr>
+                                        <p:cTn id="42" dur="1" fill="hold">
+                                          <p:stCondLst>
+                                            <p:cond delay="0"/>
+                                          </p:stCondLst>
+                                        </p:cTn>
+                                        <p:tgtEl>
+                                          <p:spTgt spid="13"/>
+                                        </p:tgtEl>
+                                        <p:attrNameLst>
+                                          <p:attrName>style.visibility</p:attrName>
+                                        </p:attrNameLst>
+                                      </p:cBhvr>
+                                      <p:to>
+                                        <p:strVal val="hidden"/>
+                                      </p:to>
+                                    </p:set>
+                                  </p:childTnLst>
+                                </p:cTn>
+                              </p:par>
+                            </p:childTnLst>
+                          </p:cTn>
+                        </p:par>
+                      </p:childTnLst>
+                    </p:cTn>
+                  </p:par>
+                  <p:par>
+                    <p:cTn id="43" fill="hold">
+                      <p:stCondLst>
+                        <p:cond delay="indefinite"/>
+                      </p:stCondLst>
+                      <p:childTnLst>
+                        <p:par>
+                          <p:cTn id="44" fill="hold">
+                            <p:stCondLst>
+                              <p:cond delay="0"/>
+                            </p:stCondLst>
+                            <p:childTnLst>
+                              <p:par>
+                                <p:cTn id="45" presetClass="entr" fill="hold" nodeType="clickEffect">
+                                  <p:stCondLst>
+                                    <p:cond delay="0"/>
+                                  </p:stCondLst>
+                                  <p:childTnLst>
+                                    <p:set>
+                                      <p:cBhvr>
+                                        <p:cTn id="46" dur="1" fill="hold">
+                                          <p:stCondLst>
+                                            <p:cond delay="0"/>
+                                          </p:stCondLst>
+                                        </p:cTn>
+                                        <p:tgtEl>
+                                          <p:spTgt spid="24"/>
+                                        </p:tgtEl>
+                                        <p:attrNameLst>
+                                          <p:attrName>style.visibility</p:attrName>
+                                        </p:attrNameLst>
+                                      </p:cBhvr>
+                                      <p:to>
+                                        <p:strVal val="visible"/>
+                                      </p:to>
+                                    </p:set>
+                                  </p:childTnLst>
+                                </p:cTn>
+                              </p:par>
+                              <p:par>
+                                <p:cTn id="47" presetClass="entr" fill="hold" nodeType="withEffect">
+                                  <p:stCondLst>
+                                    <p:cond delay="0"/>
+                                  </p:stCondLst>
+                                  <p:childTnLst>
+                                    <p:set>
+                                      <p:cBhvr>
+                                        <p:cTn id="48" dur="1" fill="hold">
+                                          <p:stCondLst>
+                                            <p:cond delay="0"/>
+                                          </p:stCondLst>
+                                        </p:cTn>
+                                        <p:tgtEl>
+                                          <p:spTgt spid="27"/>
+                                        </p:tgtEl>
+                                        <p:attrNameLst>
+                                          <p:attrName>style.visibility</p:attrName>
+                                        </p:attrNameLst>
+                                      </p:cBhvr>
+                                      <p:to>
+                                        <p:strVal val="visible"/>
+                                      </p:to>
+                                    </p:set>
+                                  </p:childTnLst>
+                                </p:cTn>
+                              </p:par>
+                              <p:par>
+                                <p:cTn id="49" presetClass="exit" fill="hold" nodeType="withEffect">
+                                  <p:stCondLst>
+                                    <p:cond delay="0"/>
+                                  </p:stCondLst>
+                                  <p:childTnLst>
+                                    <p:set>
+                                      <p:cBhvr>
+                                        <p:cTn id="50" dur="1" fill="hold">
+                                          <p:stCondLst>
+                                            <p:cond delay="0"/>
+                                          </p:stCondLst>
+                                        </p:cTn>
+                                        <p:tgtEl>
+                                          <p:spTgt spid="23"/>
+                                        </p:tgtEl>
+                                        <p:attrNameLst>
+                                          <p:attrName>style.visibility</p:attrName>
+                                        </p:attrNameLst>
+                                      </p:cBhvr>
+                                      <p:to>
+                                        <p:strVal val="hidden"/>
+                                      </p:to>
+                                    </p:set>
+                                  </p:childTnLst>
+                                </p:cTn>
+                              </p:par>
+                            </p:childTnLst>
+                          </p:cTn>
+                        </p:par>
+                      </p:childTnLst>
+                    </p:cTn>
+                  </p:par>
+                </p:childTnLst>
+              </p:cTn>
+              <p:prevCondLst>
+                <p:cond evt="onPrev" delay="0">
+                  <p:tgtEl>
+                    <p:sldTgt/>
+                  </p:tgtEl>
+                </p:cond>
+              </p:prevCondLst>
+              <p:nextCondLst>
+                <p:cond evt="onNext" delay="0">
+                  <p:tgtEl>
+                    <p:sldTgt/>
+                  </p:tgtEl>
+                </p:cond>
+              </p:nextCondLst>
+            </p:seq>
+          </p:childTnLst>
+        </p:cTn>
+      </p:par>
+    </p:tnLst>
+  </p:timing>
 </p:sld>
 </file>
 
@@ -4123,65 +7443,3615 @@
           <a:chExt cx="0" cy="0"/>
         </a:xfrm>
       </p:grpSpPr>
+      <p:grpSp>
+        <p:nvGrpSpPr>
+          <p:cNvPr id="2" name="Группа 1"/>
+          <p:cNvGrpSpPr/>
+          <p:nvPr/>
+        </p:nvGrpSpPr>
+        <p:grpSpPr>
+          <a:xfrm>
+            <a:off x="9143327" y="3831399"/>
+            <a:ext cx="1132004" cy="1132004"/>
+            <a:chOff x="7560000" y="3168000"/>
+            <a:chExt cx="936000" cy="936000"/>
+          </a:xfrm>
+        </p:grpSpPr>
+        <p:sp>
+          <p:nvSpPr>
+            <p:cNvPr id="3" name="Полилиния 2"/>
+            <p:cNvSpPr/>
+            <p:nvPr/>
+          </p:nvSpPr>
+          <p:spPr>
+            <a:xfrm>
+              <a:off x="7560000" y="3168000"/>
+              <a:ext cx="936000" cy="936000"/>
+            </a:xfrm>
+            <a:custGeom>
+              <a:avLst/>
+              <a:gdLst>
+                <a:gd name="f0" fmla="val 0"/>
+                <a:gd name="f1" fmla="val 21600"/>
+              </a:gdLst>
+              <a:ahLst/>
+              <a:cxnLst>
+                <a:cxn ang="3cd4">
+                  <a:pos x="hc" y="t"/>
+                </a:cxn>
+                <a:cxn ang="0">
+                  <a:pos x="r" y="vc"/>
+                </a:cxn>
+                <a:cxn ang="cd4">
+                  <a:pos x="hc" y="b"/>
+                </a:cxn>
+                <a:cxn ang="cd2">
+                  <a:pos x="l" y="vc"/>
+                </a:cxn>
+              </a:cxnLst>
+              <a:rect l="l" t="t" r="r" b="b"/>
+              <a:pathLst>
+                <a:path w="21600" h="21600">
+                  <a:moveTo>
+                    <a:pt x="f0" y="f0"/>
+                  </a:moveTo>
+                  <a:lnTo>
+                    <a:pt x="f1" y="f0"/>
+                  </a:lnTo>
+                  <a:lnTo>
+                    <a:pt x="f1" y="f1"/>
+                  </a:lnTo>
+                  <a:lnTo>
+                    <a:pt x="f0" y="f1"/>
+                  </a:lnTo>
+                  <a:lnTo>
+                    <a:pt x="f0" y="f0"/>
+                  </a:lnTo>
+                  <a:close/>
+                </a:path>
+              </a:pathLst>
+            </a:custGeom>
+            <a:noFill/>
+            <a:ln w="36000">
+              <a:solidFill>
+                <a:srgbClr val="66CC99"/>
+              </a:solidFill>
+              <a:prstDash val="solid"/>
+            </a:ln>
+          </p:spPr>
+          <p:txBody>
+            <a:bodyPr vert="horz" wrap="none" lIns="130616" tIns="76193" rIns="130616" bIns="76193" anchor="ctr" anchorCtr="0" compatLnSpc="0">
+              <a:noAutofit/>
+            </a:bodyPr>
+            <a:lstStyle/>
+            <a:p>
+              <a:pPr hangingPunct="0"/>
+              <a:endParaRPr lang="ru-RU" sz="2177">
+                <a:latin typeface="Liberation Sans" pitchFamily="18"/>
+                <a:ea typeface="Microsoft YaHei" pitchFamily="2"/>
+                <a:cs typeface="Mangal" pitchFamily="2"/>
+              </a:endParaRPr>
+            </a:p>
+          </p:txBody>
+        </p:sp>
+        <p:sp>
+          <p:nvSpPr>
+            <p:cNvPr id="4" name="TextBox 3"/>
+            <p:cNvSpPr txBox="1"/>
+            <p:nvPr/>
+          </p:nvSpPr>
+          <p:spPr>
+            <a:xfrm>
+              <a:off x="7560000" y="3168000"/>
+              <a:ext cx="758858" cy="887260"/>
+            </a:xfrm>
+            <a:prstGeom prst="rect">
+              <a:avLst/>
+            </a:prstGeom>
+            <a:noFill/>
+            <a:ln>
+              <a:noFill/>
+            </a:ln>
+          </p:spPr>
+          <p:txBody>
+            <a:bodyPr vert="horz" wrap="none" lIns="108847" tIns="54423" rIns="108847" bIns="54423" anchorCtr="0" compatLnSpc="0">
+              <a:spAutoFit/>
+            </a:bodyPr>
+            <a:lstStyle/>
+            <a:p>
+              <a:pPr hangingPunct="0"/>
+              <a:r>
+                <a:rPr lang="ru-RU" sz="2177" b="1">
+                  <a:latin typeface="Liberation Sans" pitchFamily="18"/>
+                  <a:ea typeface="Microsoft YaHei" pitchFamily="2"/>
+                  <a:cs typeface="Mangal" pitchFamily="2"/>
+                </a:rPr>
+                <a:t>string</a:t>
+              </a:r>
+            </a:p>
+            <a:p>
+              <a:pPr hangingPunct="0"/>
+              <a:endParaRPr lang="ru-RU" sz="2177">
+                <a:latin typeface="Liberation Sans" pitchFamily="18"/>
+                <a:ea typeface="Microsoft YaHei" pitchFamily="2"/>
+                <a:cs typeface="Mangal" pitchFamily="2"/>
+              </a:endParaRPr>
+            </a:p>
+            <a:p>
+              <a:pPr hangingPunct="0"/>
+              <a:r>
+                <a:rPr lang="ru-RU" sz="2177">
+                  <a:latin typeface="Liberation Sans" pitchFamily="18"/>
+                  <a:ea typeface="Microsoft YaHei" pitchFamily="2"/>
+                  <a:cs typeface="Mangal" pitchFamily="2"/>
+                </a:rPr>
+                <a:t>abc</a:t>
+              </a:r>
+            </a:p>
+          </p:txBody>
+        </p:sp>
+      </p:grpSp>
       <p:sp>
         <p:nvSpPr>
-          <p:cNvPr id="2" name="Заголовок 1"/>
-          <p:cNvSpPr>
-            <a:spLocks noGrp="1"/>
-          </p:cNvSpPr>
-          <p:nvPr>
-            <p:ph type="title"/>
-          </p:nvPr>
+          <p:cNvPr id="5" name="TextBox 4"/>
+          <p:cNvSpPr txBox="1"/>
+          <p:nvPr/>
         </p:nvSpPr>
-        <p:spPr/>
-        <p:txBody>
-          <a:bodyPr/>
-          <a:lstStyle/>
-          <a:p>
-            <a:r>
-              <a:rPr lang="en-US" dirty="0" err="1" smtClean="0"/>
-              <a:t>StringBuilder</a:t>
-            </a:r>
-            <a:endParaRPr lang="ru-RU" dirty="0"/>
-          </a:p>
-        </p:txBody>
-      </p:sp>
-      <p:pic>
-        <p:nvPicPr>
-          <p:cNvPr id="4" name="Объект 3"/>
-          <p:cNvPicPr>
-            <a:picLocks noGrp="1" noChangeAspect="1"/>
-          </p:cNvPicPr>
-          <p:nvPr>
-            <p:ph idx="1"/>
-          </p:nvPr>
-        </p:nvPicPr>
-        <p:blipFill>
-          <a:blip r:embed="rId2"/>
-          <a:stretch>
-            <a:fillRect/>
-          </a:stretch>
-        </p:blipFill>
         <p:spPr>
           <a:xfrm>
-            <a:off x="3298679" y="1690688"/>
-            <a:ext cx="5594642" cy="5167312"/>
+            <a:off x="174368" y="261232"/>
+            <a:ext cx="4179709" cy="3897143"/>
           </a:xfrm>
           <a:prstGeom prst="rect">
             <a:avLst/>
           </a:prstGeom>
+          <a:noFill/>
+          <a:ln>
+            <a:noFill/>
+          </a:ln>
         </p:spPr>
-      </p:pic>
+        <p:txBody>
+          <a:bodyPr vert="horz" wrap="none" lIns="108847" tIns="54423" rIns="108847" bIns="54423" anchorCtr="0" compatLnSpc="0"/>
+          <a:lstStyle/>
+          <a:p>
+            <a:pPr hangingPunct="0">
+              <a:defRPr sz="1400"/>
+            </a:pPr>
+            <a:r>
+              <a:rPr lang="ru-RU" sz="1693">
+                <a:solidFill>
+                  <a:srgbClr val="0000FF"/>
+                </a:solidFill>
+                <a:latin typeface="Consolas" pitchFamily="33"/>
+                <a:ea typeface="Consolas" pitchFamily="33"/>
+                <a:cs typeface="Consolas" pitchFamily="33"/>
+              </a:rPr>
+              <a:t>public</a:t>
+            </a:r>
+            <a:r>
+              <a:rPr lang="ru-RU" sz="1693">
+                <a:solidFill>
+                  <a:srgbClr val="000000"/>
+                </a:solidFill>
+                <a:latin typeface="Consolas" pitchFamily="33"/>
+                <a:ea typeface="Consolas" pitchFamily="33"/>
+                <a:cs typeface="Consolas" pitchFamily="33"/>
+              </a:rPr>
+              <a:t> </a:t>
+            </a:r>
+            <a:r>
+              <a:rPr lang="ru-RU" sz="1693">
+                <a:solidFill>
+                  <a:srgbClr val="0000FF"/>
+                </a:solidFill>
+                <a:latin typeface="Consolas" pitchFamily="33"/>
+                <a:ea typeface="Consolas" pitchFamily="33"/>
+                <a:cs typeface="Consolas" pitchFamily="33"/>
+              </a:rPr>
+              <a:t>class</a:t>
+            </a:r>
+            <a:r>
+              <a:rPr lang="ru-RU" sz="1693">
+                <a:solidFill>
+                  <a:srgbClr val="000000"/>
+                </a:solidFill>
+                <a:latin typeface="Consolas" pitchFamily="33"/>
+                <a:ea typeface="Consolas" pitchFamily="33"/>
+                <a:cs typeface="Consolas" pitchFamily="33"/>
+              </a:rPr>
+              <a:t> </a:t>
+            </a:r>
+            <a:r>
+              <a:rPr lang="ru-RU" sz="1693">
+                <a:solidFill>
+                  <a:srgbClr val="2B91AF"/>
+                </a:solidFill>
+                <a:latin typeface="Consolas" pitchFamily="33"/>
+                <a:ea typeface="Consolas" pitchFamily="33"/>
+                <a:cs typeface="Consolas" pitchFamily="33"/>
+              </a:rPr>
+              <a:t>Program</a:t>
+            </a:r>
+          </a:p>
+          <a:p>
+            <a:pPr hangingPunct="0">
+              <a:defRPr sz="1400">
+                <a:solidFill>
+                  <a:srgbClr val="000000"/>
+                </a:solidFill>
+                <a:latin typeface="Consolas" pitchFamily="33"/>
+                <a:ea typeface="Consolas" pitchFamily="33"/>
+                <a:cs typeface="Consolas" pitchFamily="33"/>
+              </a:defRPr>
+            </a:pPr>
+            <a:r>
+              <a:rPr lang="ru-RU" sz="1693">
+                <a:solidFill>
+                  <a:srgbClr val="000000"/>
+                </a:solidFill>
+                <a:latin typeface="Consolas" pitchFamily="33"/>
+                <a:ea typeface="Consolas" pitchFamily="33"/>
+                <a:cs typeface="Consolas" pitchFamily="33"/>
+              </a:rPr>
+              <a:t>{</a:t>
+            </a:r>
+          </a:p>
+          <a:p>
+            <a:pPr hangingPunct="0">
+              <a:defRPr sz="1400"/>
+            </a:pPr>
+            <a:r>
+              <a:rPr lang="ru-RU" sz="1693">
+                <a:solidFill>
+                  <a:srgbClr val="000000"/>
+                </a:solidFill>
+                <a:latin typeface="Consolas" pitchFamily="33"/>
+                <a:ea typeface="Consolas" pitchFamily="33"/>
+                <a:cs typeface="Consolas" pitchFamily="33"/>
+              </a:rPr>
+              <a:t>    </a:t>
+            </a:r>
+            <a:r>
+              <a:rPr lang="ru-RU" sz="1693">
+                <a:solidFill>
+                  <a:srgbClr val="0000FF"/>
+                </a:solidFill>
+                <a:latin typeface="Consolas" pitchFamily="33"/>
+                <a:ea typeface="Consolas" pitchFamily="33"/>
+                <a:cs typeface="Consolas" pitchFamily="33"/>
+              </a:rPr>
+              <a:t>static</a:t>
+            </a:r>
+            <a:r>
+              <a:rPr lang="ru-RU" sz="1693">
+                <a:solidFill>
+                  <a:srgbClr val="000000"/>
+                </a:solidFill>
+                <a:latin typeface="Consolas" pitchFamily="33"/>
+                <a:ea typeface="Consolas" pitchFamily="33"/>
+                <a:cs typeface="Consolas" pitchFamily="33"/>
+              </a:rPr>
+              <a:t> </a:t>
+            </a:r>
+            <a:r>
+              <a:rPr lang="ru-RU" sz="1693">
+                <a:solidFill>
+                  <a:srgbClr val="0000FF"/>
+                </a:solidFill>
+                <a:latin typeface="Consolas" pitchFamily="33"/>
+                <a:ea typeface="Consolas" pitchFamily="33"/>
+                <a:cs typeface="Consolas" pitchFamily="33"/>
+              </a:rPr>
+              <a:t>void</a:t>
+            </a:r>
+            <a:r>
+              <a:rPr lang="ru-RU" sz="1693">
+                <a:solidFill>
+                  <a:srgbClr val="000000"/>
+                </a:solidFill>
+                <a:latin typeface="Consolas" pitchFamily="33"/>
+                <a:ea typeface="Consolas" pitchFamily="33"/>
+                <a:cs typeface="Consolas" pitchFamily="33"/>
+              </a:rPr>
+              <a:t> Update(</a:t>
+            </a:r>
+            <a:r>
+              <a:rPr lang="ru-RU" sz="1693">
+                <a:solidFill>
+                  <a:srgbClr val="0000FF"/>
+                </a:solidFill>
+                <a:latin typeface="Consolas" pitchFamily="33"/>
+                <a:ea typeface="Consolas" pitchFamily="33"/>
+                <a:cs typeface="Consolas" pitchFamily="33"/>
+              </a:rPr>
+              <a:t>string</a:t>
+            </a:r>
+            <a:r>
+              <a:rPr lang="ru-RU" sz="1693">
+                <a:solidFill>
+                  <a:srgbClr val="000000"/>
+                </a:solidFill>
+                <a:latin typeface="Consolas" pitchFamily="33"/>
+                <a:ea typeface="Consolas" pitchFamily="33"/>
+                <a:cs typeface="Consolas" pitchFamily="33"/>
+              </a:rPr>
+              <a:t> s)</a:t>
+            </a:r>
+          </a:p>
+          <a:p>
+            <a:pPr hangingPunct="0">
+              <a:defRPr sz="1400">
+                <a:solidFill>
+                  <a:srgbClr val="000000"/>
+                </a:solidFill>
+                <a:latin typeface="Consolas" pitchFamily="33"/>
+                <a:ea typeface="Consolas" pitchFamily="33"/>
+                <a:cs typeface="Consolas" pitchFamily="33"/>
+              </a:defRPr>
+            </a:pPr>
+            <a:r>
+              <a:rPr lang="ru-RU" sz="1693">
+                <a:solidFill>
+                  <a:srgbClr val="000000"/>
+                </a:solidFill>
+                <a:latin typeface="Consolas" pitchFamily="33"/>
+                <a:ea typeface="Consolas" pitchFamily="33"/>
+                <a:cs typeface="Consolas" pitchFamily="33"/>
+              </a:rPr>
+              <a:t>    {</a:t>
+            </a:r>
+          </a:p>
+          <a:p>
+            <a:pPr hangingPunct="0">
+              <a:defRPr sz="1400"/>
+            </a:pPr>
+            <a:r>
+              <a:rPr lang="ru-RU" sz="1693">
+                <a:solidFill>
+                  <a:srgbClr val="000000"/>
+                </a:solidFill>
+                <a:latin typeface="Consolas" pitchFamily="33"/>
+                <a:ea typeface="Consolas" pitchFamily="33"/>
+                <a:cs typeface="Consolas" pitchFamily="33"/>
+              </a:rPr>
+              <a:t>        s = </a:t>
+            </a:r>
+            <a:r>
+              <a:rPr lang="ru-RU" sz="1693">
+                <a:solidFill>
+                  <a:srgbClr val="A31515"/>
+                </a:solidFill>
+                <a:latin typeface="Consolas" pitchFamily="33"/>
+                <a:ea typeface="Consolas" pitchFamily="33"/>
+                <a:cs typeface="Consolas" pitchFamily="33"/>
+              </a:rPr>
+              <a:t>"abc"</a:t>
+            </a:r>
+            <a:r>
+              <a:rPr lang="ru-RU" sz="1693">
+                <a:solidFill>
+                  <a:srgbClr val="000000"/>
+                </a:solidFill>
+                <a:latin typeface="Consolas" pitchFamily="33"/>
+                <a:ea typeface="Consolas" pitchFamily="33"/>
+                <a:cs typeface="Consolas" pitchFamily="33"/>
+              </a:rPr>
+              <a:t>;</a:t>
+            </a:r>
+          </a:p>
+          <a:p>
+            <a:pPr hangingPunct="0">
+              <a:defRPr sz="1400">
+                <a:solidFill>
+                  <a:srgbClr val="000000"/>
+                </a:solidFill>
+                <a:latin typeface="Consolas" pitchFamily="33"/>
+                <a:ea typeface="Consolas" pitchFamily="33"/>
+                <a:cs typeface="Consolas" pitchFamily="33"/>
+              </a:defRPr>
+            </a:pPr>
+            <a:r>
+              <a:rPr lang="ru-RU" sz="1693">
+                <a:solidFill>
+                  <a:srgbClr val="000000"/>
+                </a:solidFill>
+                <a:latin typeface="Consolas" pitchFamily="33"/>
+                <a:ea typeface="Consolas" pitchFamily="33"/>
+                <a:cs typeface="Consolas" pitchFamily="33"/>
+              </a:rPr>
+              <a:t>    }</a:t>
+            </a:r>
+          </a:p>
+          <a:p>
+            <a:pPr hangingPunct="0">
+              <a:defRPr sz="1400">
+                <a:solidFill>
+                  <a:srgbClr val="000000"/>
+                </a:solidFill>
+                <a:latin typeface="Consolas" pitchFamily="33"/>
+                <a:ea typeface="Consolas" pitchFamily="33"/>
+                <a:cs typeface="Consolas" pitchFamily="33"/>
+              </a:defRPr>
+            </a:pPr>
+            <a:endParaRPr lang="ru-RU" sz="1693">
+              <a:solidFill>
+                <a:srgbClr val="000000"/>
+              </a:solidFill>
+              <a:latin typeface="Consolas" pitchFamily="33"/>
+              <a:ea typeface="Consolas" pitchFamily="33"/>
+              <a:cs typeface="Consolas" pitchFamily="33"/>
+            </a:endParaRPr>
+          </a:p>
+          <a:p>
+            <a:pPr hangingPunct="0">
+              <a:defRPr sz="1400"/>
+            </a:pPr>
+            <a:r>
+              <a:rPr lang="ru-RU" sz="1693">
+                <a:solidFill>
+                  <a:srgbClr val="000000"/>
+                </a:solidFill>
+                <a:latin typeface="Consolas" pitchFamily="33"/>
+                <a:ea typeface="Consolas" pitchFamily="33"/>
+                <a:cs typeface="Consolas" pitchFamily="33"/>
+              </a:rPr>
+              <a:t>    </a:t>
+            </a:r>
+            <a:r>
+              <a:rPr lang="ru-RU" sz="1693">
+                <a:solidFill>
+                  <a:srgbClr val="0000FF"/>
+                </a:solidFill>
+                <a:latin typeface="Consolas" pitchFamily="33"/>
+                <a:ea typeface="Consolas" pitchFamily="33"/>
+                <a:cs typeface="Consolas" pitchFamily="33"/>
+              </a:rPr>
+              <a:t>static</a:t>
+            </a:r>
+            <a:r>
+              <a:rPr lang="ru-RU" sz="1693">
+                <a:solidFill>
+                  <a:srgbClr val="000000"/>
+                </a:solidFill>
+                <a:latin typeface="Consolas" pitchFamily="33"/>
+                <a:ea typeface="Consolas" pitchFamily="33"/>
+                <a:cs typeface="Consolas" pitchFamily="33"/>
+              </a:rPr>
+              <a:t> </a:t>
+            </a:r>
+            <a:r>
+              <a:rPr lang="ru-RU" sz="1693">
+                <a:solidFill>
+                  <a:srgbClr val="0000FF"/>
+                </a:solidFill>
+                <a:latin typeface="Consolas" pitchFamily="33"/>
+                <a:ea typeface="Consolas" pitchFamily="33"/>
+                <a:cs typeface="Consolas" pitchFamily="33"/>
+              </a:rPr>
+              <a:t>void</a:t>
+            </a:r>
+            <a:r>
+              <a:rPr lang="ru-RU" sz="1693">
+                <a:solidFill>
+                  <a:srgbClr val="000000"/>
+                </a:solidFill>
+                <a:latin typeface="Consolas" pitchFamily="33"/>
+                <a:ea typeface="Consolas" pitchFamily="33"/>
+                <a:cs typeface="Consolas" pitchFamily="33"/>
+              </a:rPr>
+              <a:t> Main()</a:t>
+            </a:r>
+          </a:p>
+          <a:p>
+            <a:pPr hangingPunct="0">
+              <a:defRPr sz="1400">
+                <a:solidFill>
+                  <a:srgbClr val="000000"/>
+                </a:solidFill>
+                <a:latin typeface="Consolas" pitchFamily="33"/>
+                <a:ea typeface="Consolas" pitchFamily="33"/>
+                <a:cs typeface="Consolas" pitchFamily="33"/>
+              </a:defRPr>
+            </a:pPr>
+            <a:r>
+              <a:rPr lang="ru-RU" sz="1693">
+                <a:solidFill>
+                  <a:srgbClr val="000000"/>
+                </a:solidFill>
+                <a:latin typeface="Consolas" pitchFamily="33"/>
+                <a:ea typeface="Consolas" pitchFamily="33"/>
+                <a:cs typeface="Consolas" pitchFamily="33"/>
+              </a:rPr>
+              <a:t>    {</a:t>
+            </a:r>
+          </a:p>
+          <a:p>
+            <a:pPr hangingPunct="0">
+              <a:defRPr sz="1400"/>
+            </a:pPr>
+            <a:r>
+              <a:rPr lang="ru-RU" sz="1693">
+                <a:solidFill>
+                  <a:srgbClr val="000000"/>
+                </a:solidFill>
+                <a:latin typeface="Consolas" pitchFamily="33"/>
+                <a:ea typeface="Consolas" pitchFamily="33"/>
+                <a:cs typeface="Consolas" pitchFamily="33"/>
+              </a:rPr>
+              <a:t>        </a:t>
+            </a:r>
+            <a:r>
+              <a:rPr lang="ru-RU" sz="1693">
+                <a:solidFill>
+                  <a:srgbClr val="0000FF"/>
+                </a:solidFill>
+                <a:latin typeface="Consolas" pitchFamily="33"/>
+                <a:ea typeface="Consolas" pitchFamily="33"/>
+                <a:cs typeface="Consolas" pitchFamily="33"/>
+              </a:rPr>
+              <a:t>string</a:t>
+            </a:r>
+            <a:r>
+              <a:rPr lang="ru-RU" sz="1693">
+                <a:solidFill>
+                  <a:srgbClr val="000000"/>
+                </a:solidFill>
+                <a:latin typeface="Consolas" pitchFamily="33"/>
+                <a:ea typeface="Consolas" pitchFamily="33"/>
+                <a:cs typeface="Consolas" pitchFamily="33"/>
+              </a:rPr>
+              <a:t> s = </a:t>
+            </a:r>
+            <a:r>
+              <a:rPr lang="ru-RU" sz="1693">
+                <a:solidFill>
+                  <a:srgbClr val="A31515"/>
+                </a:solidFill>
+                <a:latin typeface="Consolas" pitchFamily="33"/>
+                <a:ea typeface="Consolas" pitchFamily="33"/>
+                <a:cs typeface="Consolas" pitchFamily="33"/>
+              </a:rPr>
+              <a:t>"123"</a:t>
+            </a:r>
+            <a:r>
+              <a:rPr lang="ru-RU" sz="1693">
+                <a:solidFill>
+                  <a:srgbClr val="000000"/>
+                </a:solidFill>
+                <a:latin typeface="Consolas" pitchFamily="33"/>
+                <a:ea typeface="Consolas" pitchFamily="33"/>
+                <a:cs typeface="Consolas" pitchFamily="33"/>
+              </a:rPr>
+              <a:t>;</a:t>
+            </a:r>
+          </a:p>
+          <a:p>
+            <a:pPr hangingPunct="0">
+              <a:defRPr sz="1400">
+                <a:solidFill>
+                  <a:srgbClr val="000000"/>
+                </a:solidFill>
+                <a:latin typeface="Consolas" pitchFamily="33"/>
+                <a:ea typeface="Consolas" pitchFamily="33"/>
+                <a:cs typeface="Consolas" pitchFamily="33"/>
+              </a:defRPr>
+            </a:pPr>
+            <a:r>
+              <a:rPr lang="ru-RU" sz="1693">
+                <a:solidFill>
+                  <a:srgbClr val="000000"/>
+                </a:solidFill>
+                <a:latin typeface="Consolas" pitchFamily="33"/>
+                <a:ea typeface="Consolas" pitchFamily="33"/>
+                <a:cs typeface="Consolas" pitchFamily="33"/>
+              </a:rPr>
+              <a:t>        Update(s);</a:t>
+            </a:r>
+          </a:p>
+          <a:p>
+            <a:pPr hangingPunct="0">
+              <a:defRPr sz="1400">
+                <a:solidFill>
+                  <a:srgbClr val="000000"/>
+                </a:solidFill>
+                <a:latin typeface="Consolas" pitchFamily="33"/>
+                <a:ea typeface="Consolas" pitchFamily="33"/>
+                <a:cs typeface="Consolas" pitchFamily="33"/>
+              </a:defRPr>
+            </a:pPr>
+            <a:r>
+              <a:rPr lang="ru-RU" sz="1693">
+                <a:solidFill>
+                  <a:srgbClr val="000000"/>
+                </a:solidFill>
+                <a:latin typeface="Consolas" pitchFamily="33"/>
+                <a:ea typeface="Consolas" pitchFamily="33"/>
+                <a:cs typeface="Consolas" pitchFamily="33"/>
+              </a:rPr>
+              <a:t>    }</a:t>
+            </a:r>
+          </a:p>
+          <a:p>
+            <a:pPr hangingPunct="0">
+              <a:defRPr sz="1400">
+                <a:solidFill>
+                  <a:srgbClr val="000000"/>
+                </a:solidFill>
+                <a:latin typeface="Consolas" pitchFamily="33"/>
+                <a:ea typeface="Consolas" pitchFamily="33"/>
+                <a:cs typeface="Consolas" pitchFamily="33"/>
+              </a:defRPr>
+            </a:pPr>
+            <a:r>
+              <a:rPr lang="ru-RU" sz="1693">
+                <a:solidFill>
+                  <a:srgbClr val="000000"/>
+                </a:solidFill>
+                <a:latin typeface="Consolas" pitchFamily="33"/>
+                <a:ea typeface="Consolas" pitchFamily="33"/>
+                <a:cs typeface="Consolas" pitchFamily="33"/>
+              </a:rPr>
+              <a:t>}</a:t>
+            </a:r>
+          </a:p>
+        </p:txBody>
+      </p:sp>
+      <p:grpSp>
+        <p:nvGrpSpPr>
+          <p:cNvPr id="6" name="Группа 5"/>
+          <p:cNvGrpSpPr/>
+          <p:nvPr/>
+        </p:nvGrpSpPr>
+        <p:grpSpPr>
+          <a:xfrm>
+            <a:off x="4963618" y="348309"/>
+            <a:ext cx="6922643" cy="2438163"/>
+            <a:chOff x="4104000" y="288000"/>
+            <a:chExt cx="5724000" cy="2016000"/>
+          </a:xfrm>
+        </p:grpSpPr>
+        <p:sp>
+          <p:nvSpPr>
+            <p:cNvPr id="7" name="Полилиния 6"/>
+            <p:cNvSpPr/>
+            <p:nvPr/>
+          </p:nvSpPr>
+          <p:spPr>
+            <a:xfrm>
+              <a:off x="4140000" y="2232000"/>
+              <a:ext cx="5688000" cy="72000"/>
+            </a:xfrm>
+            <a:custGeom>
+              <a:avLst/>
+              <a:gdLst>
+                <a:gd name="f0" fmla="val 0"/>
+                <a:gd name="f1" fmla="val 21600"/>
+              </a:gdLst>
+              <a:ahLst/>
+              <a:cxnLst>
+                <a:cxn ang="3cd4">
+                  <a:pos x="hc" y="t"/>
+                </a:cxn>
+                <a:cxn ang="0">
+                  <a:pos x="r" y="vc"/>
+                </a:cxn>
+                <a:cxn ang="cd4">
+                  <a:pos x="hc" y="b"/>
+                </a:cxn>
+                <a:cxn ang="cd2">
+                  <a:pos x="l" y="vc"/>
+                </a:cxn>
+              </a:cxnLst>
+              <a:rect l="l" t="t" r="r" b="b"/>
+              <a:pathLst>
+                <a:path w="21600" h="21600">
+                  <a:moveTo>
+                    <a:pt x="f0" y="f0"/>
+                  </a:moveTo>
+                  <a:lnTo>
+                    <a:pt x="f1" y="f0"/>
+                  </a:lnTo>
+                  <a:lnTo>
+                    <a:pt x="f1" y="f1"/>
+                  </a:lnTo>
+                  <a:lnTo>
+                    <a:pt x="f0" y="f1"/>
+                  </a:lnTo>
+                  <a:lnTo>
+                    <a:pt x="f0" y="f0"/>
+                  </a:lnTo>
+                  <a:close/>
+                </a:path>
+              </a:pathLst>
+            </a:custGeom>
+            <a:solidFill>
+              <a:srgbClr val="003366"/>
+            </a:solidFill>
+            <a:ln>
+              <a:noFill/>
+              <a:prstDash val="solid"/>
+            </a:ln>
+          </p:spPr>
+          <p:txBody>
+            <a:bodyPr vert="horz" wrap="none" lIns="108847" tIns="54423" rIns="108847" bIns="54423" anchor="ctr" anchorCtr="0" compatLnSpc="0">
+              <a:noAutofit/>
+            </a:bodyPr>
+            <a:lstStyle/>
+            <a:p>
+              <a:pPr hangingPunct="0"/>
+              <a:endParaRPr lang="ru-RU" sz="2177">
+                <a:latin typeface="Liberation Sans" pitchFamily="18"/>
+                <a:ea typeface="Microsoft YaHei" pitchFamily="2"/>
+                <a:cs typeface="Mangal" pitchFamily="2"/>
+              </a:endParaRPr>
+            </a:p>
+          </p:txBody>
+        </p:sp>
+        <p:sp>
+          <p:nvSpPr>
+            <p:cNvPr id="8" name="Полилиния 7"/>
+            <p:cNvSpPr/>
+            <p:nvPr/>
+          </p:nvSpPr>
+          <p:spPr>
+            <a:xfrm>
+              <a:off x="4104000" y="288000"/>
+              <a:ext cx="72000" cy="2015999"/>
+            </a:xfrm>
+            <a:custGeom>
+              <a:avLst/>
+              <a:gdLst>
+                <a:gd name="f0" fmla="val 0"/>
+                <a:gd name="f1" fmla="val 21600"/>
+              </a:gdLst>
+              <a:ahLst/>
+              <a:cxnLst>
+                <a:cxn ang="3cd4">
+                  <a:pos x="hc" y="t"/>
+                </a:cxn>
+                <a:cxn ang="0">
+                  <a:pos x="r" y="vc"/>
+                </a:cxn>
+                <a:cxn ang="cd4">
+                  <a:pos x="hc" y="b"/>
+                </a:cxn>
+                <a:cxn ang="cd2">
+                  <a:pos x="l" y="vc"/>
+                </a:cxn>
+              </a:cxnLst>
+              <a:rect l="l" t="t" r="r" b="b"/>
+              <a:pathLst>
+                <a:path w="21600" h="21600">
+                  <a:moveTo>
+                    <a:pt x="f0" y="f0"/>
+                  </a:moveTo>
+                  <a:lnTo>
+                    <a:pt x="f1" y="f0"/>
+                  </a:lnTo>
+                  <a:lnTo>
+                    <a:pt x="f1" y="f1"/>
+                  </a:lnTo>
+                  <a:lnTo>
+                    <a:pt x="f0" y="f1"/>
+                  </a:lnTo>
+                  <a:lnTo>
+                    <a:pt x="f0" y="f0"/>
+                  </a:lnTo>
+                  <a:close/>
+                </a:path>
+              </a:pathLst>
+            </a:custGeom>
+            <a:solidFill>
+              <a:srgbClr val="003366"/>
+            </a:solidFill>
+            <a:ln>
+              <a:noFill/>
+              <a:prstDash val="solid"/>
+            </a:ln>
+          </p:spPr>
+          <p:txBody>
+            <a:bodyPr vert="horz" wrap="none" lIns="108847" tIns="54423" rIns="108847" bIns="54423" anchor="ctr" anchorCtr="0" compatLnSpc="0">
+              <a:noAutofit/>
+            </a:bodyPr>
+            <a:lstStyle/>
+            <a:p>
+              <a:pPr hangingPunct="0"/>
+              <a:endParaRPr lang="ru-RU" sz="2177">
+                <a:latin typeface="Liberation Sans" pitchFamily="18"/>
+                <a:ea typeface="Microsoft YaHei" pitchFamily="2"/>
+                <a:cs typeface="Mangal" pitchFamily="2"/>
+              </a:endParaRPr>
+            </a:p>
+          </p:txBody>
+        </p:sp>
+        <p:sp>
+          <p:nvSpPr>
+            <p:cNvPr id="9" name="Полилиния 8"/>
+            <p:cNvSpPr/>
+            <p:nvPr/>
+          </p:nvSpPr>
+          <p:spPr>
+            <a:xfrm>
+              <a:off x="4140000" y="288000"/>
+              <a:ext cx="5688000" cy="72000"/>
+            </a:xfrm>
+            <a:custGeom>
+              <a:avLst/>
+              <a:gdLst>
+                <a:gd name="f0" fmla="val 0"/>
+                <a:gd name="f1" fmla="val 21600"/>
+              </a:gdLst>
+              <a:ahLst/>
+              <a:cxnLst>
+                <a:cxn ang="3cd4">
+                  <a:pos x="hc" y="t"/>
+                </a:cxn>
+                <a:cxn ang="0">
+                  <a:pos x="r" y="vc"/>
+                </a:cxn>
+                <a:cxn ang="cd4">
+                  <a:pos x="hc" y="b"/>
+                </a:cxn>
+                <a:cxn ang="cd2">
+                  <a:pos x="l" y="vc"/>
+                </a:cxn>
+              </a:cxnLst>
+              <a:rect l="l" t="t" r="r" b="b"/>
+              <a:pathLst>
+                <a:path w="21600" h="21600">
+                  <a:moveTo>
+                    <a:pt x="f0" y="f0"/>
+                  </a:moveTo>
+                  <a:lnTo>
+                    <a:pt x="f1" y="f0"/>
+                  </a:lnTo>
+                  <a:lnTo>
+                    <a:pt x="f1" y="f1"/>
+                  </a:lnTo>
+                  <a:lnTo>
+                    <a:pt x="f0" y="f1"/>
+                  </a:lnTo>
+                  <a:lnTo>
+                    <a:pt x="f0" y="f0"/>
+                  </a:lnTo>
+                  <a:close/>
+                </a:path>
+              </a:pathLst>
+            </a:custGeom>
+            <a:solidFill>
+              <a:srgbClr val="003366"/>
+            </a:solidFill>
+            <a:ln>
+              <a:noFill/>
+              <a:prstDash val="solid"/>
+            </a:ln>
+          </p:spPr>
+          <p:txBody>
+            <a:bodyPr vert="horz" wrap="none" lIns="108847" tIns="54423" rIns="108847" bIns="54423" anchor="ctr" anchorCtr="0" compatLnSpc="0">
+              <a:noAutofit/>
+            </a:bodyPr>
+            <a:lstStyle/>
+            <a:p>
+              <a:pPr hangingPunct="0"/>
+              <a:endParaRPr lang="ru-RU" sz="2177">
+                <a:latin typeface="Liberation Sans" pitchFamily="18"/>
+                <a:ea typeface="Microsoft YaHei" pitchFamily="2"/>
+                <a:cs typeface="Mangal" pitchFamily="2"/>
+              </a:endParaRPr>
+            </a:p>
+          </p:txBody>
+        </p:sp>
+      </p:grpSp>
+      <p:sp>
+        <p:nvSpPr>
+          <p:cNvPr id="10" name="Полилиния 9"/>
+          <p:cNvSpPr/>
+          <p:nvPr/>
+        </p:nvSpPr>
+        <p:spPr>
+          <a:xfrm rot="5400000">
+            <a:off x="522677" y="2351086"/>
+            <a:ext cx="174155" cy="174155"/>
+          </a:xfrm>
+          <a:custGeom>
+            <a:avLst>
+              <a:gd name="f0" fmla="val 10800"/>
+            </a:avLst>
+            <a:gdLst>
+              <a:gd name="f1" fmla="val 10800000"/>
+              <a:gd name="f2" fmla="val 5400000"/>
+              <a:gd name="f3" fmla="val 180"/>
+              <a:gd name="f4" fmla="val w"/>
+              <a:gd name="f5" fmla="val h"/>
+              <a:gd name="f6" fmla="val 0"/>
+              <a:gd name="f7" fmla="val 21600"/>
+              <a:gd name="f8" fmla="val -2147483647"/>
+              <a:gd name="f9" fmla="val 2147483647"/>
+              <a:gd name="f10" fmla="+- 0 0 0"/>
+              <a:gd name="f11" fmla="*/ f4 1 21600"/>
+              <a:gd name="f12" fmla="*/ f5 1 21600"/>
+              <a:gd name="f13" fmla="pin 0 f0 21600"/>
+              <a:gd name="f14" fmla="*/ f10 f1 1"/>
+              <a:gd name="f15" fmla="val f13"/>
+              <a:gd name="f16" fmla="*/ f13 1 2"/>
+              <a:gd name="f17" fmla="*/ f13 f11 1"/>
+              <a:gd name="f18" fmla="*/ f6 f12 1"/>
+              <a:gd name="f19" fmla="*/ 18000 f12 1"/>
+              <a:gd name="f20" fmla="*/ 10800 f12 1"/>
+              <a:gd name="f21" fmla="*/ 0 f12 1"/>
+              <a:gd name="f22" fmla="*/ f14 1 f3"/>
+              <a:gd name="f23" fmla="*/ 0 f11 1"/>
+              <a:gd name="f24" fmla="*/ 21600 f12 1"/>
+              <a:gd name="f25" fmla="*/ 10800 f11 1"/>
+              <a:gd name="f26" fmla="*/ 21600 f11 1"/>
+              <a:gd name="f27" fmla="+- f16 10800 0"/>
+              <a:gd name="f28" fmla="+- 21600 0 f15"/>
+              <a:gd name="f29" fmla="*/ f16 f11 1"/>
+              <a:gd name="f30" fmla="*/ f15 f11 1"/>
+              <a:gd name="f31" fmla="+- f22 0 f2"/>
+              <a:gd name="f32" fmla="*/ f28 1 2"/>
+              <a:gd name="f33" fmla="*/ f27 f11 1"/>
+              <a:gd name="f34" fmla="+- 21600 0 f32"/>
+              <a:gd name="f35" fmla="*/ f34 f11 1"/>
+            </a:gdLst>
+            <a:ahLst>
+              <a:ahXY gdRefX="f0" minX="f6" maxX="f7">
+                <a:pos x="f17" y="f18"/>
+              </a:ahXY>
+            </a:ahLst>
+            <a:cxnLst>
+              <a:cxn ang="3cd4">
+                <a:pos x="hc" y="t"/>
+              </a:cxn>
+              <a:cxn ang="0">
+                <a:pos x="r" y="vc"/>
+              </a:cxn>
+              <a:cxn ang="cd4">
+                <a:pos x="hc" y="b"/>
+              </a:cxn>
+              <a:cxn ang="cd2">
+                <a:pos x="l" y="vc"/>
+              </a:cxn>
+              <a:cxn ang="f31">
+                <a:pos x="f30" y="f21"/>
+              </a:cxn>
+              <a:cxn ang="f31">
+                <a:pos x="f29" y="f20"/>
+              </a:cxn>
+              <a:cxn ang="f31">
+                <a:pos x="f23" y="f24"/>
+              </a:cxn>
+              <a:cxn ang="f31">
+                <a:pos x="f25" y="f24"/>
+              </a:cxn>
+              <a:cxn ang="f31">
+                <a:pos x="f26" y="f24"/>
+              </a:cxn>
+              <a:cxn ang="f31">
+                <a:pos x="f35" y="f20"/>
+              </a:cxn>
+            </a:cxnLst>
+            <a:rect l="f29" t="f20" r="f33" b="f19"/>
+            <a:pathLst>
+              <a:path w="21600" h="21600">
+                <a:moveTo>
+                  <a:pt x="f15" y="f6"/>
+                </a:moveTo>
+                <a:lnTo>
+                  <a:pt x="f7" y="f7"/>
+                </a:lnTo>
+                <a:lnTo>
+                  <a:pt x="f6" y="f7"/>
+                </a:lnTo>
+                <a:close/>
+              </a:path>
+            </a:pathLst>
+          </a:custGeom>
+          <a:solidFill>
+            <a:srgbClr val="579D1C"/>
+          </a:solidFill>
+          <a:ln>
+            <a:noFill/>
+            <a:prstDash val="solid"/>
+          </a:ln>
+        </p:spPr>
+        <p:txBody>
+          <a:bodyPr vert="horz" wrap="none" lIns="108847" tIns="54423" rIns="108847" bIns="54423" anchor="ctr" anchorCtr="0" compatLnSpc="0">
+            <a:noAutofit/>
+          </a:bodyPr>
+          <a:lstStyle/>
+          <a:p>
+            <a:pPr hangingPunct="0"/>
+            <a:endParaRPr lang="ru-RU" sz="2177">
+              <a:latin typeface="Liberation Sans" pitchFamily="18"/>
+              <a:ea typeface="Microsoft YaHei" pitchFamily="2"/>
+              <a:cs typeface="Mangal" pitchFamily="2"/>
+            </a:endParaRPr>
+          </a:p>
+        </p:txBody>
+      </p:sp>
+      <p:sp>
+        <p:nvSpPr>
+          <p:cNvPr id="11" name="Полилиния 10"/>
+          <p:cNvSpPr/>
+          <p:nvPr/>
+        </p:nvSpPr>
+        <p:spPr>
+          <a:xfrm rot="5400000">
+            <a:off x="522677" y="1132004"/>
+            <a:ext cx="174155" cy="174155"/>
+          </a:xfrm>
+          <a:custGeom>
+            <a:avLst>
+              <a:gd name="f0" fmla="val 10800"/>
+            </a:avLst>
+            <a:gdLst>
+              <a:gd name="f1" fmla="val 10800000"/>
+              <a:gd name="f2" fmla="val 5400000"/>
+              <a:gd name="f3" fmla="val 180"/>
+              <a:gd name="f4" fmla="val w"/>
+              <a:gd name="f5" fmla="val h"/>
+              <a:gd name="f6" fmla="val 0"/>
+              <a:gd name="f7" fmla="val 21600"/>
+              <a:gd name="f8" fmla="val -2147483647"/>
+              <a:gd name="f9" fmla="val 2147483647"/>
+              <a:gd name="f10" fmla="+- 0 0 0"/>
+              <a:gd name="f11" fmla="*/ f4 1 21600"/>
+              <a:gd name="f12" fmla="*/ f5 1 21600"/>
+              <a:gd name="f13" fmla="pin 0 f0 21600"/>
+              <a:gd name="f14" fmla="*/ f10 f1 1"/>
+              <a:gd name="f15" fmla="val f13"/>
+              <a:gd name="f16" fmla="*/ f13 1 2"/>
+              <a:gd name="f17" fmla="*/ f13 f11 1"/>
+              <a:gd name="f18" fmla="*/ f6 f12 1"/>
+              <a:gd name="f19" fmla="*/ 18000 f12 1"/>
+              <a:gd name="f20" fmla="*/ 10800 f12 1"/>
+              <a:gd name="f21" fmla="*/ 0 f12 1"/>
+              <a:gd name="f22" fmla="*/ f14 1 f3"/>
+              <a:gd name="f23" fmla="*/ 0 f11 1"/>
+              <a:gd name="f24" fmla="*/ 21600 f12 1"/>
+              <a:gd name="f25" fmla="*/ 10800 f11 1"/>
+              <a:gd name="f26" fmla="*/ 21600 f11 1"/>
+              <a:gd name="f27" fmla="+- f16 10800 0"/>
+              <a:gd name="f28" fmla="+- 21600 0 f15"/>
+              <a:gd name="f29" fmla="*/ f16 f11 1"/>
+              <a:gd name="f30" fmla="*/ f15 f11 1"/>
+              <a:gd name="f31" fmla="+- f22 0 f2"/>
+              <a:gd name="f32" fmla="*/ f28 1 2"/>
+              <a:gd name="f33" fmla="*/ f27 f11 1"/>
+              <a:gd name="f34" fmla="+- 21600 0 f32"/>
+              <a:gd name="f35" fmla="*/ f34 f11 1"/>
+            </a:gdLst>
+            <a:ahLst>
+              <a:ahXY gdRefX="f0" minX="f6" maxX="f7">
+                <a:pos x="f17" y="f18"/>
+              </a:ahXY>
+            </a:ahLst>
+            <a:cxnLst>
+              <a:cxn ang="3cd4">
+                <a:pos x="hc" y="t"/>
+              </a:cxn>
+              <a:cxn ang="0">
+                <a:pos x="r" y="vc"/>
+              </a:cxn>
+              <a:cxn ang="cd4">
+                <a:pos x="hc" y="b"/>
+              </a:cxn>
+              <a:cxn ang="cd2">
+                <a:pos x="l" y="vc"/>
+              </a:cxn>
+              <a:cxn ang="f31">
+                <a:pos x="f30" y="f21"/>
+              </a:cxn>
+              <a:cxn ang="f31">
+                <a:pos x="f29" y="f20"/>
+              </a:cxn>
+              <a:cxn ang="f31">
+                <a:pos x="f23" y="f24"/>
+              </a:cxn>
+              <a:cxn ang="f31">
+                <a:pos x="f25" y="f24"/>
+              </a:cxn>
+              <a:cxn ang="f31">
+                <a:pos x="f26" y="f24"/>
+              </a:cxn>
+              <a:cxn ang="f31">
+                <a:pos x="f35" y="f20"/>
+              </a:cxn>
+            </a:cxnLst>
+            <a:rect l="f29" t="f20" r="f33" b="f19"/>
+            <a:pathLst>
+              <a:path w="21600" h="21600">
+                <a:moveTo>
+                  <a:pt x="f15" y="f6"/>
+                </a:moveTo>
+                <a:lnTo>
+                  <a:pt x="f7" y="f7"/>
+                </a:lnTo>
+                <a:lnTo>
+                  <a:pt x="f6" y="f7"/>
+                </a:lnTo>
+                <a:close/>
+              </a:path>
+            </a:pathLst>
+          </a:custGeom>
+          <a:solidFill>
+            <a:srgbClr val="579D1C"/>
+          </a:solidFill>
+          <a:ln>
+            <a:noFill/>
+            <a:prstDash val="solid"/>
+          </a:ln>
+        </p:spPr>
+        <p:txBody>
+          <a:bodyPr vert="horz" wrap="none" lIns="108847" tIns="54423" rIns="108847" bIns="54423" anchor="ctr" anchorCtr="0" compatLnSpc="0">
+            <a:noAutofit/>
+          </a:bodyPr>
+          <a:lstStyle/>
+          <a:p>
+            <a:pPr hangingPunct="0"/>
+            <a:endParaRPr lang="ru-RU" sz="2177">
+              <a:latin typeface="Liberation Sans" pitchFamily="18"/>
+              <a:ea typeface="Microsoft YaHei" pitchFamily="2"/>
+              <a:cs typeface="Mangal" pitchFamily="2"/>
+            </a:endParaRPr>
+          </a:p>
+        </p:txBody>
+      </p:sp>
+      <p:sp>
+        <p:nvSpPr>
+          <p:cNvPr id="12" name="Полилиния 11"/>
+          <p:cNvSpPr/>
+          <p:nvPr/>
+        </p:nvSpPr>
+        <p:spPr>
+          <a:xfrm rot="5400000">
+            <a:off x="522677" y="1610929"/>
+            <a:ext cx="174155" cy="174155"/>
+          </a:xfrm>
+          <a:custGeom>
+            <a:avLst>
+              <a:gd name="f0" fmla="val 10800"/>
+            </a:avLst>
+            <a:gdLst>
+              <a:gd name="f1" fmla="val 10800000"/>
+              <a:gd name="f2" fmla="val 5400000"/>
+              <a:gd name="f3" fmla="val 180"/>
+              <a:gd name="f4" fmla="val w"/>
+              <a:gd name="f5" fmla="val h"/>
+              <a:gd name="f6" fmla="val 0"/>
+              <a:gd name="f7" fmla="val 21600"/>
+              <a:gd name="f8" fmla="val -2147483647"/>
+              <a:gd name="f9" fmla="val 2147483647"/>
+              <a:gd name="f10" fmla="+- 0 0 0"/>
+              <a:gd name="f11" fmla="*/ f4 1 21600"/>
+              <a:gd name="f12" fmla="*/ f5 1 21600"/>
+              <a:gd name="f13" fmla="pin 0 f0 21600"/>
+              <a:gd name="f14" fmla="*/ f10 f1 1"/>
+              <a:gd name="f15" fmla="val f13"/>
+              <a:gd name="f16" fmla="*/ f13 1 2"/>
+              <a:gd name="f17" fmla="*/ f13 f11 1"/>
+              <a:gd name="f18" fmla="*/ f6 f12 1"/>
+              <a:gd name="f19" fmla="*/ 18000 f12 1"/>
+              <a:gd name="f20" fmla="*/ 10800 f12 1"/>
+              <a:gd name="f21" fmla="*/ 0 f12 1"/>
+              <a:gd name="f22" fmla="*/ f14 1 f3"/>
+              <a:gd name="f23" fmla="*/ 0 f11 1"/>
+              <a:gd name="f24" fmla="*/ 21600 f12 1"/>
+              <a:gd name="f25" fmla="*/ 10800 f11 1"/>
+              <a:gd name="f26" fmla="*/ 21600 f11 1"/>
+              <a:gd name="f27" fmla="+- f16 10800 0"/>
+              <a:gd name="f28" fmla="+- 21600 0 f15"/>
+              <a:gd name="f29" fmla="*/ f16 f11 1"/>
+              <a:gd name="f30" fmla="*/ f15 f11 1"/>
+              <a:gd name="f31" fmla="+- f22 0 f2"/>
+              <a:gd name="f32" fmla="*/ f28 1 2"/>
+              <a:gd name="f33" fmla="*/ f27 f11 1"/>
+              <a:gd name="f34" fmla="+- 21600 0 f32"/>
+              <a:gd name="f35" fmla="*/ f34 f11 1"/>
+            </a:gdLst>
+            <a:ahLst>
+              <a:ahXY gdRefX="f0" minX="f6" maxX="f7">
+                <a:pos x="f17" y="f18"/>
+              </a:ahXY>
+            </a:ahLst>
+            <a:cxnLst>
+              <a:cxn ang="3cd4">
+                <a:pos x="hc" y="t"/>
+              </a:cxn>
+              <a:cxn ang="0">
+                <a:pos x="r" y="vc"/>
+              </a:cxn>
+              <a:cxn ang="cd4">
+                <a:pos x="hc" y="b"/>
+              </a:cxn>
+              <a:cxn ang="cd2">
+                <a:pos x="l" y="vc"/>
+              </a:cxn>
+              <a:cxn ang="f31">
+                <a:pos x="f30" y="f21"/>
+              </a:cxn>
+              <a:cxn ang="f31">
+                <a:pos x="f29" y="f20"/>
+              </a:cxn>
+              <a:cxn ang="f31">
+                <a:pos x="f23" y="f24"/>
+              </a:cxn>
+              <a:cxn ang="f31">
+                <a:pos x="f25" y="f24"/>
+              </a:cxn>
+              <a:cxn ang="f31">
+                <a:pos x="f26" y="f24"/>
+              </a:cxn>
+              <a:cxn ang="f31">
+                <a:pos x="f35" y="f20"/>
+              </a:cxn>
+            </a:cxnLst>
+            <a:rect l="f29" t="f20" r="f33" b="f19"/>
+            <a:pathLst>
+              <a:path w="21600" h="21600">
+                <a:moveTo>
+                  <a:pt x="f15" y="f6"/>
+                </a:moveTo>
+                <a:lnTo>
+                  <a:pt x="f7" y="f7"/>
+                </a:lnTo>
+                <a:lnTo>
+                  <a:pt x="f6" y="f7"/>
+                </a:lnTo>
+                <a:close/>
+              </a:path>
+            </a:pathLst>
+          </a:custGeom>
+          <a:solidFill>
+            <a:srgbClr val="579D1C"/>
+          </a:solidFill>
+          <a:ln>
+            <a:noFill/>
+            <a:prstDash val="solid"/>
+          </a:ln>
+        </p:spPr>
+        <p:txBody>
+          <a:bodyPr vert="horz" wrap="none" lIns="108847" tIns="54423" rIns="108847" bIns="54423" anchor="ctr" anchorCtr="0" compatLnSpc="0">
+            <a:noAutofit/>
+          </a:bodyPr>
+          <a:lstStyle/>
+          <a:p>
+            <a:pPr hangingPunct="0"/>
+            <a:endParaRPr lang="ru-RU" sz="2177">
+              <a:latin typeface="Liberation Sans" pitchFamily="18"/>
+              <a:ea typeface="Microsoft YaHei" pitchFamily="2"/>
+              <a:cs typeface="Mangal" pitchFamily="2"/>
+            </a:endParaRPr>
+          </a:p>
+        </p:txBody>
+      </p:sp>
+      <p:sp>
+        <p:nvSpPr>
+          <p:cNvPr id="13" name="Полилиния 12"/>
+          <p:cNvSpPr/>
+          <p:nvPr/>
+        </p:nvSpPr>
+        <p:spPr>
+          <a:xfrm rot="5400000">
+            <a:off x="522677" y="2612318"/>
+            <a:ext cx="174155" cy="174155"/>
+          </a:xfrm>
+          <a:custGeom>
+            <a:avLst>
+              <a:gd name="f0" fmla="val 10800"/>
+            </a:avLst>
+            <a:gdLst>
+              <a:gd name="f1" fmla="val 10800000"/>
+              <a:gd name="f2" fmla="val 5400000"/>
+              <a:gd name="f3" fmla="val 180"/>
+              <a:gd name="f4" fmla="val w"/>
+              <a:gd name="f5" fmla="val h"/>
+              <a:gd name="f6" fmla="val 0"/>
+              <a:gd name="f7" fmla="val 21600"/>
+              <a:gd name="f8" fmla="val -2147483647"/>
+              <a:gd name="f9" fmla="val 2147483647"/>
+              <a:gd name="f10" fmla="+- 0 0 0"/>
+              <a:gd name="f11" fmla="*/ f4 1 21600"/>
+              <a:gd name="f12" fmla="*/ f5 1 21600"/>
+              <a:gd name="f13" fmla="pin 0 f0 21600"/>
+              <a:gd name="f14" fmla="*/ f10 f1 1"/>
+              <a:gd name="f15" fmla="val f13"/>
+              <a:gd name="f16" fmla="*/ f13 1 2"/>
+              <a:gd name="f17" fmla="*/ f13 f11 1"/>
+              <a:gd name="f18" fmla="*/ f6 f12 1"/>
+              <a:gd name="f19" fmla="*/ 18000 f12 1"/>
+              <a:gd name="f20" fmla="*/ 10800 f12 1"/>
+              <a:gd name="f21" fmla="*/ 0 f12 1"/>
+              <a:gd name="f22" fmla="*/ f14 1 f3"/>
+              <a:gd name="f23" fmla="*/ 0 f11 1"/>
+              <a:gd name="f24" fmla="*/ 21600 f12 1"/>
+              <a:gd name="f25" fmla="*/ 10800 f11 1"/>
+              <a:gd name="f26" fmla="*/ 21600 f11 1"/>
+              <a:gd name="f27" fmla="+- f16 10800 0"/>
+              <a:gd name="f28" fmla="+- 21600 0 f15"/>
+              <a:gd name="f29" fmla="*/ f16 f11 1"/>
+              <a:gd name="f30" fmla="*/ f15 f11 1"/>
+              <a:gd name="f31" fmla="+- f22 0 f2"/>
+              <a:gd name="f32" fmla="*/ f28 1 2"/>
+              <a:gd name="f33" fmla="*/ f27 f11 1"/>
+              <a:gd name="f34" fmla="+- 21600 0 f32"/>
+              <a:gd name="f35" fmla="*/ f34 f11 1"/>
+            </a:gdLst>
+            <a:ahLst>
+              <a:ahXY gdRefX="f0" minX="f6" maxX="f7">
+                <a:pos x="f17" y="f18"/>
+              </a:ahXY>
+            </a:ahLst>
+            <a:cxnLst>
+              <a:cxn ang="3cd4">
+                <a:pos x="hc" y="t"/>
+              </a:cxn>
+              <a:cxn ang="0">
+                <a:pos x="r" y="vc"/>
+              </a:cxn>
+              <a:cxn ang="cd4">
+                <a:pos x="hc" y="b"/>
+              </a:cxn>
+              <a:cxn ang="cd2">
+                <a:pos x="l" y="vc"/>
+              </a:cxn>
+              <a:cxn ang="f31">
+                <a:pos x="f30" y="f21"/>
+              </a:cxn>
+              <a:cxn ang="f31">
+                <a:pos x="f29" y="f20"/>
+              </a:cxn>
+              <a:cxn ang="f31">
+                <a:pos x="f23" y="f24"/>
+              </a:cxn>
+              <a:cxn ang="f31">
+                <a:pos x="f25" y="f24"/>
+              </a:cxn>
+              <a:cxn ang="f31">
+                <a:pos x="f26" y="f24"/>
+              </a:cxn>
+              <a:cxn ang="f31">
+                <a:pos x="f35" y="f20"/>
+              </a:cxn>
+            </a:cxnLst>
+            <a:rect l="f29" t="f20" r="f33" b="f19"/>
+            <a:pathLst>
+              <a:path w="21600" h="21600">
+                <a:moveTo>
+                  <a:pt x="f15" y="f6"/>
+                </a:moveTo>
+                <a:lnTo>
+                  <a:pt x="f7" y="f7"/>
+                </a:lnTo>
+                <a:lnTo>
+                  <a:pt x="f6" y="f7"/>
+                </a:lnTo>
+                <a:close/>
+              </a:path>
+            </a:pathLst>
+          </a:custGeom>
+          <a:solidFill>
+            <a:srgbClr val="579D1C"/>
+          </a:solidFill>
+          <a:ln>
+            <a:noFill/>
+            <a:prstDash val="solid"/>
+          </a:ln>
+        </p:spPr>
+        <p:txBody>
+          <a:bodyPr vert="horz" wrap="none" lIns="108847" tIns="54423" rIns="108847" bIns="54423" anchor="ctr" anchorCtr="0" compatLnSpc="0">
+            <a:noAutofit/>
+          </a:bodyPr>
+          <a:lstStyle/>
+          <a:p>
+            <a:pPr hangingPunct="0"/>
+            <a:endParaRPr lang="ru-RU" sz="2177">
+              <a:latin typeface="Liberation Sans" pitchFamily="18"/>
+              <a:ea typeface="Microsoft YaHei" pitchFamily="2"/>
+              <a:cs typeface="Mangal" pitchFamily="2"/>
+            </a:endParaRPr>
+          </a:p>
+        </p:txBody>
+      </p:sp>
+      <p:grpSp>
+        <p:nvGrpSpPr>
+          <p:cNvPr id="14" name="Группа 13"/>
+          <p:cNvGrpSpPr/>
+          <p:nvPr/>
+        </p:nvGrpSpPr>
+        <p:grpSpPr>
+          <a:xfrm>
+            <a:off x="5050695" y="435386"/>
+            <a:ext cx="1306159" cy="2264009"/>
+            <a:chOff x="4176000" y="360000"/>
+            <a:chExt cx="1080000" cy="1872000"/>
+          </a:xfrm>
+        </p:grpSpPr>
+        <p:sp>
+          <p:nvSpPr>
+            <p:cNvPr id="15" name="Полилиния 14"/>
+            <p:cNvSpPr/>
+            <p:nvPr/>
+          </p:nvSpPr>
+          <p:spPr>
+            <a:xfrm>
+              <a:off x="4176000" y="360000"/>
+              <a:ext cx="1080000" cy="1872000"/>
+            </a:xfrm>
+            <a:custGeom>
+              <a:avLst/>
+              <a:gdLst>
+                <a:gd name="f0" fmla="val 0"/>
+                <a:gd name="f1" fmla="val 21600"/>
+              </a:gdLst>
+              <a:ahLst/>
+              <a:cxnLst>
+                <a:cxn ang="3cd4">
+                  <a:pos x="hc" y="t"/>
+                </a:cxn>
+                <a:cxn ang="0">
+                  <a:pos x="r" y="vc"/>
+                </a:cxn>
+                <a:cxn ang="cd4">
+                  <a:pos x="hc" y="b"/>
+                </a:cxn>
+                <a:cxn ang="cd2">
+                  <a:pos x="l" y="vc"/>
+                </a:cxn>
+              </a:cxnLst>
+              <a:rect l="l" t="t" r="r" b="b"/>
+              <a:pathLst>
+                <a:path w="21600" h="21600">
+                  <a:moveTo>
+                    <a:pt x="f0" y="f0"/>
+                  </a:moveTo>
+                  <a:lnTo>
+                    <a:pt x="f1" y="f0"/>
+                  </a:lnTo>
+                  <a:lnTo>
+                    <a:pt x="f1" y="f1"/>
+                  </a:lnTo>
+                  <a:lnTo>
+                    <a:pt x="f0" y="f1"/>
+                  </a:lnTo>
+                  <a:lnTo>
+                    <a:pt x="f0" y="f0"/>
+                  </a:lnTo>
+                  <a:close/>
+                </a:path>
+              </a:pathLst>
+            </a:custGeom>
+            <a:noFill/>
+            <a:ln w="36000">
+              <a:solidFill>
+                <a:srgbClr val="99CCFF"/>
+              </a:solidFill>
+              <a:prstDash val="solid"/>
+            </a:ln>
+          </p:spPr>
+          <p:txBody>
+            <a:bodyPr vert="horz" wrap="none" lIns="130616" tIns="76193" rIns="130616" bIns="76193" anchor="ctr" anchorCtr="0" compatLnSpc="0">
+              <a:noAutofit/>
+            </a:bodyPr>
+            <a:lstStyle/>
+            <a:p>
+              <a:pPr hangingPunct="0"/>
+              <a:endParaRPr lang="ru-RU" sz="2177">
+                <a:latin typeface="Liberation Sans" pitchFamily="18"/>
+                <a:ea typeface="Microsoft YaHei" pitchFamily="2"/>
+                <a:cs typeface="Mangal" pitchFamily="2"/>
+              </a:endParaRPr>
+            </a:p>
+          </p:txBody>
+        </p:sp>
+        <p:sp>
+          <p:nvSpPr>
+            <p:cNvPr id="16" name="TextBox 15"/>
+            <p:cNvSpPr txBox="1"/>
+            <p:nvPr/>
+          </p:nvSpPr>
+          <p:spPr>
+            <a:xfrm>
+              <a:off x="4176000" y="360000"/>
+              <a:ext cx="707589" cy="1418181"/>
+            </a:xfrm>
+            <a:prstGeom prst="rect">
+              <a:avLst/>
+            </a:prstGeom>
+            <a:noFill/>
+            <a:ln>
+              <a:noFill/>
+            </a:ln>
+          </p:spPr>
+          <p:txBody>
+            <a:bodyPr vert="horz" wrap="none" lIns="108847" tIns="54423" rIns="108847" bIns="54423" anchorCtr="0" compatLnSpc="0">
+              <a:spAutoFit/>
+            </a:bodyPr>
+            <a:lstStyle/>
+            <a:p>
+              <a:pPr hangingPunct="0"/>
+              <a:r>
+                <a:rPr lang="ru-RU" sz="2177" b="1">
+                  <a:latin typeface="Liberation Sans" pitchFamily="18"/>
+                  <a:ea typeface="Microsoft YaHei" pitchFamily="2"/>
+                  <a:cs typeface="Mangal" pitchFamily="2"/>
+                </a:rPr>
+                <a:t>Main</a:t>
+              </a:r>
+            </a:p>
+            <a:p>
+              <a:pPr hangingPunct="0"/>
+              <a:endParaRPr lang="ru-RU" sz="2177" b="1">
+                <a:latin typeface="Liberation Sans" pitchFamily="18"/>
+                <a:ea typeface="Microsoft YaHei" pitchFamily="2"/>
+                <a:cs typeface="Mangal" pitchFamily="2"/>
+              </a:endParaRPr>
+            </a:p>
+            <a:p>
+              <a:pPr hangingPunct="0"/>
+              <a:r>
+                <a:rPr lang="ru-RU" sz="2177">
+                  <a:latin typeface="Liberation Sans" pitchFamily="18"/>
+                  <a:ea typeface="Microsoft YaHei" pitchFamily="2"/>
+                  <a:cs typeface="Mangal" pitchFamily="2"/>
+                </a:rPr>
+                <a:t>s:</a:t>
+              </a:r>
+            </a:p>
+            <a:p>
+              <a:pPr hangingPunct="0"/>
+              <a:endParaRPr lang="ru-RU" sz="2177" b="1">
+                <a:latin typeface="Liberation Sans" pitchFamily="18"/>
+                <a:ea typeface="Microsoft YaHei" pitchFamily="2"/>
+                <a:cs typeface="Mangal" pitchFamily="2"/>
+              </a:endParaRPr>
+            </a:p>
+            <a:p>
+              <a:pPr hangingPunct="0"/>
+              <a:endParaRPr lang="ru-RU" sz="2177">
+                <a:latin typeface="Liberation Sans" pitchFamily="18"/>
+                <a:ea typeface="Microsoft YaHei" pitchFamily="2"/>
+                <a:cs typeface="Mangal" pitchFamily="2"/>
+              </a:endParaRPr>
+            </a:p>
+          </p:txBody>
+        </p:sp>
+      </p:grpSp>
+      <p:grpSp>
+        <p:nvGrpSpPr>
+          <p:cNvPr id="17" name="Группа 16"/>
+          <p:cNvGrpSpPr/>
+          <p:nvPr/>
+        </p:nvGrpSpPr>
+        <p:grpSpPr>
+          <a:xfrm>
+            <a:off x="6356854" y="435386"/>
+            <a:ext cx="1306159" cy="2264009"/>
+            <a:chOff x="5256000" y="360000"/>
+            <a:chExt cx="1080000" cy="1872000"/>
+          </a:xfrm>
+        </p:grpSpPr>
+        <p:sp>
+          <p:nvSpPr>
+            <p:cNvPr id="18" name="Полилиния 17"/>
+            <p:cNvSpPr/>
+            <p:nvPr/>
+          </p:nvSpPr>
+          <p:spPr>
+            <a:xfrm>
+              <a:off x="5256000" y="360000"/>
+              <a:ext cx="1080000" cy="1872000"/>
+            </a:xfrm>
+            <a:custGeom>
+              <a:avLst/>
+              <a:gdLst>
+                <a:gd name="f0" fmla="val 0"/>
+                <a:gd name="f1" fmla="val 21600"/>
+              </a:gdLst>
+              <a:ahLst/>
+              <a:cxnLst>
+                <a:cxn ang="3cd4">
+                  <a:pos x="hc" y="t"/>
+                </a:cxn>
+                <a:cxn ang="0">
+                  <a:pos x="r" y="vc"/>
+                </a:cxn>
+                <a:cxn ang="cd4">
+                  <a:pos x="hc" y="b"/>
+                </a:cxn>
+                <a:cxn ang="cd2">
+                  <a:pos x="l" y="vc"/>
+                </a:cxn>
+              </a:cxnLst>
+              <a:rect l="l" t="t" r="r" b="b"/>
+              <a:pathLst>
+                <a:path w="21600" h="21600">
+                  <a:moveTo>
+                    <a:pt x="f0" y="f0"/>
+                  </a:moveTo>
+                  <a:lnTo>
+                    <a:pt x="f1" y="f0"/>
+                  </a:lnTo>
+                  <a:lnTo>
+                    <a:pt x="f1" y="f1"/>
+                  </a:lnTo>
+                  <a:lnTo>
+                    <a:pt x="f0" y="f1"/>
+                  </a:lnTo>
+                  <a:lnTo>
+                    <a:pt x="f0" y="f0"/>
+                  </a:lnTo>
+                  <a:close/>
+                </a:path>
+              </a:pathLst>
+            </a:custGeom>
+            <a:noFill/>
+            <a:ln w="36000">
+              <a:solidFill>
+                <a:srgbClr val="99CCFF"/>
+              </a:solidFill>
+              <a:prstDash val="solid"/>
+            </a:ln>
+          </p:spPr>
+          <p:txBody>
+            <a:bodyPr vert="horz" wrap="none" lIns="130616" tIns="76193" rIns="130616" bIns="76193" anchor="ctr" anchorCtr="0" compatLnSpc="0">
+              <a:noAutofit/>
+            </a:bodyPr>
+            <a:lstStyle/>
+            <a:p>
+              <a:pPr hangingPunct="0"/>
+              <a:endParaRPr lang="ru-RU" sz="2177">
+                <a:latin typeface="Liberation Sans" pitchFamily="18"/>
+                <a:ea typeface="Microsoft YaHei" pitchFamily="2"/>
+                <a:cs typeface="Mangal" pitchFamily="2"/>
+              </a:endParaRPr>
+            </a:p>
+          </p:txBody>
+        </p:sp>
+        <p:sp>
+          <p:nvSpPr>
+            <p:cNvPr id="19" name="TextBox 18"/>
+            <p:cNvSpPr txBox="1"/>
+            <p:nvPr/>
+          </p:nvSpPr>
+          <p:spPr>
+            <a:xfrm>
+              <a:off x="5256000" y="360000"/>
+              <a:ext cx="899938" cy="1418181"/>
+            </a:xfrm>
+            <a:prstGeom prst="rect">
+              <a:avLst/>
+            </a:prstGeom>
+            <a:noFill/>
+            <a:ln>
+              <a:noFill/>
+            </a:ln>
+          </p:spPr>
+          <p:txBody>
+            <a:bodyPr vert="horz" wrap="none" lIns="108847" tIns="54423" rIns="108847" bIns="54423" anchorCtr="0" compatLnSpc="0">
+              <a:spAutoFit/>
+            </a:bodyPr>
+            <a:lstStyle/>
+            <a:p>
+              <a:pPr hangingPunct="0"/>
+              <a:r>
+                <a:rPr lang="ru-RU" sz="2177" b="1">
+                  <a:latin typeface="Liberation Sans" pitchFamily="18"/>
+                  <a:ea typeface="Microsoft YaHei" pitchFamily="2"/>
+                  <a:cs typeface="Mangal" pitchFamily="2"/>
+                </a:rPr>
+                <a:t>Update</a:t>
+              </a:r>
+            </a:p>
+            <a:p>
+              <a:pPr hangingPunct="0"/>
+              <a:endParaRPr lang="ru-RU" sz="2177" b="1">
+                <a:latin typeface="Liberation Sans" pitchFamily="18"/>
+                <a:ea typeface="Microsoft YaHei" pitchFamily="2"/>
+                <a:cs typeface="Mangal" pitchFamily="2"/>
+              </a:endParaRPr>
+            </a:p>
+            <a:p>
+              <a:pPr hangingPunct="0"/>
+              <a:r>
+                <a:rPr lang="ru-RU" sz="2177">
+                  <a:latin typeface="Liberation Sans" pitchFamily="18"/>
+                  <a:ea typeface="Microsoft YaHei" pitchFamily="2"/>
+                  <a:cs typeface="Mangal" pitchFamily="2"/>
+                </a:rPr>
+                <a:t>s:</a:t>
+              </a:r>
+            </a:p>
+            <a:p>
+              <a:pPr hangingPunct="0"/>
+              <a:endParaRPr lang="ru-RU" sz="2177" b="1">
+                <a:latin typeface="Liberation Sans" pitchFamily="18"/>
+                <a:ea typeface="Microsoft YaHei" pitchFamily="2"/>
+                <a:cs typeface="Mangal" pitchFamily="2"/>
+              </a:endParaRPr>
+            </a:p>
+            <a:p>
+              <a:pPr hangingPunct="0"/>
+              <a:endParaRPr lang="ru-RU" sz="2177">
+                <a:latin typeface="Liberation Sans" pitchFamily="18"/>
+                <a:ea typeface="Microsoft YaHei" pitchFamily="2"/>
+                <a:cs typeface="Mangal" pitchFamily="2"/>
+              </a:endParaRPr>
+            </a:p>
+          </p:txBody>
+        </p:sp>
+      </p:grpSp>
+      <p:sp>
+        <p:nvSpPr>
+          <p:cNvPr id="20" name="Полилиния 19"/>
+          <p:cNvSpPr/>
+          <p:nvPr/>
+        </p:nvSpPr>
+        <p:spPr>
+          <a:xfrm rot="5400000">
+            <a:off x="522677" y="2873550"/>
+            <a:ext cx="174155" cy="174155"/>
+          </a:xfrm>
+          <a:custGeom>
+            <a:avLst>
+              <a:gd name="f0" fmla="val 10800"/>
+            </a:avLst>
+            <a:gdLst>
+              <a:gd name="f1" fmla="val 10800000"/>
+              <a:gd name="f2" fmla="val 5400000"/>
+              <a:gd name="f3" fmla="val 180"/>
+              <a:gd name="f4" fmla="val w"/>
+              <a:gd name="f5" fmla="val h"/>
+              <a:gd name="f6" fmla="val 0"/>
+              <a:gd name="f7" fmla="val 21600"/>
+              <a:gd name="f8" fmla="val -2147483647"/>
+              <a:gd name="f9" fmla="val 2147483647"/>
+              <a:gd name="f10" fmla="+- 0 0 0"/>
+              <a:gd name="f11" fmla="*/ f4 1 21600"/>
+              <a:gd name="f12" fmla="*/ f5 1 21600"/>
+              <a:gd name="f13" fmla="pin 0 f0 21600"/>
+              <a:gd name="f14" fmla="*/ f10 f1 1"/>
+              <a:gd name="f15" fmla="val f13"/>
+              <a:gd name="f16" fmla="*/ f13 1 2"/>
+              <a:gd name="f17" fmla="*/ f13 f11 1"/>
+              <a:gd name="f18" fmla="*/ f6 f12 1"/>
+              <a:gd name="f19" fmla="*/ 18000 f12 1"/>
+              <a:gd name="f20" fmla="*/ 10800 f12 1"/>
+              <a:gd name="f21" fmla="*/ 0 f12 1"/>
+              <a:gd name="f22" fmla="*/ f14 1 f3"/>
+              <a:gd name="f23" fmla="*/ 0 f11 1"/>
+              <a:gd name="f24" fmla="*/ 21600 f12 1"/>
+              <a:gd name="f25" fmla="*/ 10800 f11 1"/>
+              <a:gd name="f26" fmla="*/ 21600 f11 1"/>
+              <a:gd name="f27" fmla="+- f16 10800 0"/>
+              <a:gd name="f28" fmla="+- 21600 0 f15"/>
+              <a:gd name="f29" fmla="*/ f16 f11 1"/>
+              <a:gd name="f30" fmla="*/ f15 f11 1"/>
+              <a:gd name="f31" fmla="+- f22 0 f2"/>
+              <a:gd name="f32" fmla="*/ f28 1 2"/>
+              <a:gd name="f33" fmla="*/ f27 f11 1"/>
+              <a:gd name="f34" fmla="+- 21600 0 f32"/>
+              <a:gd name="f35" fmla="*/ f34 f11 1"/>
+            </a:gdLst>
+            <a:ahLst>
+              <a:ahXY gdRefX="f0" minX="f6" maxX="f7">
+                <a:pos x="f17" y="f18"/>
+              </a:ahXY>
+            </a:ahLst>
+            <a:cxnLst>
+              <a:cxn ang="3cd4">
+                <a:pos x="hc" y="t"/>
+              </a:cxn>
+              <a:cxn ang="0">
+                <a:pos x="r" y="vc"/>
+              </a:cxn>
+              <a:cxn ang="cd4">
+                <a:pos x="hc" y="b"/>
+              </a:cxn>
+              <a:cxn ang="cd2">
+                <a:pos x="l" y="vc"/>
+              </a:cxn>
+              <a:cxn ang="f31">
+                <a:pos x="f30" y="f21"/>
+              </a:cxn>
+              <a:cxn ang="f31">
+                <a:pos x="f29" y="f20"/>
+              </a:cxn>
+              <a:cxn ang="f31">
+                <a:pos x="f23" y="f24"/>
+              </a:cxn>
+              <a:cxn ang="f31">
+                <a:pos x="f25" y="f24"/>
+              </a:cxn>
+              <a:cxn ang="f31">
+                <a:pos x="f26" y="f24"/>
+              </a:cxn>
+              <a:cxn ang="f31">
+                <a:pos x="f35" y="f20"/>
+              </a:cxn>
+            </a:cxnLst>
+            <a:rect l="f29" t="f20" r="f33" b="f19"/>
+            <a:pathLst>
+              <a:path w="21600" h="21600">
+                <a:moveTo>
+                  <a:pt x="f15" y="f6"/>
+                </a:moveTo>
+                <a:lnTo>
+                  <a:pt x="f7" y="f7"/>
+                </a:lnTo>
+                <a:lnTo>
+                  <a:pt x="f6" y="f7"/>
+                </a:lnTo>
+                <a:close/>
+              </a:path>
+            </a:pathLst>
+          </a:custGeom>
+          <a:solidFill>
+            <a:srgbClr val="579D1C"/>
+          </a:solidFill>
+          <a:ln>
+            <a:noFill/>
+            <a:prstDash val="solid"/>
+          </a:ln>
+        </p:spPr>
+        <p:txBody>
+          <a:bodyPr vert="horz" wrap="none" lIns="108847" tIns="54423" rIns="108847" bIns="54423" anchor="ctr" anchorCtr="0" compatLnSpc="0">
+            <a:noAutofit/>
+          </a:bodyPr>
+          <a:lstStyle/>
+          <a:p>
+            <a:pPr hangingPunct="0"/>
+            <a:endParaRPr lang="ru-RU" sz="2177">
+              <a:latin typeface="Liberation Sans" pitchFamily="18"/>
+              <a:ea typeface="Microsoft YaHei" pitchFamily="2"/>
+              <a:cs typeface="Mangal" pitchFamily="2"/>
+            </a:endParaRPr>
+          </a:p>
+        </p:txBody>
+      </p:sp>
+      <p:sp>
+        <p:nvSpPr>
+          <p:cNvPr id="21" name="Полилиния 20"/>
+          <p:cNvSpPr/>
+          <p:nvPr/>
+        </p:nvSpPr>
+        <p:spPr>
+          <a:xfrm>
+            <a:off x="5007157" y="3134782"/>
+            <a:ext cx="6835566" cy="3439552"/>
+          </a:xfrm>
+          <a:custGeom>
+            <a:avLst/>
+            <a:gdLst>
+              <a:gd name="f0" fmla="val 0"/>
+              <a:gd name="f1" fmla="val 21600"/>
+            </a:gdLst>
+            <a:ahLst/>
+            <a:cxnLst>
+              <a:cxn ang="3cd4">
+                <a:pos x="hc" y="t"/>
+              </a:cxn>
+              <a:cxn ang="0">
+                <a:pos x="r" y="vc"/>
+              </a:cxn>
+              <a:cxn ang="cd4">
+                <a:pos x="hc" y="b"/>
+              </a:cxn>
+              <a:cxn ang="cd2">
+                <a:pos x="l" y="vc"/>
+              </a:cxn>
+            </a:cxnLst>
+            <a:rect l="l" t="t" r="r" b="b"/>
+            <a:pathLst>
+              <a:path w="21600" h="21600">
+                <a:moveTo>
+                  <a:pt x="f0" y="f0"/>
+                </a:moveTo>
+                <a:lnTo>
+                  <a:pt x="f1" y="f0"/>
+                </a:lnTo>
+                <a:lnTo>
+                  <a:pt x="f1" y="f1"/>
+                </a:lnTo>
+                <a:lnTo>
+                  <a:pt x="f0" y="f1"/>
+                </a:lnTo>
+                <a:lnTo>
+                  <a:pt x="f0" y="f0"/>
+                </a:lnTo>
+                <a:close/>
+              </a:path>
+            </a:pathLst>
+          </a:custGeom>
+          <a:noFill/>
+          <a:ln w="72000">
+            <a:solidFill>
+              <a:srgbClr val="006600"/>
+            </a:solidFill>
+            <a:prstDash val="solid"/>
+          </a:ln>
+        </p:spPr>
+        <p:txBody>
+          <a:bodyPr vert="horz" wrap="none" lIns="152385" tIns="97962" rIns="152385" bIns="97962" anchor="ctr" anchorCtr="0" compatLnSpc="0">
+            <a:noAutofit/>
+          </a:bodyPr>
+          <a:lstStyle/>
+          <a:p>
+            <a:pPr hangingPunct="0"/>
+            <a:endParaRPr lang="ru-RU" sz="2177">
+              <a:latin typeface="Liberation Sans" pitchFamily="18"/>
+              <a:ea typeface="Microsoft YaHei" pitchFamily="2"/>
+              <a:cs typeface="Mangal" pitchFamily="2"/>
+            </a:endParaRPr>
+          </a:p>
+        </p:txBody>
+      </p:sp>
+      <p:grpSp>
+        <p:nvGrpSpPr>
+          <p:cNvPr id="22" name="Группа 21"/>
+          <p:cNvGrpSpPr/>
+          <p:nvPr/>
+        </p:nvGrpSpPr>
+        <p:grpSpPr>
+          <a:xfrm>
+            <a:off x="6356855" y="3831399"/>
+            <a:ext cx="1132004" cy="1132004"/>
+            <a:chOff x="5256000" y="3168000"/>
+            <a:chExt cx="936000" cy="936000"/>
+          </a:xfrm>
+        </p:grpSpPr>
+        <p:sp>
+          <p:nvSpPr>
+            <p:cNvPr id="23" name="Полилиния 22"/>
+            <p:cNvSpPr/>
+            <p:nvPr/>
+          </p:nvSpPr>
+          <p:spPr>
+            <a:xfrm>
+              <a:off x="5256000" y="3168000"/>
+              <a:ext cx="936000" cy="936000"/>
+            </a:xfrm>
+            <a:custGeom>
+              <a:avLst/>
+              <a:gdLst>
+                <a:gd name="f0" fmla="val 0"/>
+                <a:gd name="f1" fmla="val 21600"/>
+              </a:gdLst>
+              <a:ahLst/>
+              <a:cxnLst>
+                <a:cxn ang="3cd4">
+                  <a:pos x="hc" y="t"/>
+                </a:cxn>
+                <a:cxn ang="0">
+                  <a:pos x="r" y="vc"/>
+                </a:cxn>
+                <a:cxn ang="cd4">
+                  <a:pos x="hc" y="b"/>
+                </a:cxn>
+                <a:cxn ang="cd2">
+                  <a:pos x="l" y="vc"/>
+                </a:cxn>
+              </a:cxnLst>
+              <a:rect l="l" t="t" r="r" b="b"/>
+              <a:pathLst>
+                <a:path w="21600" h="21600">
+                  <a:moveTo>
+                    <a:pt x="f0" y="f0"/>
+                  </a:moveTo>
+                  <a:lnTo>
+                    <a:pt x="f1" y="f0"/>
+                  </a:lnTo>
+                  <a:lnTo>
+                    <a:pt x="f1" y="f1"/>
+                  </a:lnTo>
+                  <a:lnTo>
+                    <a:pt x="f0" y="f1"/>
+                  </a:lnTo>
+                  <a:lnTo>
+                    <a:pt x="f0" y="f0"/>
+                  </a:lnTo>
+                  <a:close/>
+                </a:path>
+              </a:pathLst>
+            </a:custGeom>
+            <a:noFill/>
+            <a:ln w="36000">
+              <a:solidFill>
+                <a:srgbClr val="66CC99"/>
+              </a:solidFill>
+              <a:prstDash val="solid"/>
+            </a:ln>
+          </p:spPr>
+          <p:txBody>
+            <a:bodyPr vert="horz" wrap="none" lIns="130616" tIns="76193" rIns="130616" bIns="76193" anchor="ctr" anchorCtr="0" compatLnSpc="0">
+              <a:noAutofit/>
+            </a:bodyPr>
+            <a:lstStyle/>
+            <a:p>
+              <a:pPr hangingPunct="0"/>
+              <a:endParaRPr lang="ru-RU" sz="2177">
+                <a:latin typeface="Liberation Sans" pitchFamily="18"/>
+                <a:ea typeface="Microsoft YaHei" pitchFamily="2"/>
+                <a:cs typeface="Mangal" pitchFamily="2"/>
+              </a:endParaRPr>
+            </a:p>
+          </p:txBody>
+        </p:sp>
+        <p:sp>
+          <p:nvSpPr>
+            <p:cNvPr id="24" name="TextBox 23"/>
+            <p:cNvSpPr txBox="1"/>
+            <p:nvPr/>
+          </p:nvSpPr>
+          <p:spPr>
+            <a:xfrm>
+              <a:off x="5256000" y="3168000"/>
+              <a:ext cx="758858" cy="887260"/>
+            </a:xfrm>
+            <a:prstGeom prst="rect">
+              <a:avLst/>
+            </a:prstGeom>
+            <a:noFill/>
+            <a:ln>
+              <a:noFill/>
+            </a:ln>
+          </p:spPr>
+          <p:txBody>
+            <a:bodyPr vert="horz" wrap="none" lIns="108847" tIns="54423" rIns="108847" bIns="54423" anchorCtr="0" compatLnSpc="0">
+              <a:spAutoFit/>
+            </a:bodyPr>
+            <a:lstStyle/>
+            <a:p>
+              <a:pPr hangingPunct="0"/>
+              <a:r>
+                <a:rPr lang="ru-RU" sz="2177" b="1">
+                  <a:latin typeface="Liberation Sans" pitchFamily="18"/>
+                  <a:ea typeface="Microsoft YaHei" pitchFamily="2"/>
+                  <a:cs typeface="Mangal" pitchFamily="2"/>
+                </a:rPr>
+                <a:t>string</a:t>
+              </a:r>
+            </a:p>
+            <a:p>
+              <a:pPr hangingPunct="0"/>
+              <a:endParaRPr lang="ru-RU" sz="2177">
+                <a:latin typeface="Liberation Sans" pitchFamily="18"/>
+                <a:ea typeface="Microsoft YaHei" pitchFamily="2"/>
+                <a:cs typeface="Mangal" pitchFamily="2"/>
+              </a:endParaRPr>
+            </a:p>
+            <a:p>
+              <a:pPr hangingPunct="0"/>
+              <a:r>
+                <a:rPr lang="ru-RU" sz="2177">
+                  <a:latin typeface="Liberation Sans" pitchFamily="18"/>
+                  <a:ea typeface="Microsoft YaHei" pitchFamily="2"/>
+                  <a:cs typeface="Mangal" pitchFamily="2"/>
+                </a:rPr>
+                <a:t>123</a:t>
+              </a:r>
+            </a:p>
+          </p:txBody>
+        </p:sp>
+      </p:grpSp>
+      <p:sp>
+        <p:nvSpPr>
+          <p:cNvPr id="25" name="Полилиния 24"/>
+          <p:cNvSpPr/>
+          <p:nvPr/>
+        </p:nvSpPr>
+        <p:spPr>
+          <a:xfrm>
+            <a:off x="5486082" y="1161175"/>
+            <a:ext cx="174155" cy="232061"/>
+          </a:xfrm>
+          <a:custGeom>
+            <a:avLst>
+              <a:gd name="f0" fmla="val 7799"/>
+              <a:gd name="f1" fmla="val 5770"/>
+            </a:avLst>
+            <a:gdLst>
+              <a:gd name="f2" fmla="val w"/>
+              <a:gd name="f3" fmla="val h"/>
+              <a:gd name="f4" fmla="val 0"/>
+              <a:gd name="f5" fmla="val 21600"/>
+              <a:gd name="f6" fmla="val 10800"/>
+              <a:gd name="f7" fmla="*/ f2 1 21600"/>
+              <a:gd name="f8" fmla="*/ f3 1 21600"/>
+              <a:gd name="f9" fmla="pin 0 f0 21600"/>
+              <a:gd name="f10" fmla="pin 0 f1 10800"/>
+              <a:gd name="f11" fmla="val f10"/>
+              <a:gd name="f12" fmla="val f9"/>
+              <a:gd name="f13" fmla="+- 21600 0 f10"/>
+              <a:gd name="f14" fmla="*/ f9 f7 1"/>
+              <a:gd name="f15" fmla="*/ f10 f8 1"/>
+              <a:gd name="f16" fmla="*/ 0 f7 1"/>
+              <a:gd name="f17" fmla="+- 21600 0 f12"/>
+              <a:gd name="f18" fmla="*/ f13 f8 1"/>
+              <a:gd name="f19" fmla="*/ f11 f8 1"/>
+              <a:gd name="f20" fmla="*/ f17 f11 1"/>
+              <a:gd name="f21" fmla="*/ f20 1 10800"/>
+              <a:gd name="f22" fmla="+- f12 f21 0"/>
+              <a:gd name="f23" fmla="*/ f22 f7 1"/>
+            </a:gdLst>
+            <a:ahLst>
+              <a:ahXY gdRefX="f0" minX="f4" maxX="f5" gdRefY="f1" minY="f4" maxY="f6">
+                <a:pos x="f14" y="f15"/>
+              </a:ahXY>
+            </a:ahLst>
+            <a:cxnLst>
+              <a:cxn ang="3cd4">
+                <a:pos x="hc" y="t"/>
+              </a:cxn>
+              <a:cxn ang="0">
+                <a:pos x="r" y="vc"/>
+              </a:cxn>
+              <a:cxn ang="cd4">
+                <a:pos x="hc" y="b"/>
+              </a:cxn>
+              <a:cxn ang="cd2">
+                <a:pos x="l" y="vc"/>
+              </a:cxn>
+            </a:cxnLst>
+            <a:rect l="f16" t="f19" r="f23" b="f18"/>
+            <a:pathLst>
+              <a:path w="21600" h="21600">
+                <a:moveTo>
+                  <a:pt x="f4" y="f11"/>
+                </a:moveTo>
+                <a:lnTo>
+                  <a:pt x="f12" y="f11"/>
+                </a:lnTo>
+                <a:lnTo>
+                  <a:pt x="f12" y="f4"/>
+                </a:lnTo>
+                <a:lnTo>
+                  <a:pt x="f5" y="f6"/>
+                </a:lnTo>
+                <a:lnTo>
+                  <a:pt x="f12" y="f5"/>
+                </a:lnTo>
+                <a:lnTo>
+                  <a:pt x="f12" y="f13"/>
+                </a:lnTo>
+                <a:lnTo>
+                  <a:pt x="f4" y="f13"/>
+                </a:lnTo>
+                <a:close/>
+              </a:path>
+            </a:pathLst>
+          </a:custGeom>
+          <a:solidFill>
+            <a:srgbClr val="729FCF"/>
+          </a:solidFill>
+          <a:ln w="0">
+            <a:solidFill>
+              <a:srgbClr val="3465A4"/>
+            </a:solidFill>
+            <a:prstDash val="solid"/>
+          </a:ln>
+        </p:spPr>
+        <p:txBody>
+          <a:bodyPr vert="horz" wrap="none" lIns="108847" tIns="54423" rIns="108847" bIns="54423" anchor="ctr" anchorCtr="0" compatLnSpc="0">
+            <a:noAutofit/>
+          </a:bodyPr>
+          <a:lstStyle/>
+          <a:p>
+            <a:pPr hangingPunct="0"/>
+            <a:endParaRPr lang="ru-RU" sz="2177">
+              <a:latin typeface="Liberation Sans" pitchFamily="18"/>
+              <a:ea typeface="Microsoft YaHei" pitchFamily="2"/>
+              <a:cs typeface="Mangal" pitchFamily="2"/>
+            </a:endParaRPr>
+          </a:p>
+        </p:txBody>
+      </p:sp>
+      <p:cxnSp>
+        <p:nvCxnSpPr>
+          <p:cNvPr id="26" name="Соединительная линия уступом 25"/>
+          <p:cNvCxnSpPr>
+            <a:stCxn id="25" idx="1"/>
+          </p:cNvCxnSpPr>
+          <p:nvPr/>
+        </p:nvCxnSpPr>
+        <p:spPr>
+          <a:xfrm>
+            <a:off x="5660236" y="1277206"/>
+            <a:ext cx="696618" cy="3120196"/>
+          </a:xfrm>
+          <a:prstGeom prst="bentConnector2">
+            <a:avLst/>
+          </a:prstGeom>
+          <a:noFill/>
+          <a:ln w="36000">
+            <a:solidFill>
+              <a:srgbClr val="999999"/>
+            </a:solidFill>
+            <a:prstDash val="solid"/>
+          </a:ln>
+        </p:spPr>
+      </p:cxnSp>
+      <p:sp>
+        <p:nvSpPr>
+          <p:cNvPr id="27" name="Полилиния 26"/>
+          <p:cNvSpPr/>
+          <p:nvPr/>
+        </p:nvSpPr>
+        <p:spPr>
+          <a:xfrm>
+            <a:off x="6792241" y="1161175"/>
+            <a:ext cx="174155" cy="232061"/>
+          </a:xfrm>
+          <a:custGeom>
+            <a:avLst>
+              <a:gd name="f0" fmla="val 7799"/>
+              <a:gd name="f1" fmla="val 5770"/>
+            </a:avLst>
+            <a:gdLst>
+              <a:gd name="f2" fmla="val w"/>
+              <a:gd name="f3" fmla="val h"/>
+              <a:gd name="f4" fmla="val 0"/>
+              <a:gd name="f5" fmla="val 21600"/>
+              <a:gd name="f6" fmla="val 10800"/>
+              <a:gd name="f7" fmla="*/ f2 1 21600"/>
+              <a:gd name="f8" fmla="*/ f3 1 21600"/>
+              <a:gd name="f9" fmla="pin 0 f0 21600"/>
+              <a:gd name="f10" fmla="pin 0 f1 10800"/>
+              <a:gd name="f11" fmla="val f10"/>
+              <a:gd name="f12" fmla="val f9"/>
+              <a:gd name="f13" fmla="+- 21600 0 f10"/>
+              <a:gd name="f14" fmla="*/ f9 f7 1"/>
+              <a:gd name="f15" fmla="*/ f10 f8 1"/>
+              <a:gd name="f16" fmla="*/ 0 f7 1"/>
+              <a:gd name="f17" fmla="+- 21600 0 f12"/>
+              <a:gd name="f18" fmla="*/ f13 f8 1"/>
+              <a:gd name="f19" fmla="*/ f11 f8 1"/>
+              <a:gd name="f20" fmla="*/ f17 f11 1"/>
+              <a:gd name="f21" fmla="*/ f20 1 10800"/>
+              <a:gd name="f22" fmla="+- f12 f21 0"/>
+              <a:gd name="f23" fmla="*/ f22 f7 1"/>
+            </a:gdLst>
+            <a:ahLst>
+              <a:ahXY gdRefX="f0" minX="f4" maxX="f5" gdRefY="f1" minY="f4" maxY="f6">
+                <a:pos x="f14" y="f15"/>
+              </a:ahXY>
+            </a:ahLst>
+            <a:cxnLst>
+              <a:cxn ang="3cd4">
+                <a:pos x="hc" y="t"/>
+              </a:cxn>
+              <a:cxn ang="0">
+                <a:pos x="r" y="vc"/>
+              </a:cxn>
+              <a:cxn ang="cd4">
+                <a:pos x="hc" y="b"/>
+              </a:cxn>
+              <a:cxn ang="cd2">
+                <a:pos x="l" y="vc"/>
+              </a:cxn>
+            </a:cxnLst>
+            <a:rect l="f16" t="f19" r="f23" b="f18"/>
+            <a:pathLst>
+              <a:path w="21600" h="21600">
+                <a:moveTo>
+                  <a:pt x="f4" y="f11"/>
+                </a:moveTo>
+                <a:lnTo>
+                  <a:pt x="f12" y="f11"/>
+                </a:lnTo>
+                <a:lnTo>
+                  <a:pt x="f12" y="f4"/>
+                </a:lnTo>
+                <a:lnTo>
+                  <a:pt x="f5" y="f6"/>
+                </a:lnTo>
+                <a:lnTo>
+                  <a:pt x="f12" y="f5"/>
+                </a:lnTo>
+                <a:lnTo>
+                  <a:pt x="f12" y="f13"/>
+                </a:lnTo>
+                <a:lnTo>
+                  <a:pt x="f4" y="f13"/>
+                </a:lnTo>
+                <a:close/>
+              </a:path>
+            </a:pathLst>
+          </a:custGeom>
+          <a:solidFill>
+            <a:srgbClr val="729FCF"/>
+          </a:solidFill>
+          <a:ln w="0">
+            <a:solidFill>
+              <a:srgbClr val="3465A4"/>
+            </a:solidFill>
+            <a:prstDash val="solid"/>
+          </a:ln>
+        </p:spPr>
+        <p:txBody>
+          <a:bodyPr vert="horz" wrap="none" lIns="108847" tIns="54423" rIns="108847" bIns="54423" anchor="ctr" anchorCtr="0" compatLnSpc="0">
+            <a:noAutofit/>
+          </a:bodyPr>
+          <a:lstStyle/>
+          <a:p>
+            <a:pPr hangingPunct="0"/>
+            <a:endParaRPr lang="ru-RU" sz="2177">
+              <a:latin typeface="Liberation Sans" pitchFamily="18"/>
+              <a:ea typeface="Microsoft YaHei" pitchFamily="2"/>
+              <a:cs typeface="Mangal" pitchFamily="2"/>
+            </a:endParaRPr>
+          </a:p>
+        </p:txBody>
+      </p:sp>
+      <p:cxnSp>
+        <p:nvCxnSpPr>
+          <p:cNvPr id="28" name="Соединительная линия уступом 27"/>
+          <p:cNvCxnSpPr/>
+          <p:nvPr/>
+        </p:nvCxnSpPr>
+        <p:spPr>
+          <a:xfrm>
+            <a:off x="6961229" y="1287062"/>
+            <a:ext cx="522464" cy="3120196"/>
+          </a:xfrm>
+          <a:prstGeom prst="bentConnector2">
+            <a:avLst/>
+          </a:prstGeom>
+          <a:noFill/>
+          <a:ln w="36000">
+            <a:solidFill>
+              <a:srgbClr val="999999"/>
+            </a:solidFill>
+            <a:prstDash val="solid"/>
+          </a:ln>
+        </p:spPr>
+      </p:cxnSp>
+      <p:cxnSp>
+        <p:nvCxnSpPr>
+          <p:cNvPr id="29" name="Соединительная линия уступом 28"/>
+          <p:cNvCxnSpPr/>
+          <p:nvPr/>
+        </p:nvCxnSpPr>
+        <p:spPr>
+          <a:xfrm>
+            <a:off x="6966395" y="1276988"/>
+            <a:ext cx="2176932" cy="3120414"/>
+          </a:xfrm>
+          <a:prstGeom prst="bentConnector3">
+            <a:avLst/>
+          </a:prstGeom>
+          <a:noFill/>
+          <a:ln w="36000">
+            <a:solidFill>
+              <a:srgbClr val="999999"/>
+            </a:solidFill>
+            <a:prstDash val="solid"/>
+          </a:ln>
+        </p:spPr>
+      </p:cxnSp>
+      <p:sp>
+        <p:nvSpPr>
+          <p:cNvPr id="30" name="Полилиния 29"/>
+          <p:cNvSpPr/>
+          <p:nvPr/>
+        </p:nvSpPr>
+        <p:spPr>
+          <a:xfrm rot="5400000">
+            <a:off x="522677" y="1393236"/>
+            <a:ext cx="174155" cy="174155"/>
+          </a:xfrm>
+          <a:custGeom>
+            <a:avLst>
+              <a:gd name="f0" fmla="val 10800"/>
+            </a:avLst>
+            <a:gdLst>
+              <a:gd name="f1" fmla="val 10800000"/>
+              <a:gd name="f2" fmla="val 5400000"/>
+              <a:gd name="f3" fmla="val 180"/>
+              <a:gd name="f4" fmla="val w"/>
+              <a:gd name="f5" fmla="val h"/>
+              <a:gd name="f6" fmla="val 0"/>
+              <a:gd name="f7" fmla="val 21600"/>
+              <a:gd name="f8" fmla="val -2147483647"/>
+              <a:gd name="f9" fmla="val 2147483647"/>
+              <a:gd name="f10" fmla="+- 0 0 0"/>
+              <a:gd name="f11" fmla="*/ f4 1 21600"/>
+              <a:gd name="f12" fmla="*/ f5 1 21600"/>
+              <a:gd name="f13" fmla="pin 0 f0 21600"/>
+              <a:gd name="f14" fmla="*/ f10 f1 1"/>
+              <a:gd name="f15" fmla="val f13"/>
+              <a:gd name="f16" fmla="*/ f13 1 2"/>
+              <a:gd name="f17" fmla="*/ f13 f11 1"/>
+              <a:gd name="f18" fmla="*/ f6 f12 1"/>
+              <a:gd name="f19" fmla="*/ 18000 f12 1"/>
+              <a:gd name="f20" fmla="*/ 10800 f12 1"/>
+              <a:gd name="f21" fmla="*/ 0 f12 1"/>
+              <a:gd name="f22" fmla="*/ f14 1 f3"/>
+              <a:gd name="f23" fmla="*/ 0 f11 1"/>
+              <a:gd name="f24" fmla="*/ 21600 f12 1"/>
+              <a:gd name="f25" fmla="*/ 10800 f11 1"/>
+              <a:gd name="f26" fmla="*/ 21600 f11 1"/>
+              <a:gd name="f27" fmla="+- f16 10800 0"/>
+              <a:gd name="f28" fmla="+- 21600 0 f15"/>
+              <a:gd name="f29" fmla="*/ f16 f11 1"/>
+              <a:gd name="f30" fmla="*/ f15 f11 1"/>
+              <a:gd name="f31" fmla="+- f22 0 f2"/>
+              <a:gd name="f32" fmla="*/ f28 1 2"/>
+              <a:gd name="f33" fmla="*/ f27 f11 1"/>
+              <a:gd name="f34" fmla="+- 21600 0 f32"/>
+              <a:gd name="f35" fmla="*/ f34 f11 1"/>
+            </a:gdLst>
+            <a:ahLst>
+              <a:ahXY gdRefX="f0" minX="f6" maxX="f7">
+                <a:pos x="f17" y="f18"/>
+              </a:ahXY>
+            </a:ahLst>
+            <a:cxnLst>
+              <a:cxn ang="3cd4">
+                <a:pos x="hc" y="t"/>
+              </a:cxn>
+              <a:cxn ang="0">
+                <a:pos x="r" y="vc"/>
+              </a:cxn>
+              <a:cxn ang="cd4">
+                <a:pos x="hc" y="b"/>
+              </a:cxn>
+              <a:cxn ang="cd2">
+                <a:pos x="l" y="vc"/>
+              </a:cxn>
+              <a:cxn ang="f31">
+                <a:pos x="f30" y="f21"/>
+              </a:cxn>
+              <a:cxn ang="f31">
+                <a:pos x="f29" y="f20"/>
+              </a:cxn>
+              <a:cxn ang="f31">
+                <a:pos x="f23" y="f24"/>
+              </a:cxn>
+              <a:cxn ang="f31">
+                <a:pos x="f25" y="f24"/>
+              </a:cxn>
+              <a:cxn ang="f31">
+                <a:pos x="f26" y="f24"/>
+              </a:cxn>
+              <a:cxn ang="f31">
+                <a:pos x="f35" y="f20"/>
+              </a:cxn>
+            </a:cxnLst>
+            <a:rect l="f29" t="f20" r="f33" b="f19"/>
+            <a:pathLst>
+              <a:path w="21600" h="21600">
+                <a:moveTo>
+                  <a:pt x="f15" y="f6"/>
+                </a:moveTo>
+                <a:lnTo>
+                  <a:pt x="f7" y="f7"/>
+                </a:lnTo>
+                <a:lnTo>
+                  <a:pt x="f6" y="f7"/>
+                </a:lnTo>
+                <a:close/>
+              </a:path>
+            </a:pathLst>
+          </a:custGeom>
+          <a:solidFill>
+            <a:srgbClr val="579D1C"/>
+          </a:solidFill>
+          <a:ln>
+            <a:noFill/>
+            <a:prstDash val="solid"/>
+          </a:ln>
+        </p:spPr>
+        <p:txBody>
+          <a:bodyPr vert="horz" wrap="none" lIns="108847" tIns="54423" rIns="108847" bIns="54423" anchor="ctr" anchorCtr="0" compatLnSpc="0">
+            <a:noAutofit/>
+          </a:bodyPr>
+          <a:lstStyle/>
+          <a:p>
+            <a:pPr hangingPunct="0"/>
+            <a:endParaRPr lang="ru-RU" sz="2177">
+              <a:latin typeface="Liberation Sans" pitchFamily="18"/>
+              <a:ea typeface="Microsoft YaHei" pitchFamily="2"/>
+              <a:cs typeface="Mangal" pitchFamily="2"/>
+            </a:endParaRPr>
+          </a:p>
+        </p:txBody>
+      </p:sp>
+      <p:sp>
+        <p:nvSpPr>
+          <p:cNvPr id="31" name="Полилиния 30"/>
+          <p:cNvSpPr/>
+          <p:nvPr/>
+        </p:nvSpPr>
+        <p:spPr>
+          <a:xfrm rot="5400000">
+            <a:off x="522677" y="3134781"/>
+            <a:ext cx="174155" cy="174155"/>
+          </a:xfrm>
+          <a:custGeom>
+            <a:avLst>
+              <a:gd name="f0" fmla="val 10800"/>
+            </a:avLst>
+            <a:gdLst>
+              <a:gd name="f1" fmla="val 10800000"/>
+              <a:gd name="f2" fmla="val 5400000"/>
+              <a:gd name="f3" fmla="val 180"/>
+              <a:gd name="f4" fmla="val w"/>
+              <a:gd name="f5" fmla="val h"/>
+              <a:gd name="f6" fmla="val 0"/>
+              <a:gd name="f7" fmla="val 21600"/>
+              <a:gd name="f8" fmla="val -2147483647"/>
+              <a:gd name="f9" fmla="val 2147483647"/>
+              <a:gd name="f10" fmla="+- 0 0 0"/>
+              <a:gd name="f11" fmla="*/ f4 1 21600"/>
+              <a:gd name="f12" fmla="*/ f5 1 21600"/>
+              <a:gd name="f13" fmla="pin 0 f0 21600"/>
+              <a:gd name="f14" fmla="*/ f10 f1 1"/>
+              <a:gd name="f15" fmla="val f13"/>
+              <a:gd name="f16" fmla="*/ f13 1 2"/>
+              <a:gd name="f17" fmla="*/ f13 f11 1"/>
+              <a:gd name="f18" fmla="*/ f6 f12 1"/>
+              <a:gd name="f19" fmla="*/ 18000 f12 1"/>
+              <a:gd name="f20" fmla="*/ 10800 f12 1"/>
+              <a:gd name="f21" fmla="*/ 0 f12 1"/>
+              <a:gd name="f22" fmla="*/ f14 1 f3"/>
+              <a:gd name="f23" fmla="*/ 0 f11 1"/>
+              <a:gd name="f24" fmla="*/ 21600 f12 1"/>
+              <a:gd name="f25" fmla="*/ 10800 f11 1"/>
+              <a:gd name="f26" fmla="*/ 21600 f11 1"/>
+              <a:gd name="f27" fmla="+- f16 10800 0"/>
+              <a:gd name="f28" fmla="+- 21600 0 f15"/>
+              <a:gd name="f29" fmla="*/ f16 f11 1"/>
+              <a:gd name="f30" fmla="*/ f15 f11 1"/>
+              <a:gd name="f31" fmla="+- f22 0 f2"/>
+              <a:gd name="f32" fmla="*/ f28 1 2"/>
+              <a:gd name="f33" fmla="*/ f27 f11 1"/>
+              <a:gd name="f34" fmla="+- 21600 0 f32"/>
+              <a:gd name="f35" fmla="*/ f34 f11 1"/>
+            </a:gdLst>
+            <a:ahLst>
+              <a:ahXY gdRefX="f0" minX="f6" maxX="f7">
+                <a:pos x="f17" y="f18"/>
+              </a:ahXY>
+            </a:ahLst>
+            <a:cxnLst>
+              <a:cxn ang="3cd4">
+                <a:pos x="hc" y="t"/>
+              </a:cxn>
+              <a:cxn ang="0">
+                <a:pos x="r" y="vc"/>
+              </a:cxn>
+              <a:cxn ang="cd4">
+                <a:pos x="hc" y="b"/>
+              </a:cxn>
+              <a:cxn ang="cd2">
+                <a:pos x="l" y="vc"/>
+              </a:cxn>
+              <a:cxn ang="f31">
+                <a:pos x="f30" y="f21"/>
+              </a:cxn>
+              <a:cxn ang="f31">
+                <a:pos x="f29" y="f20"/>
+              </a:cxn>
+              <a:cxn ang="f31">
+                <a:pos x="f23" y="f24"/>
+              </a:cxn>
+              <a:cxn ang="f31">
+                <a:pos x="f25" y="f24"/>
+              </a:cxn>
+              <a:cxn ang="f31">
+                <a:pos x="f26" y="f24"/>
+              </a:cxn>
+              <a:cxn ang="f31">
+                <a:pos x="f35" y="f20"/>
+              </a:cxn>
+            </a:cxnLst>
+            <a:rect l="f29" t="f20" r="f33" b="f19"/>
+            <a:pathLst>
+              <a:path w="21600" h="21600">
+                <a:moveTo>
+                  <a:pt x="f15" y="f6"/>
+                </a:moveTo>
+                <a:lnTo>
+                  <a:pt x="f7" y="f7"/>
+                </a:lnTo>
+                <a:lnTo>
+                  <a:pt x="f6" y="f7"/>
+                </a:lnTo>
+                <a:close/>
+              </a:path>
+            </a:pathLst>
+          </a:custGeom>
+          <a:solidFill>
+            <a:srgbClr val="579D1C"/>
+          </a:solidFill>
+          <a:ln>
+            <a:noFill/>
+            <a:prstDash val="solid"/>
+          </a:ln>
+        </p:spPr>
+        <p:txBody>
+          <a:bodyPr vert="horz" wrap="none" lIns="108847" tIns="54423" rIns="108847" bIns="54423" anchor="ctr" anchorCtr="0" compatLnSpc="0">
+            <a:noAutofit/>
+          </a:bodyPr>
+          <a:lstStyle/>
+          <a:p>
+            <a:pPr hangingPunct="0"/>
+            <a:endParaRPr lang="ru-RU" sz="2177">
+              <a:latin typeface="Liberation Sans" pitchFamily="18"/>
+              <a:ea typeface="Microsoft YaHei" pitchFamily="2"/>
+              <a:cs typeface="Mangal" pitchFamily="2"/>
+            </a:endParaRPr>
+          </a:p>
+        </p:txBody>
+      </p:sp>
     </p:spTree>
     <p:extLst>
       <p:ext uri="{BB962C8B-B14F-4D97-AF65-F5344CB8AC3E}">
-        <p14:creationId xmlns:p14="http://schemas.microsoft.com/office/powerpoint/2010/main" val="2939980895"/>
+        <p14:creationId xmlns:p14="http://schemas.microsoft.com/office/powerpoint/2010/main" val="1793036748"/>
       </p:ext>
     </p:extLst>
   </p:cSld>
   <p:clrMapOvr>
     <a:masterClrMapping/>
   </p:clrMapOvr>
+  <mc:AlternateContent xmlns:mc="http://schemas.openxmlformats.org/markup-compatibility/2006" xmlns:p14="http://schemas.microsoft.com/office/powerpoint/2010/main">
+    <mc:Choice Requires="p14">
+      <p:transition spd="slow" p14:dur="2000"/>
+    </mc:Choice>
+    <mc:Fallback xmlns="">
+      <p:transition spd="slow"/>
+    </mc:Fallback>
+  </mc:AlternateContent>
+  <p:timing>
+    <p:tnLst>
+      <p:par>
+        <p:cTn id="1" dur="indefinite" restart="never" nodeType="tmRoot">
+          <p:childTnLst>
+            <p:seq concurrent="1" nextAc="seek">
+              <p:cTn id="2" dur="indefinite" nodeType="mainSeq">
+                <p:childTnLst>
+                  <p:par>
+                    <p:cTn id="3" fill="hold">
+                      <p:stCondLst>
+                        <p:cond delay="indefinite"/>
+                      </p:stCondLst>
+                      <p:childTnLst>
+                        <p:par>
+                          <p:cTn id="4" fill="hold">
+                            <p:stCondLst>
+                              <p:cond delay="0"/>
+                            </p:stCondLst>
+                            <p:childTnLst>
+                              <p:par>
+                                <p:cTn id="5" presetClass="entr" fill="hold" nodeType="clickEffect">
+                                  <p:stCondLst>
+                                    <p:cond delay="0"/>
+                                  </p:stCondLst>
+                                  <p:childTnLst>
+                                    <p:set>
+                                      <p:cBhvr>
+                                        <p:cTn id="6" dur="1" fill="hold">
+                                          <p:stCondLst>
+                                            <p:cond delay="0"/>
+                                          </p:stCondLst>
+                                        </p:cTn>
+                                        <p:tgtEl>
+                                          <p:spTgt spid="10"/>
+                                        </p:tgtEl>
+                                        <p:attrNameLst>
+                                          <p:attrName>style.visibility</p:attrName>
+                                        </p:attrNameLst>
+                                      </p:cBhvr>
+                                      <p:to>
+                                        <p:strVal val="visible"/>
+                                      </p:to>
+                                    </p:set>
+                                  </p:childTnLst>
+                                </p:cTn>
+                              </p:par>
+                            </p:childTnLst>
+                          </p:cTn>
+                        </p:par>
+                      </p:childTnLst>
+                    </p:cTn>
+                  </p:par>
+                  <p:par>
+                    <p:cTn id="7" fill="hold">
+                      <p:stCondLst>
+                        <p:cond delay="indefinite"/>
+                      </p:stCondLst>
+                      <p:childTnLst>
+                        <p:par>
+                          <p:cTn id="8" fill="hold">
+                            <p:stCondLst>
+                              <p:cond delay="0"/>
+                            </p:stCondLst>
+                            <p:childTnLst>
+                              <p:par>
+                                <p:cTn id="9" presetClass="entr" fill="hold" nodeType="clickEffect">
+                                  <p:stCondLst>
+                                    <p:cond delay="0"/>
+                                  </p:stCondLst>
+                                  <p:childTnLst>
+                                    <p:set>
+                                      <p:cBhvr>
+                                        <p:cTn id="10" dur="1" fill="hold">
+                                          <p:stCondLst>
+                                            <p:cond delay="0"/>
+                                          </p:stCondLst>
+                                        </p:cTn>
+                                        <p:tgtEl>
+                                          <p:spTgt spid="14"/>
+                                        </p:tgtEl>
+                                        <p:attrNameLst>
+                                          <p:attrName>style.visibility</p:attrName>
+                                        </p:attrNameLst>
+                                      </p:cBhvr>
+                                      <p:to>
+                                        <p:strVal val="visible"/>
+                                      </p:to>
+                                    </p:set>
+                                  </p:childTnLst>
+                                </p:cTn>
+                              </p:par>
+                              <p:par>
+                                <p:cTn id="11" presetClass="entr" fill="hold" nodeType="withEffect">
+                                  <p:stCondLst>
+                                    <p:cond delay="0"/>
+                                  </p:stCondLst>
+                                  <p:childTnLst>
+                                    <p:set>
+                                      <p:cBhvr>
+                                        <p:cTn id="12" dur="1" fill="hold">
+                                          <p:stCondLst>
+                                            <p:cond delay="0"/>
+                                          </p:stCondLst>
+                                        </p:cTn>
+                                        <p:tgtEl>
+                                          <p:spTgt spid="25"/>
+                                        </p:tgtEl>
+                                        <p:attrNameLst>
+                                          <p:attrName>style.visibility</p:attrName>
+                                        </p:attrNameLst>
+                                      </p:cBhvr>
+                                      <p:to>
+                                        <p:strVal val="visible"/>
+                                      </p:to>
+                                    </p:set>
+                                  </p:childTnLst>
+                                </p:cTn>
+                              </p:par>
+                            </p:childTnLst>
+                          </p:cTn>
+                        </p:par>
+                      </p:childTnLst>
+                    </p:cTn>
+                  </p:par>
+                  <p:par>
+                    <p:cTn id="13" fill="hold">
+                      <p:stCondLst>
+                        <p:cond delay="indefinite"/>
+                      </p:stCondLst>
+                      <p:childTnLst>
+                        <p:par>
+                          <p:cTn id="14" fill="hold">
+                            <p:stCondLst>
+                              <p:cond delay="0"/>
+                            </p:stCondLst>
+                            <p:childTnLst>
+                              <p:par>
+                                <p:cTn id="15" presetClass="exit" fill="hold" nodeType="clickEffect">
+                                  <p:stCondLst>
+                                    <p:cond delay="0"/>
+                                  </p:stCondLst>
+                                  <p:childTnLst>
+                                    <p:set>
+                                      <p:cBhvr>
+                                        <p:cTn id="16" dur="1" fill="hold">
+                                          <p:stCondLst>
+                                            <p:cond delay="0"/>
+                                          </p:stCondLst>
+                                        </p:cTn>
+                                        <p:tgtEl>
+                                          <p:spTgt spid="10"/>
+                                        </p:tgtEl>
+                                        <p:attrNameLst>
+                                          <p:attrName>style.visibility</p:attrName>
+                                        </p:attrNameLst>
+                                      </p:cBhvr>
+                                      <p:to>
+                                        <p:strVal val="hidden"/>
+                                      </p:to>
+                                    </p:set>
+                                  </p:childTnLst>
+                                </p:cTn>
+                              </p:par>
+                              <p:par>
+                                <p:cTn id="17" presetClass="entr" fill="hold" nodeType="withEffect">
+                                  <p:stCondLst>
+                                    <p:cond delay="0"/>
+                                  </p:stCondLst>
+                                  <p:childTnLst>
+                                    <p:set>
+                                      <p:cBhvr>
+                                        <p:cTn id="18" dur="1" fill="hold">
+                                          <p:stCondLst>
+                                            <p:cond delay="0"/>
+                                          </p:stCondLst>
+                                        </p:cTn>
+                                        <p:tgtEl>
+                                          <p:spTgt spid="13"/>
+                                        </p:tgtEl>
+                                        <p:attrNameLst>
+                                          <p:attrName>style.visibility</p:attrName>
+                                        </p:attrNameLst>
+                                      </p:cBhvr>
+                                      <p:to>
+                                        <p:strVal val="visible"/>
+                                      </p:to>
+                                    </p:set>
+                                  </p:childTnLst>
+                                </p:cTn>
+                              </p:par>
+                            </p:childTnLst>
+                          </p:cTn>
+                        </p:par>
+                      </p:childTnLst>
+                    </p:cTn>
+                  </p:par>
+                  <p:par>
+                    <p:cTn id="19" fill="hold">
+                      <p:stCondLst>
+                        <p:cond delay="indefinite"/>
+                      </p:stCondLst>
+                      <p:childTnLst>
+                        <p:par>
+                          <p:cTn id="20" fill="hold">
+                            <p:stCondLst>
+                              <p:cond delay="0"/>
+                            </p:stCondLst>
+                            <p:childTnLst>
+                              <p:par>
+                                <p:cTn id="21" presetClass="entr" fill="hold" nodeType="clickEffect">
+                                  <p:stCondLst>
+                                    <p:cond delay="0"/>
+                                  </p:stCondLst>
+                                  <p:childTnLst>
+                                    <p:set>
+                                      <p:cBhvr>
+                                        <p:cTn id="22" dur="1" fill="hold">
+                                          <p:stCondLst>
+                                            <p:cond delay="0"/>
+                                          </p:stCondLst>
+                                        </p:cTn>
+                                        <p:tgtEl>
+                                          <p:spTgt spid="22"/>
+                                        </p:tgtEl>
+                                        <p:attrNameLst>
+                                          <p:attrName>style.visibility</p:attrName>
+                                        </p:attrNameLst>
+                                      </p:cBhvr>
+                                      <p:to>
+                                        <p:strVal val="visible"/>
+                                      </p:to>
+                                    </p:set>
+                                  </p:childTnLst>
+                                </p:cTn>
+                              </p:par>
+                              <p:par>
+                                <p:cTn id="23" presetClass="entr" fill="hold" nodeType="withEffect">
+                                  <p:stCondLst>
+                                    <p:cond delay="0"/>
+                                  </p:stCondLst>
+                                  <p:childTnLst>
+                                    <p:set>
+                                      <p:cBhvr>
+                                        <p:cTn id="24" dur="1" fill="hold">
+                                          <p:stCondLst>
+                                            <p:cond delay="0"/>
+                                          </p:stCondLst>
+                                        </p:cTn>
+                                        <p:tgtEl>
+                                          <p:spTgt spid="26"/>
+                                        </p:tgtEl>
+                                        <p:attrNameLst>
+                                          <p:attrName>style.visibility</p:attrName>
+                                        </p:attrNameLst>
+                                      </p:cBhvr>
+                                      <p:to>
+                                        <p:strVal val="visible"/>
+                                      </p:to>
+                                    </p:set>
+                                  </p:childTnLst>
+                                </p:cTn>
+                              </p:par>
+                            </p:childTnLst>
+                          </p:cTn>
+                        </p:par>
+                      </p:childTnLst>
+                    </p:cTn>
+                  </p:par>
+                  <p:par>
+                    <p:cTn id="25" fill="hold">
+                      <p:stCondLst>
+                        <p:cond delay="indefinite"/>
+                      </p:stCondLst>
+                      <p:childTnLst>
+                        <p:par>
+                          <p:cTn id="26" fill="hold">
+                            <p:stCondLst>
+                              <p:cond delay="0"/>
+                            </p:stCondLst>
+                            <p:childTnLst>
+                              <p:par>
+                                <p:cTn id="27" presetClass="exit" fill="hold" nodeType="clickEffect">
+                                  <p:stCondLst>
+                                    <p:cond delay="0"/>
+                                  </p:stCondLst>
+                                  <p:childTnLst>
+                                    <p:set>
+                                      <p:cBhvr>
+                                        <p:cTn id="28" dur="1" fill="hold">
+                                          <p:stCondLst>
+                                            <p:cond delay="0"/>
+                                          </p:stCondLst>
+                                        </p:cTn>
+                                        <p:tgtEl>
+                                          <p:spTgt spid="13"/>
+                                        </p:tgtEl>
+                                        <p:attrNameLst>
+                                          <p:attrName>style.visibility</p:attrName>
+                                        </p:attrNameLst>
+                                      </p:cBhvr>
+                                      <p:to>
+                                        <p:strVal val="hidden"/>
+                                      </p:to>
+                                    </p:set>
+                                  </p:childTnLst>
+                                </p:cTn>
+                              </p:par>
+                              <p:par>
+                                <p:cTn id="29" presetClass="entr" fill="hold" nodeType="withEffect">
+                                  <p:stCondLst>
+                                    <p:cond delay="0"/>
+                                  </p:stCondLst>
+                                  <p:childTnLst>
+                                    <p:set>
+                                      <p:cBhvr>
+                                        <p:cTn id="30" dur="1" fill="hold">
+                                          <p:stCondLst>
+                                            <p:cond delay="0"/>
+                                          </p:stCondLst>
+                                        </p:cTn>
+                                        <p:tgtEl>
+                                          <p:spTgt spid="20"/>
+                                        </p:tgtEl>
+                                        <p:attrNameLst>
+                                          <p:attrName>style.visibility</p:attrName>
+                                        </p:attrNameLst>
+                                      </p:cBhvr>
+                                      <p:to>
+                                        <p:strVal val="visible"/>
+                                      </p:to>
+                                    </p:set>
+                                  </p:childTnLst>
+                                </p:cTn>
+                              </p:par>
+                            </p:childTnLst>
+                          </p:cTn>
+                        </p:par>
+                      </p:childTnLst>
+                    </p:cTn>
+                  </p:par>
+                  <p:par>
+                    <p:cTn id="31" fill="hold">
+                      <p:stCondLst>
+                        <p:cond delay="indefinite"/>
+                      </p:stCondLst>
+                      <p:childTnLst>
+                        <p:par>
+                          <p:cTn id="32" fill="hold">
+                            <p:stCondLst>
+                              <p:cond delay="0"/>
+                            </p:stCondLst>
+                            <p:childTnLst>
+                              <p:par>
+                                <p:cTn id="33" presetClass="entr" fill="hold" nodeType="clickEffect">
+                                  <p:stCondLst>
+                                    <p:cond delay="0"/>
+                                  </p:stCondLst>
+                                  <p:childTnLst>
+                                    <p:set>
+                                      <p:cBhvr>
+                                        <p:cTn id="34" dur="1" fill="hold">
+                                          <p:stCondLst>
+                                            <p:cond delay="0"/>
+                                          </p:stCondLst>
+                                        </p:cTn>
+                                        <p:tgtEl>
+                                          <p:spTgt spid="11"/>
+                                        </p:tgtEl>
+                                        <p:attrNameLst>
+                                          <p:attrName>style.visibility</p:attrName>
+                                        </p:attrNameLst>
+                                      </p:cBhvr>
+                                      <p:to>
+                                        <p:strVal val="visible"/>
+                                      </p:to>
+                                    </p:set>
+                                  </p:childTnLst>
+                                </p:cTn>
+                              </p:par>
+                              <p:par>
+                                <p:cTn id="35" presetClass="exit" fill="hold" nodeType="withEffect">
+                                  <p:stCondLst>
+                                    <p:cond delay="0"/>
+                                  </p:stCondLst>
+                                  <p:childTnLst>
+                                    <p:set>
+                                      <p:cBhvr>
+                                        <p:cTn id="36" dur="1" fill="hold">
+                                          <p:stCondLst>
+                                            <p:cond delay="0"/>
+                                          </p:stCondLst>
+                                        </p:cTn>
+                                        <p:tgtEl>
+                                          <p:spTgt spid="20"/>
+                                        </p:tgtEl>
+                                        <p:attrNameLst>
+                                          <p:attrName>style.visibility</p:attrName>
+                                        </p:attrNameLst>
+                                      </p:cBhvr>
+                                      <p:to>
+                                        <p:strVal val="hidden"/>
+                                      </p:to>
+                                    </p:set>
+                                  </p:childTnLst>
+                                </p:cTn>
+                              </p:par>
+                            </p:childTnLst>
+                          </p:cTn>
+                        </p:par>
+                      </p:childTnLst>
+                    </p:cTn>
+                  </p:par>
+                  <p:par>
+                    <p:cTn id="37" fill="hold">
+                      <p:stCondLst>
+                        <p:cond delay="indefinite"/>
+                      </p:stCondLst>
+                      <p:childTnLst>
+                        <p:par>
+                          <p:cTn id="38" fill="hold">
+                            <p:stCondLst>
+                              <p:cond delay="0"/>
+                            </p:stCondLst>
+                            <p:childTnLst>
+                              <p:par>
+                                <p:cTn id="39" presetClass="entr" fill="hold" nodeType="clickEffect">
+                                  <p:stCondLst>
+                                    <p:cond delay="0"/>
+                                  </p:stCondLst>
+                                  <p:childTnLst>
+                                    <p:set>
+                                      <p:cBhvr>
+                                        <p:cTn id="40" dur="1" fill="hold">
+                                          <p:stCondLst>
+                                            <p:cond delay="0"/>
+                                          </p:stCondLst>
+                                        </p:cTn>
+                                        <p:tgtEl>
+                                          <p:spTgt spid="17"/>
+                                        </p:tgtEl>
+                                        <p:attrNameLst>
+                                          <p:attrName>style.visibility</p:attrName>
+                                        </p:attrNameLst>
+                                      </p:cBhvr>
+                                      <p:to>
+                                        <p:strVal val="visible"/>
+                                      </p:to>
+                                    </p:set>
+                                  </p:childTnLst>
+                                </p:cTn>
+                              </p:par>
+                              <p:par>
+                                <p:cTn id="41" presetClass="entr" fill="hold" nodeType="withEffect">
+                                  <p:stCondLst>
+                                    <p:cond delay="0"/>
+                                  </p:stCondLst>
+                                  <p:childTnLst>
+                                    <p:set>
+                                      <p:cBhvr>
+                                        <p:cTn id="42" dur="1" fill="hold">
+                                          <p:stCondLst>
+                                            <p:cond delay="0"/>
+                                          </p:stCondLst>
+                                        </p:cTn>
+                                        <p:tgtEl>
+                                          <p:spTgt spid="28"/>
+                                        </p:tgtEl>
+                                        <p:attrNameLst>
+                                          <p:attrName>style.visibility</p:attrName>
+                                        </p:attrNameLst>
+                                      </p:cBhvr>
+                                      <p:to>
+                                        <p:strVal val="visible"/>
+                                      </p:to>
+                                    </p:set>
+                                  </p:childTnLst>
+                                </p:cTn>
+                              </p:par>
+                              <p:par>
+                                <p:cTn id="43" presetClass="entr" fill="hold" nodeType="withEffect">
+                                  <p:stCondLst>
+                                    <p:cond delay="0"/>
+                                  </p:stCondLst>
+                                  <p:childTnLst>
+                                    <p:set>
+                                      <p:cBhvr>
+                                        <p:cTn id="44" dur="1" fill="hold">
+                                          <p:stCondLst>
+                                            <p:cond delay="0"/>
+                                          </p:stCondLst>
+                                        </p:cTn>
+                                        <p:tgtEl>
+                                          <p:spTgt spid="27"/>
+                                        </p:tgtEl>
+                                        <p:attrNameLst>
+                                          <p:attrName>style.visibility</p:attrName>
+                                        </p:attrNameLst>
+                                      </p:cBhvr>
+                                      <p:to>
+                                        <p:strVal val="visible"/>
+                                      </p:to>
+                                    </p:set>
+                                  </p:childTnLst>
+                                </p:cTn>
+                              </p:par>
+                            </p:childTnLst>
+                          </p:cTn>
+                        </p:par>
+                      </p:childTnLst>
+                    </p:cTn>
+                  </p:par>
+                  <p:par>
+                    <p:cTn id="45" fill="hold">
+                      <p:stCondLst>
+                        <p:cond delay="indefinite"/>
+                      </p:stCondLst>
+                      <p:childTnLst>
+                        <p:par>
+                          <p:cTn id="46" fill="hold">
+                            <p:stCondLst>
+                              <p:cond delay="0"/>
+                            </p:stCondLst>
+                            <p:childTnLst>
+                              <p:par>
+                                <p:cTn id="47" presetClass="exit" fill="hold" nodeType="clickEffect">
+                                  <p:stCondLst>
+                                    <p:cond delay="0"/>
+                                  </p:stCondLst>
+                                  <p:childTnLst>
+                                    <p:set>
+                                      <p:cBhvr>
+                                        <p:cTn id="48" dur="1" fill="hold">
+                                          <p:stCondLst>
+                                            <p:cond delay="0"/>
+                                          </p:stCondLst>
+                                        </p:cTn>
+                                        <p:tgtEl>
+                                          <p:spTgt spid="11"/>
+                                        </p:tgtEl>
+                                        <p:attrNameLst>
+                                          <p:attrName>style.visibility</p:attrName>
+                                        </p:attrNameLst>
+                                      </p:cBhvr>
+                                      <p:to>
+                                        <p:strVal val="hidden"/>
+                                      </p:to>
+                                    </p:set>
+                                  </p:childTnLst>
+                                </p:cTn>
+                              </p:par>
+                              <p:par>
+                                <p:cTn id="49" presetClass="entr" fill="hold" nodeType="withEffect">
+                                  <p:stCondLst>
+                                    <p:cond delay="0"/>
+                                  </p:stCondLst>
+                                  <p:childTnLst>
+                                    <p:set>
+                                      <p:cBhvr>
+                                        <p:cTn id="50" dur="1" fill="hold">
+                                          <p:stCondLst>
+                                            <p:cond delay="0"/>
+                                          </p:stCondLst>
+                                        </p:cTn>
+                                        <p:tgtEl>
+                                          <p:spTgt spid="30"/>
+                                        </p:tgtEl>
+                                        <p:attrNameLst>
+                                          <p:attrName>style.visibility</p:attrName>
+                                        </p:attrNameLst>
+                                      </p:cBhvr>
+                                      <p:to>
+                                        <p:strVal val="visible"/>
+                                      </p:to>
+                                    </p:set>
+                                  </p:childTnLst>
+                                </p:cTn>
+                              </p:par>
+                            </p:childTnLst>
+                          </p:cTn>
+                        </p:par>
+                      </p:childTnLst>
+                    </p:cTn>
+                  </p:par>
+                  <p:par>
+                    <p:cTn id="51" fill="hold">
+                      <p:stCondLst>
+                        <p:cond delay="indefinite"/>
+                      </p:stCondLst>
+                      <p:childTnLst>
+                        <p:par>
+                          <p:cTn id="52" fill="hold">
+                            <p:stCondLst>
+                              <p:cond delay="0"/>
+                            </p:stCondLst>
+                            <p:childTnLst>
+                              <p:par>
+                                <p:cTn id="53" presetClass="exit" fill="hold" nodeType="clickEffect">
+                                  <p:stCondLst>
+                                    <p:cond delay="0"/>
+                                  </p:stCondLst>
+                                  <p:childTnLst>
+                                    <p:set>
+                                      <p:cBhvr>
+                                        <p:cTn id="54" dur="1" fill="hold">
+                                          <p:stCondLst>
+                                            <p:cond delay="0"/>
+                                          </p:stCondLst>
+                                        </p:cTn>
+                                        <p:tgtEl>
+                                          <p:spTgt spid="28"/>
+                                        </p:tgtEl>
+                                        <p:attrNameLst>
+                                          <p:attrName>style.visibility</p:attrName>
+                                        </p:attrNameLst>
+                                      </p:cBhvr>
+                                      <p:to>
+                                        <p:strVal val="hidden"/>
+                                      </p:to>
+                                    </p:set>
+                                  </p:childTnLst>
+                                </p:cTn>
+                              </p:par>
+                              <p:par>
+                                <p:cTn id="55" presetClass="entr" fill="hold" nodeType="withEffect">
+                                  <p:stCondLst>
+                                    <p:cond delay="0"/>
+                                  </p:stCondLst>
+                                  <p:childTnLst>
+                                    <p:set>
+                                      <p:cBhvr>
+                                        <p:cTn id="56" dur="1" fill="hold">
+                                          <p:stCondLst>
+                                            <p:cond delay="0"/>
+                                          </p:stCondLst>
+                                        </p:cTn>
+                                        <p:tgtEl>
+                                          <p:spTgt spid="2"/>
+                                        </p:tgtEl>
+                                        <p:attrNameLst>
+                                          <p:attrName>style.visibility</p:attrName>
+                                        </p:attrNameLst>
+                                      </p:cBhvr>
+                                      <p:to>
+                                        <p:strVal val="visible"/>
+                                      </p:to>
+                                    </p:set>
+                                  </p:childTnLst>
+                                </p:cTn>
+                              </p:par>
+                              <p:par>
+                                <p:cTn id="57" presetClass="entr" fill="hold" nodeType="withEffect">
+                                  <p:stCondLst>
+                                    <p:cond delay="0"/>
+                                  </p:stCondLst>
+                                  <p:childTnLst>
+                                    <p:set>
+                                      <p:cBhvr>
+                                        <p:cTn id="58" dur="1" fill="hold">
+                                          <p:stCondLst>
+                                            <p:cond delay="0"/>
+                                          </p:stCondLst>
+                                        </p:cTn>
+                                        <p:tgtEl>
+                                          <p:spTgt spid="29"/>
+                                        </p:tgtEl>
+                                        <p:attrNameLst>
+                                          <p:attrName>style.visibility</p:attrName>
+                                        </p:attrNameLst>
+                                      </p:cBhvr>
+                                      <p:to>
+                                        <p:strVal val="visible"/>
+                                      </p:to>
+                                    </p:set>
+                                  </p:childTnLst>
+                                </p:cTn>
+                              </p:par>
+                            </p:childTnLst>
+                          </p:cTn>
+                        </p:par>
+                      </p:childTnLst>
+                    </p:cTn>
+                  </p:par>
+                  <p:par>
+                    <p:cTn id="59" fill="hold">
+                      <p:stCondLst>
+                        <p:cond delay="indefinite"/>
+                      </p:stCondLst>
+                      <p:childTnLst>
+                        <p:par>
+                          <p:cTn id="60" fill="hold">
+                            <p:stCondLst>
+                              <p:cond delay="0"/>
+                            </p:stCondLst>
+                            <p:childTnLst>
+                              <p:par>
+                                <p:cTn id="61" presetClass="exit" fill="hold" nodeType="clickEffect">
+                                  <p:stCondLst>
+                                    <p:cond delay="0"/>
+                                  </p:stCondLst>
+                                  <p:childTnLst>
+                                    <p:set>
+                                      <p:cBhvr>
+                                        <p:cTn id="62" dur="1" fill="hold">
+                                          <p:stCondLst>
+                                            <p:cond delay="0"/>
+                                          </p:stCondLst>
+                                        </p:cTn>
+                                        <p:tgtEl>
+                                          <p:spTgt spid="30"/>
+                                        </p:tgtEl>
+                                        <p:attrNameLst>
+                                          <p:attrName>style.visibility</p:attrName>
+                                        </p:attrNameLst>
+                                      </p:cBhvr>
+                                      <p:to>
+                                        <p:strVal val="hidden"/>
+                                      </p:to>
+                                    </p:set>
+                                  </p:childTnLst>
+                                </p:cTn>
+                              </p:par>
+                              <p:par>
+                                <p:cTn id="63" presetClass="entr" fill="hold" nodeType="withEffect">
+                                  <p:stCondLst>
+                                    <p:cond delay="0"/>
+                                  </p:stCondLst>
+                                  <p:childTnLst>
+                                    <p:set>
+                                      <p:cBhvr>
+                                        <p:cTn id="64" dur="1" fill="hold">
+                                          <p:stCondLst>
+                                            <p:cond delay="0"/>
+                                          </p:stCondLst>
+                                        </p:cTn>
+                                        <p:tgtEl>
+                                          <p:spTgt spid="12"/>
+                                        </p:tgtEl>
+                                        <p:attrNameLst>
+                                          <p:attrName>style.visibility</p:attrName>
+                                        </p:attrNameLst>
+                                      </p:cBhvr>
+                                      <p:to>
+                                        <p:strVal val="visible"/>
+                                      </p:to>
+                                    </p:set>
+                                  </p:childTnLst>
+                                </p:cTn>
+                              </p:par>
+                            </p:childTnLst>
+                          </p:cTn>
+                        </p:par>
+                      </p:childTnLst>
+                    </p:cTn>
+                  </p:par>
+                  <p:par>
+                    <p:cTn id="65" fill="hold">
+                      <p:stCondLst>
+                        <p:cond delay="indefinite"/>
+                      </p:stCondLst>
+                      <p:childTnLst>
+                        <p:par>
+                          <p:cTn id="66" fill="hold">
+                            <p:stCondLst>
+                              <p:cond delay="0"/>
+                            </p:stCondLst>
+                            <p:childTnLst>
+                              <p:par>
+                                <p:cTn id="67" presetClass="exit" fill="hold" nodeType="clickEffect">
+                                  <p:stCondLst>
+                                    <p:cond delay="0"/>
+                                  </p:stCondLst>
+                                  <p:childTnLst>
+                                    <p:set>
+                                      <p:cBhvr>
+                                        <p:cTn id="68" dur="1" fill="hold">
+                                          <p:stCondLst>
+                                            <p:cond delay="0"/>
+                                          </p:stCondLst>
+                                        </p:cTn>
+                                        <p:tgtEl>
+                                          <p:spTgt spid="17"/>
+                                        </p:tgtEl>
+                                        <p:attrNameLst>
+                                          <p:attrName>style.visibility</p:attrName>
+                                        </p:attrNameLst>
+                                      </p:cBhvr>
+                                      <p:to>
+                                        <p:strVal val="hidden"/>
+                                      </p:to>
+                                    </p:set>
+                                  </p:childTnLst>
+                                </p:cTn>
+                              </p:par>
+                              <p:par>
+                                <p:cTn id="69" presetClass="exit" fill="hold" nodeType="withEffect">
+                                  <p:stCondLst>
+                                    <p:cond delay="0"/>
+                                  </p:stCondLst>
+                                  <p:childTnLst>
+                                    <p:set>
+                                      <p:cBhvr>
+                                        <p:cTn id="70" dur="1" fill="hold">
+                                          <p:stCondLst>
+                                            <p:cond delay="0"/>
+                                          </p:stCondLst>
+                                        </p:cTn>
+                                        <p:tgtEl>
+                                          <p:spTgt spid="27"/>
+                                        </p:tgtEl>
+                                        <p:attrNameLst>
+                                          <p:attrName>style.visibility</p:attrName>
+                                        </p:attrNameLst>
+                                      </p:cBhvr>
+                                      <p:to>
+                                        <p:strVal val="hidden"/>
+                                      </p:to>
+                                    </p:set>
+                                  </p:childTnLst>
+                                </p:cTn>
+                              </p:par>
+                              <p:par>
+                                <p:cTn id="71" presetClass="exit" fill="hold" nodeType="withEffect">
+                                  <p:stCondLst>
+                                    <p:cond delay="0"/>
+                                  </p:stCondLst>
+                                  <p:childTnLst>
+                                    <p:set>
+                                      <p:cBhvr>
+                                        <p:cTn id="72" dur="1" fill="hold">
+                                          <p:stCondLst>
+                                            <p:cond delay="0"/>
+                                          </p:stCondLst>
+                                        </p:cTn>
+                                        <p:tgtEl>
+                                          <p:spTgt spid="29"/>
+                                        </p:tgtEl>
+                                        <p:attrNameLst>
+                                          <p:attrName>style.visibility</p:attrName>
+                                        </p:attrNameLst>
+                                      </p:cBhvr>
+                                      <p:to>
+                                        <p:strVal val="hidden"/>
+                                      </p:to>
+                                    </p:set>
+                                  </p:childTnLst>
+                                </p:cTn>
+                              </p:par>
+                            </p:childTnLst>
+                          </p:cTn>
+                        </p:par>
+                      </p:childTnLst>
+                    </p:cTn>
+                  </p:par>
+                  <p:par>
+                    <p:cTn id="73" fill="hold">
+                      <p:stCondLst>
+                        <p:cond delay="indefinite"/>
+                      </p:stCondLst>
+                      <p:childTnLst>
+                        <p:par>
+                          <p:cTn id="74" fill="hold">
+                            <p:stCondLst>
+                              <p:cond delay="0"/>
+                            </p:stCondLst>
+                            <p:childTnLst>
+                              <p:par>
+                                <p:cTn id="75" presetClass="exit" fill="hold" nodeType="clickEffect">
+                                  <p:stCondLst>
+                                    <p:cond delay="0"/>
+                                  </p:stCondLst>
+                                  <p:childTnLst>
+                                    <p:set>
+                                      <p:cBhvr>
+                                        <p:cTn id="76" dur="1" fill="hold">
+                                          <p:stCondLst>
+                                            <p:cond delay="0"/>
+                                          </p:stCondLst>
+                                        </p:cTn>
+                                        <p:tgtEl>
+                                          <p:spTgt spid="12"/>
+                                        </p:tgtEl>
+                                        <p:attrNameLst>
+                                          <p:attrName>style.visibility</p:attrName>
+                                        </p:attrNameLst>
+                                      </p:cBhvr>
+                                      <p:to>
+                                        <p:strVal val="hidden"/>
+                                      </p:to>
+                                    </p:set>
+                                  </p:childTnLst>
+                                </p:cTn>
+                              </p:par>
+                              <p:par>
+                                <p:cTn id="77" presetClass="entr" fill="hold" nodeType="withEffect">
+                                  <p:stCondLst>
+                                    <p:cond delay="0"/>
+                                  </p:stCondLst>
+                                  <p:childTnLst>
+                                    <p:set>
+                                      <p:cBhvr>
+                                        <p:cTn id="78" dur="1" fill="hold">
+                                          <p:stCondLst>
+                                            <p:cond delay="0"/>
+                                          </p:stCondLst>
+                                        </p:cTn>
+                                        <p:tgtEl>
+                                          <p:spTgt spid="31"/>
+                                        </p:tgtEl>
+                                        <p:attrNameLst>
+                                          <p:attrName>style.visibility</p:attrName>
+                                        </p:attrNameLst>
+                                      </p:cBhvr>
+                                      <p:to>
+                                        <p:strVal val="visible"/>
+                                      </p:to>
+                                    </p:set>
+                                  </p:childTnLst>
+                                </p:cTn>
+                              </p:par>
+                            </p:childTnLst>
+                          </p:cTn>
+                        </p:par>
+                      </p:childTnLst>
+                    </p:cTn>
+                  </p:par>
+                </p:childTnLst>
+              </p:cTn>
+              <p:prevCondLst>
+                <p:cond evt="onPrev" delay="0">
+                  <p:tgtEl>
+                    <p:sldTgt/>
+                  </p:tgtEl>
+                </p:cond>
+              </p:prevCondLst>
+              <p:nextCondLst>
+                <p:cond evt="onNext" delay="0">
+                  <p:tgtEl>
+                    <p:sldTgt/>
+                  </p:tgtEl>
+                </p:cond>
+              </p:nextCondLst>
+            </p:seq>
+          </p:childTnLst>
+        </p:cTn>
+      </p:par>
+    </p:tnLst>
+  </p:timing>
 </p:sld>
 </file>
 
@@ -4227,11 +11097,13 @@
       </p:sp>
       <p:pic>
         <p:nvPicPr>
-          <p:cNvPr id="5" name="Рисунок 4"/>
+          <p:cNvPr id="4" name="Объект 3"/>
           <p:cNvPicPr>
-            <a:picLocks noChangeAspect="1"/>
+            <a:picLocks noGrp="1" noChangeAspect="1"/>
           </p:cNvPicPr>
-          <p:nvPr/>
+          <p:nvPr>
+            <p:ph idx="1"/>
+          </p:nvPr>
         </p:nvPicPr>
         <p:blipFill>
           <a:blip r:embed="rId2"/>
@@ -4241,34 +11113,8 @@
         </p:blipFill>
         <p:spPr>
           <a:xfrm>
-            <a:off x="1771074" y="5015777"/>
-            <a:ext cx="4814783" cy="1386543"/>
-          </a:xfrm>
-          <a:prstGeom prst="rect">
-            <a:avLst/>
-          </a:prstGeom>
-        </p:spPr>
-      </p:pic>
-      <p:pic>
-        <p:nvPicPr>
-          <p:cNvPr id="7" name="Объект 6"/>
-          <p:cNvPicPr>
-            <a:picLocks noGrp="1" noChangeAspect="1"/>
-          </p:cNvPicPr>
-          <p:nvPr>
-            <p:ph idx="1"/>
-          </p:nvPr>
-        </p:nvPicPr>
-        <p:blipFill>
-          <a:blip r:embed="rId3"/>
-          <a:stretch>
-            <a:fillRect/>
-          </a:stretch>
-        </p:blipFill>
-        <p:spPr>
-          <a:xfrm>
-            <a:off x="1771074" y="1690688"/>
-            <a:ext cx="8656617" cy="3112221"/>
+            <a:off x="1619430" y="1690688"/>
+            <a:ext cx="8953140" cy="4959494"/>
           </a:xfrm>
           <a:prstGeom prst="rect">
             <a:avLst/>
@@ -4278,7 +11124,7 @@
     </p:spTree>
     <p:extLst>
       <p:ext uri="{BB962C8B-B14F-4D97-AF65-F5344CB8AC3E}">
-        <p14:creationId xmlns:p14="http://schemas.microsoft.com/office/powerpoint/2010/main" val="2625306237"/>
+        <p14:creationId xmlns:p14="http://schemas.microsoft.com/office/powerpoint/2010/main" val="194382878"/>
       </p:ext>
     </p:extLst>
   </p:cSld>
@@ -4554,4 +11400,265 @@
     </a:ext>
   </a:extLst>
 </a:theme>
+</file>
+
+<file path=ppt/theme/theme2.xml><?xml version="1.0" encoding="utf-8"?>
+<a:theme xmlns:a="http://schemas.openxmlformats.org/drawingml/2006/main" name="Тема Office">
+  <a:themeElements>
+    <a:clrScheme name="Стандартная">
+      <a:dk1>
+        <a:sysClr val="windowText" lastClr="000000"/>
+      </a:dk1>
+      <a:lt1>
+        <a:sysClr val="window" lastClr="FFFFFF"/>
+      </a:lt1>
+      <a:dk2>
+        <a:srgbClr val="44546A"/>
+      </a:dk2>
+      <a:lt2>
+        <a:srgbClr val="E7E6E6"/>
+      </a:lt2>
+      <a:accent1>
+        <a:srgbClr val="5B9BD5"/>
+      </a:accent1>
+      <a:accent2>
+        <a:srgbClr val="ED7D31"/>
+      </a:accent2>
+      <a:accent3>
+        <a:srgbClr val="A5A5A5"/>
+      </a:accent3>
+      <a:accent4>
+        <a:srgbClr val="FFC000"/>
+      </a:accent4>
+      <a:accent5>
+        <a:srgbClr val="4472C4"/>
+      </a:accent5>
+      <a:accent6>
+        <a:srgbClr val="70AD47"/>
+      </a:accent6>
+      <a:hlink>
+        <a:srgbClr val="0563C1"/>
+      </a:hlink>
+      <a:folHlink>
+        <a:srgbClr val="954F72"/>
+      </a:folHlink>
+    </a:clrScheme>
+    <a:fontScheme name="Стандартная">
+      <a:majorFont>
+        <a:latin typeface="Calibri Light" panose="020F0302020204030204"/>
+        <a:ea typeface=""/>
+        <a:cs typeface=""/>
+        <a:font script="Jpan" typeface="游ゴシック Light"/>
+        <a:font script="Hang" typeface="맑은 고딕"/>
+        <a:font script="Hans" typeface="等线 Light"/>
+        <a:font script="Hant" typeface="新細明體"/>
+        <a:font script="Arab" typeface="Times New Roman"/>
+        <a:font script="Hebr" typeface="Times New Roman"/>
+        <a:font script="Thai" typeface="Angsana New"/>
+        <a:font script="Ethi" typeface="Nyala"/>
+        <a:font script="Beng" typeface="Vrinda"/>
+        <a:font script="Gujr" typeface="Shruti"/>
+        <a:font script="Khmr" typeface="MoolBoran"/>
+        <a:font script="Knda" typeface="Tunga"/>
+        <a:font script="Guru" typeface="Raavi"/>
+        <a:font script="Cans" typeface="Euphemia"/>
+        <a:font script="Cher" typeface="Plantagenet Cherokee"/>
+        <a:font script="Yiii" typeface="Microsoft Yi Baiti"/>
+        <a:font script="Tibt" typeface="Microsoft Himalaya"/>
+        <a:font script="Thaa" typeface="MV Boli"/>
+        <a:font script="Deva" typeface="Mangal"/>
+        <a:font script="Telu" typeface="Gautami"/>
+        <a:font script="Taml" typeface="Latha"/>
+        <a:font script="Syrc" typeface="Estrangelo Edessa"/>
+        <a:font script="Orya" typeface="Kalinga"/>
+        <a:font script="Mlym" typeface="Kartika"/>
+        <a:font script="Laoo" typeface="DokChampa"/>
+        <a:font script="Sinh" typeface="Iskoola Pota"/>
+        <a:font script="Mong" typeface="Mongolian Baiti"/>
+        <a:font script="Viet" typeface="Times New Roman"/>
+        <a:font script="Uigh" typeface="Microsoft Uighur"/>
+        <a:font script="Geor" typeface="Sylfaen"/>
+      </a:majorFont>
+      <a:minorFont>
+        <a:latin typeface="Calibri" panose="020F0502020204030204"/>
+        <a:ea typeface=""/>
+        <a:cs typeface=""/>
+        <a:font script="Jpan" typeface="游ゴシック"/>
+        <a:font script="Hang" typeface="맑은 고딕"/>
+        <a:font script="Hans" typeface="等线"/>
+        <a:font script="Hant" typeface="新細明體"/>
+        <a:font script="Arab" typeface="Arial"/>
+        <a:font script="Hebr" typeface="Arial"/>
+        <a:font script="Thai" typeface="Cordia New"/>
+        <a:font script="Ethi" typeface="Nyala"/>
+        <a:font script="Beng" typeface="Vrinda"/>
+        <a:font script="Gujr" typeface="Shruti"/>
+        <a:font script="Khmr" typeface="DaunPenh"/>
+        <a:font script="Knda" typeface="Tunga"/>
+        <a:font script="Guru" typeface="Raavi"/>
+        <a:font script="Cans" typeface="Euphemia"/>
+        <a:font script="Cher" typeface="Plantagenet Cherokee"/>
+        <a:font script="Yiii" typeface="Microsoft Yi Baiti"/>
+        <a:font script="Tibt" typeface="Microsoft Himalaya"/>
+        <a:font script="Thaa" typeface="MV Boli"/>
+        <a:font script="Deva" typeface="Mangal"/>
+        <a:font script="Telu" typeface="Gautami"/>
+        <a:font script="Taml" typeface="Latha"/>
+        <a:font script="Syrc" typeface="Estrangelo Edessa"/>
+        <a:font script="Orya" typeface="Kalinga"/>
+        <a:font script="Mlym" typeface="Kartika"/>
+        <a:font script="Laoo" typeface="DokChampa"/>
+        <a:font script="Sinh" typeface="Iskoola Pota"/>
+        <a:font script="Mong" typeface="Mongolian Baiti"/>
+        <a:font script="Viet" typeface="Arial"/>
+        <a:font script="Uigh" typeface="Microsoft Uighur"/>
+        <a:font script="Geor" typeface="Sylfaen"/>
+      </a:minorFont>
+    </a:fontScheme>
+    <a:fmtScheme name="Стандартная">
+      <a:fillStyleLst>
+        <a:solidFill>
+          <a:schemeClr val="phClr"/>
+        </a:solidFill>
+        <a:gradFill rotWithShape="1">
+          <a:gsLst>
+            <a:gs pos="0">
+              <a:schemeClr val="phClr">
+                <a:lumMod val="110000"/>
+                <a:satMod val="105000"/>
+                <a:tint val="67000"/>
+              </a:schemeClr>
+            </a:gs>
+            <a:gs pos="50000">
+              <a:schemeClr val="phClr">
+                <a:lumMod val="105000"/>
+                <a:satMod val="103000"/>
+                <a:tint val="73000"/>
+              </a:schemeClr>
+            </a:gs>
+            <a:gs pos="100000">
+              <a:schemeClr val="phClr">
+                <a:lumMod val="105000"/>
+                <a:satMod val="109000"/>
+                <a:tint val="81000"/>
+              </a:schemeClr>
+            </a:gs>
+          </a:gsLst>
+          <a:lin ang="5400000" scaled="0"/>
+        </a:gradFill>
+        <a:gradFill rotWithShape="1">
+          <a:gsLst>
+            <a:gs pos="0">
+              <a:schemeClr val="phClr">
+                <a:satMod val="103000"/>
+                <a:lumMod val="102000"/>
+                <a:tint val="94000"/>
+              </a:schemeClr>
+            </a:gs>
+            <a:gs pos="50000">
+              <a:schemeClr val="phClr">
+                <a:satMod val="110000"/>
+                <a:lumMod val="100000"/>
+                <a:shade val="100000"/>
+              </a:schemeClr>
+            </a:gs>
+            <a:gs pos="100000">
+              <a:schemeClr val="phClr">
+                <a:lumMod val="99000"/>
+                <a:satMod val="120000"/>
+                <a:shade val="78000"/>
+              </a:schemeClr>
+            </a:gs>
+          </a:gsLst>
+          <a:lin ang="5400000" scaled="0"/>
+        </a:gradFill>
+      </a:fillStyleLst>
+      <a:lnStyleLst>
+        <a:ln w="6350" cap="flat" cmpd="sng" algn="ctr">
+          <a:solidFill>
+            <a:schemeClr val="phClr"/>
+          </a:solidFill>
+          <a:prstDash val="solid"/>
+          <a:miter lim="800000"/>
+        </a:ln>
+        <a:ln w="12700" cap="flat" cmpd="sng" algn="ctr">
+          <a:solidFill>
+            <a:schemeClr val="phClr"/>
+          </a:solidFill>
+          <a:prstDash val="solid"/>
+          <a:miter lim="800000"/>
+        </a:ln>
+        <a:ln w="19050" cap="flat" cmpd="sng" algn="ctr">
+          <a:solidFill>
+            <a:schemeClr val="phClr"/>
+          </a:solidFill>
+          <a:prstDash val="solid"/>
+          <a:miter lim="800000"/>
+        </a:ln>
+      </a:lnStyleLst>
+      <a:effectStyleLst>
+        <a:effectStyle>
+          <a:effectLst/>
+        </a:effectStyle>
+        <a:effectStyle>
+          <a:effectLst/>
+        </a:effectStyle>
+        <a:effectStyle>
+          <a:effectLst>
+            <a:outerShdw blurRad="57150" dist="19050" dir="5400000" algn="ctr" rotWithShape="0">
+              <a:srgbClr val="000000">
+                <a:alpha val="63000"/>
+              </a:srgbClr>
+            </a:outerShdw>
+          </a:effectLst>
+        </a:effectStyle>
+      </a:effectStyleLst>
+      <a:bgFillStyleLst>
+        <a:solidFill>
+          <a:schemeClr val="phClr"/>
+        </a:solidFill>
+        <a:solidFill>
+          <a:schemeClr val="phClr">
+            <a:tint val="95000"/>
+            <a:satMod val="170000"/>
+          </a:schemeClr>
+        </a:solidFill>
+        <a:gradFill rotWithShape="1">
+          <a:gsLst>
+            <a:gs pos="0">
+              <a:schemeClr val="phClr">
+                <a:tint val="93000"/>
+                <a:satMod val="150000"/>
+                <a:shade val="98000"/>
+                <a:lumMod val="102000"/>
+              </a:schemeClr>
+            </a:gs>
+            <a:gs pos="50000">
+              <a:schemeClr val="phClr">
+                <a:tint val="98000"/>
+                <a:satMod val="130000"/>
+                <a:shade val="90000"/>
+                <a:lumMod val="103000"/>
+              </a:schemeClr>
+            </a:gs>
+            <a:gs pos="100000">
+              <a:schemeClr val="phClr">
+                <a:shade val="63000"/>
+                <a:satMod val="120000"/>
+              </a:schemeClr>
+            </a:gs>
+          </a:gsLst>
+          <a:lin ang="5400000" scaled="0"/>
+        </a:gradFill>
+      </a:bgFillStyleLst>
+    </a:fmtScheme>
+  </a:themeElements>
+  <a:objectDefaults/>
+  <a:extraClrSchemeLst/>
+  <a:extLst>
+    <a:ext uri="{05A4C25C-085E-4340-85A3-A5531E510DB2}">
+      <thm15:themeFamily xmlns:thm15="http://schemas.microsoft.com/office/thememl/2012/main" name="Office Theme" id="{62F939B6-93AF-4DB8-9C6B-D6C7DFDC589F}" vid="{4A3C46E8-61CC-4603-A589-7422A47A8E4A}"/>
+    </a:ext>
+  </a:extLst>
+</a:theme>
 </file>